--- a/Documentation/Overal_data_curation.pptx
+++ b/Documentation/Overal_data_curation.pptx
@@ -6,6 +6,7 @@
   </p:sldMasterIdLst>
   <p:sldIdLst>
     <p:sldId id="256" r:id="rId2"/>
+    <p:sldId id="257" r:id="rId3"/>
   </p:sldIdLst>
   <p:sldSz cx="12192000" cy="6858000"/>
   <p:notesSz cx="6858000" cy="9144000"/>
@@ -259,7 +260,7 @@
           <a:p>
             <a:fld id="{F3787539-ED79-4958-8487-251D7A27B661}" type="datetimeFigureOut">
               <a:rPr lang="en-US" smtClean="0"/>
-              <a:t>2/16/2023</a:t>
+              <a:t>8/20/2024</a:t>
             </a:fld>
             <a:endParaRPr lang="en-US"/>
           </a:p>
@@ -457,7 +458,7 @@
           <a:p>
             <a:fld id="{F3787539-ED79-4958-8487-251D7A27B661}" type="datetimeFigureOut">
               <a:rPr lang="en-US" smtClean="0"/>
-              <a:t>2/16/2023</a:t>
+              <a:t>8/20/2024</a:t>
             </a:fld>
             <a:endParaRPr lang="en-US"/>
           </a:p>
@@ -665,7 +666,7 @@
           <a:p>
             <a:fld id="{F3787539-ED79-4958-8487-251D7A27B661}" type="datetimeFigureOut">
               <a:rPr lang="en-US" smtClean="0"/>
-              <a:t>2/16/2023</a:t>
+              <a:t>8/20/2024</a:t>
             </a:fld>
             <a:endParaRPr lang="en-US"/>
           </a:p>
@@ -863,7 +864,7 @@
           <a:p>
             <a:fld id="{F3787539-ED79-4958-8487-251D7A27B661}" type="datetimeFigureOut">
               <a:rPr lang="en-US" smtClean="0"/>
-              <a:t>2/16/2023</a:t>
+              <a:t>8/20/2024</a:t>
             </a:fld>
             <a:endParaRPr lang="en-US"/>
           </a:p>
@@ -1138,7 +1139,7 @@
           <a:p>
             <a:fld id="{F3787539-ED79-4958-8487-251D7A27B661}" type="datetimeFigureOut">
               <a:rPr lang="en-US" smtClean="0"/>
-              <a:t>2/16/2023</a:t>
+              <a:t>8/20/2024</a:t>
             </a:fld>
             <a:endParaRPr lang="en-US"/>
           </a:p>
@@ -1403,7 +1404,7 @@
           <a:p>
             <a:fld id="{F3787539-ED79-4958-8487-251D7A27B661}" type="datetimeFigureOut">
               <a:rPr lang="en-US" smtClean="0"/>
-              <a:t>2/16/2023</a:t>
+              <a:t>8/20/2024</a:t>
             </a:fld>
             <a:endParaRPr lang="en-US"/>
           </a:p>
@@ -1815,7 +1816,7 @@
           <a:p>
             <a:fld id="{F3787539-ED79-4958-8487-251D7A27B661}" type="datetimeFigureOut">
               <a:rPr lang="en-US" smtClean="0"/>
-              <a:t>2/16/2023</a:t>
+              <a:t>8/20/2024</a:t>
             </a:fld>
             <a:endParaRPr lang="en-US"/>
           </a:p>
@@ -1956,7 +1957,7 @@
           <a:p>
             <a:fld id="{F3787539-ED79-4958-8487-251D7A27B661}" type="datetimeFigureOut">
               <a:rPr lang="en-US" smtClean="0"/>
-              <a:t>2/16/2023</a:t>
+              <a:t>8/20/2024</a:t>
             </a:fld>
             <a:endParaRPr lang="en-US"/>
           </a:p>
@@ -2069,7 +2070,7 @@
           <a:p>
             <a:fld id="{F3787539-ED79-4958-8487-251D7A27B661}" type="datetimeFigureOut">
               <a:rPr lang="en-US" smtClean="0"/>
-              <a:t>2/16/2023</a:t>
+              <a:t>8/20/2024</a:t>
             </a:fld>
             <a:endParaRPr lang="en-US"/>
           </a:p>
@@ -2380,7 +2381,7 @@
           <a:p>
             <a:fld id="{F3787539-ED79-4958-8487-251D7A27B661}" type="datetimeFigureOut">
               <a:rPr lang="en-US" smtClean="0"/>
-              <a:t>2/16/2023</a:t>
+              <a:t>8/20/2024</a:t>
             </a:fld>
             <a:endParaRPr lang="en-US"/>
           </a:p>
@@ -2668,7 +2669,7 @@
           <a:p>
             <a:fld id="{F3787539-ED79-4958-8487-251D7A27B661}" type="datetimeFigureOut">
               <a:rPr lang="en-US" smtClean="0"/>
-              <a:t>2/16/2023</a:t>
+              <a:t>8/20/2024</a:t>
             </a:fld>
             <a:endParaRPr lang="en-US"/>
           </a:p>
@@ -2909,7 +2910,7 @@
           <a:p>
             <a:fld id="{F3787539-ED79-4958-8487-251D7A27B661}" type="datetimeFigureOut">
               <a:rPr lang="en-US" smtClean="0"/>
-              <a:t>2/16/2023</a:t>
+              <a:t>8/20/2024</a:t>
             </a:fld>
             <a:endParaRPr lang="en-US"/>
           </a:p>
@@ -10235,6 +10236,5566 @@
 </p:sld>
 </file>
 
+<file path=ppt/slides/slide2.xml><?xml version="1.0" encoding="utf-8"?>
+<p:sld xmlns:a="http://schemas.openxmlformats.org/drawingml/2006/main" xmlns:r="http://schemas.openxmlformats.org/officeDocument/2006/relationships" xmlns:p="http://schemas.openxmlformats.org/presentationml/2006/main">
+  <p:cSld>
+    <p:spTree>
+      <p:nvGrpSpPr>
+        <p:cNvPr id="1" name=""/>
+        <p:cNvGrpSpPr/>
+        <p:nvPr/>
+      </p:nvGrpSpPr>
+      <p:grpSpPr>
+        <a:xfrm>
+          <a:off x="0" y="0"/>
+          <a:ext cx="0" cy="0"/>
+          <a:chOff x="0" y="0"/>
+          <a:chExt cx="0" cy="0"/>
+        </a:xfrm>
+      </p:grpSpPr>
+      <p:sp>
+        <p:nvSpPr>
+          <p:cNvPr id="45" name="Rectangle 44">
+            <a:extLst>
+              <a:ext uri="{FF2B5EF4-FFF2-40B4-BE49-F238E27FC236}">
+                <a16:creationId xmlns:a16="http://schemas.microsoft.com/office/drawing/2014/main" id="{97E639D7-C3D6-47D9-9B78-2A6CF86F8305}"/>
+              </a:ext>
+            </a:extLst>
+          </p:cNvPr>
+          <p:cNvSpPr/>
+          <p:nvPr/>
+        </p:nvSpPr>
+        <p:spPr>
+          <a:xfrm>
+            <a:off x="10243842" y="510239"/>
+            <a:ext cx="1584000" cy="635562"/>
+          </a:xfrm>
+          <a:prstGeom prst="rect">
+            <a:avLst/>
+          </a:prstGeom>
+          <a:noFill/>
+          <a:ln w="12700" cap="flat" cmpd="sng" algn="ctr">
+            <a:solidFill>
+              <a:schemeClr val="tx1"/>
+            </a:solidFill>
+            <a:prstDash val="solid"/>
+            <a:miter lim="800000"/>
+          </a:ln>
+          <a:effectLst/>
+        </p:spPr>
+        <p:txBody>
+          <a:bodyPr rtlCol="0" anchor="ctr"/>
+          <a:lstStyle/>
+          <a:p>
+            <a:pPr marL="0" marR="0" lvl="0" indent="0" defTabSz="914400" eaLnBrk="1" fontAlgn="auto" latinLnBrk="0" hangingPunct="1">
+              <a:lnSpc>
+                <a:spcPct val="100000"/>
+              </a:lnSpc>
+              <a:spcBef>
+                <a:spcPts val="0"/>
+              </a:spcBef>
+              <a:spcAft>
+                <a:spcPts val="0"/>
+              </a:spcAft>
+              <a:buClrTx/>
+              <a:buSzTx/>
+              <a:buFontTx/>
+              <a:buNone/>
+              <a:tabLst/>
+              <a:defRPr/>
+            </a:pPr>
+            <a:r>
+              <a:rPr kumimoji="0" lang="fr-FR" sz="1200" b="0" i="0" u="none" strike="noStrike" kern="1200" cap="none" spc="0" normalizeH="0" baseline="0" noProof="0" dirty="0">
+                <a:ln>
+                  <a:noFill/>
+                </a:ln>
+                <a:effectLst/>
+                <a:uLnTx/>
+                <a:uFillTx/>
+                <a:latin typeface="Calibri" panose="020F0502020204030204"/>
+                <a:ea typeface="+mn-ea"/>
+                <a:cs typeface="+mn-cs"/>
+              </a:rPr>
+              <a:t>Original </a:t>
+            </a:r>
+            <a:r>
+              <a:rPr kumimoji="0" lang="fr-FR" sz="1200" b="0" i="0" u="none" strike="noStrike" kern="1200" cap="none" spc="0" normalizeH="0" baseline="0" noProof="0" dirty="0" err="1">
+                <a:ln>
+                  <a:noFill/>
+                </a:ln>
+                <a:effectLst/>
+                <a:uLnTx/>
+                <a:uFillTx/>
+                <a:latin typeface="Calibri" panose="020F0502020204030204"/>
+                <a:ea typeface="+mn-ea"/>
+                <a:cs typeface="+mn-cs"/>
+              </a:rPr>
+              <a:t>leaf</a:t>
+            </a:r>
+            <a:r>
+              <a:rPr kumimoji="0" lang="fr-FR" sz="1200" b="0" i="0" u="none" strike="noStrike" kern="1200" cap="none" spc="0" normalizeH="0" baseline="0" noProof="0" dirty="0">
+                <a:ln>
+                  <a:noFill/>
+                </a:ln>
+                <a:effectLst/>
+                <a:uLnTx/>
+                <a:uFillTx/>
+                <a:latin typeface="Calibri" panose="020F0502020204030204"/>
+                <a:ea typeface="+mn-ea"/>
+                <a:cs typeface="+mn-cs"/>
+              </a:rPr>
+              <a:t> </a:t>
+            </a:r>
+            <a:r>
+              <a:rPr kumimoji="0" lang="fr-FR" sz="1200" b="0" i="0" u="none" strike="noStrike" kern="1200" cap="none" spc="0" normalizeH="0" baseline="0" noProof="0" dirty="0" err="1">
+                <a:ln>
+                  <a:noFill/>
+                </a:ln>
+                <a:effectLst/>
+                <a:uLnTx/>
+                <a:uFillTx/>
+                <a:latin typeface="Calibri" panose="020F0502020204030204"/>
+                <a:ea typeface="+mn-ea"/>
+                <a:cs typeface="+mn-cs"/>
+              </a:rPr>
+              <a:t>sample</a:t>
+            </a:r>
+            <a:r>
+              <a:rPr kumimoji="0" lang="fr-FR" sz="1200" b="0" i="0" u="none" strike="noStrike" kern="1200" cap="none" spc="0" normalizeH="0" baseline="0" noProof="0" dirty="0">
+                <a:ln>
+                  <a:noFill/>
+                </a:ln>
+                <a:effectLst/>
+                <a:uLnTx/>
+                <a:uFillTx/>
+                <a:latin typeface="Calibri" panose="020F0502020204030204"/>
+                <a:ea typeface="+mn-ea"/>
+                <a:cs typeface="+mn-cs"/>
+              </a:rPr>
+              <a:t> data (free format)</a:t>
+            </a:r>
+            <a:endParaRPr kumimoji="0" lang="en-US" sz="1200" b="0" i="0" u="none" strike="noStrike" kern="1200" cap="none" spc="0" normalizeH="0" baseline="0" noProof="0" dirty="0">
+              <a:ln>
+                <a:noFill/>
+              </a:ln>
+              <a:effectLst/>
+              <a:uLnTx/>
+              <a:uFillTx/>
+              <a:latin typeface="Calibri" panose="020F0502020204030204"/>
+              <a:ea typeface="+mn-ea"/>
+              <a:cs typeface="+mn-cs"/>
+            </a:endParaRPr>
+          </a:p>
+        </p:txBody>
+      </p:sp>
+      <p:sp>
+        <p:nvSpPr>
+          <p:cNvPr id="69" name="Rectangle 68">
+            <a:extLst>
+              <a:ext uri="{FF2B5EF4-FFF2-40B4-BE49-F238E27FC236}">
+                <a16:creationId xmlns:a16="http://schemas.microsoft.com/office/drawing/2014/main" id="{A5FC7545-8BA9-436D-93B4-91206A8706FD}"/>
+              </a:ext>
+            </a:extLst>
+          </p:cNvPr>
+          <p:cNvSpPr/>
+          <p:nvPr/>
+        </p:nvSpPr>
+        <p:spPr>
+          <a:xfrm>
+            <a:off x="10243842" y="2203812"/>
+            <a:ext cx="1584000" cy="403104"/>
+          </a:xfrm>
+          <a:prstGeom prst="rect">
+            <a:avLst/>
+          </a:prstGeom>
+          <a:noFill/>
+          <a:ln w="12700" cap="flat" cmpd="sng" algn="ctr">
+            <a:solidFill>
+              <a:schemeClr val="tx1"/>
+            </a:solidFill>
+            <a:prstDash val="solid"/>
+            <a:miter lim="800000"/>
+          </a:ln>
+          <a:effectLst/>
+        </p:spPr>
+        <p:txBody>
+          <a:bodyPr rtlCol="0" anchor="ctr"/>
+          <a:lstStyle/>
+          <a:p>
+            <a:pPr marL="0" marR="0" lvl="0" indent="0" defTabSz="914400" eaLnBrk="1" fontAlgn="auto" latinLnBrk="0" hangingPunct="1">
+              <a:lnSpc>
+                <a:spcPct val="100000"/>
+              </a:lnSpc>
+              <a:spcBef>
+                <a:spcPts val="0"/>
+              </a:spcBef>
+              <a:spcAft>
+                <a:spcPts val="0"/>
+              </a:spcAft>
+              <a:buClrTx/>
+              <a:buSzTx/>
+              <a:buFontTx/>
+              <a:buNone/>
+              <a:tabLst/>
+              <a:defRPr/>
+            </a:pPr>
+            <a:r>
+              <a:rPr kumimoji="0" lang="fr-FR" sz="1200" b="0" i="0" u="none" strike="noStrike" kern="1200" cap="none" spc="0" normalizeH="0" baseline="0" noProof="0" dirty="0" err="1">
+                <a:ln>
+                  <a:noFill/>
+                </a:ln>
+                <a:effectLst/>
+                <a:uLnTx/>
+                <a:uFillTx/>
+                <a:latin typeface="Calibri" panose="020F0502020204030204"/>
+                <a:ea typeface="+mn-ea"/>
+                <a:cs typeface="+mn-cs"/>
+              </a:rPr>
+              <a:t>Leaf</a:t>
+            </a:r>
+            <a:r>
+              <a:rPr kumimoji="0" lang="fr-FR" sz="1200" b="0" i="0" u="none" strike="noStrike" kern="1200" cap="none" spc="0" normalizeH="0" baseline="0" noProof="0" dirty="0">
+                <a:ln>
+                  <a:noFill/>
+                </a:ln>
+                <a:effectLst/>
+                <a:uLnTx/>
+                <a:uFillTx/>
+                <a:latin typeface="Calibri" panose="020F0502020204030204"/>
+                <a:ea typeface="+mn-ea"/>
+                <a:cs typeface="+mn-cs"/>
+              </a:rPr>
+              <a:t> </a:t>
+            </a:r>
+            <a:r>
+              <a:rPr kumimoji="0" lang="fr-FR" sz="1200" b="0" i="0" u="none" strike="noStrike" kern="1200" cap="none" spc="0" normalizeH="0" baseline="0" noProof="0" dirty="0" err="1">
+                <a:ln>
+                  <a:noFill/>
+                </a:ln>
+                <a:effectLst/>
+                <a:uLnTx/>
+                <a:uFillTx/>
+                <a:latin typeface="Calibri" panose="020F0502020204030204"/>
+                <a:ea typeface="+mn-ea"/>
+                <a:cs typeface="+mn-cs"/>
+              </a:rPr>
+              <a:t>details</a:t>
+            </a:r>
+            <a:endParaRPr kumimoji="0" lang="fr-FR" sz="1200" b="0" i="0" u="none" strike="noStrike" kern="1200" cap="none" spc="0" normalizeH="0" baseline="0" noProof="0" dirty="0">
+              <a:ln>
+                <a:noFill/>
+              </a:ln>
+              <a:effectLst/>
+              <a:uLnTx/>
+              <a:uFillTx/>
+              <a:latin typeface="Calibri" panose="020F0502020204030204"/>
+              <a:ea typeface="+mn-ea"/>
+              <a:cs typeface="+mn-cs"/>
+            </a:endParaRPr>
+          </a:p>
+        </p:txBody>
+      </p:sp>
+      <p:sp>
+        <p:nvSpPr>
+          <p:cNvPr id="72" name="Rectangle 71">
+            <a:extLst>
+              <a:ext uri="{FF2B5EF4-FFF2-40B4-BE49-F238E27FC236}">
+                <a16:creationId xmlns:a16="http://schemas.microsoft.com/office/drawing/2014/main" id="{F6D891CE-8536-42DE-A227-8F210DE6887D}"/>
+              </a:ext>
+            </a:extLst>
+          </p:cNvPr>
+          <p:cNvSpPr/>
+          <p:nvPr/>
+        </p:nvSpPr>
+        <p:spPr>
+          <a:xfrm>
+            <a:off x="10243842" y="2606916"/>
+            <a:ext cx="1584000" cy="2711209"/>
+          </a:xfrm>
+          <a:prstGeom prst="rect">
+            <a:avLst/>
+          </a:prstGeom>
+          <a:noFill/>
+          <a:ln w="12700" cap="flat" cmpd="sng" algn="ctr">
+            <a:solidFill>
+              <a:schemeClr val="tx1"/>
+            </a:solidFill>
+            <a:prstDash val="solid"/>
+            <a:miter lim="800000"/>
+          </a:ln>
+          <a:effectLst/>
+        </p:spPr>
+        <p:txBody>
+          <a:bodyPr rtlCol="0" anchor="ctr"/>
+          <a:lstStyle/>
+          <a:p>
+            <a:pPr marL="0" marR="0" lvl="0" indent="0" defTabSz="914400" eaLnBrk="1" fontAlgn="auto" latinLnBrk="0" hangingPunct="1">
+              <a:lnSpc>
+                <a:spcPct val="100000"/>
+              </a:lnSpc>
+              <a:spcBef>
+                <a:spcPts val="0"/>
+              </a:spcBef>
+              <a:spcAft>
+                <a:spcPts val="0"/>
+              </a:spcAft>
+              <a:buClrTx/>
+              <a:buSzTx/>
+              <a:buFontTx/>
+              <a:buNone/>
+              <a:tabLst/>
+              <a:defRPr/>
+            </a:pPr>
+            <a:r>
+              <a:rPr kumimoji="0" lang="fr-FR" sz="1200" b="0" i="0" u="none" strike="noStrike" kern="1200" cap="none" spc="0" normalizeH="0" baseline="0" noProof="0" dirty="0">
+                <a:ln>
+                  <a:noFill/>
+                </a:ln>
+                <a:effectLst/>
+                <a:uLnTx/>
+                <a:uFillTx/>
+                <a:latin typeface="Calibri" panose="020F0502020204030204"/>
+                <a:ea typeface="+mn-ea"/>
+                <a:cs typeface="+mn-cs"/>
+              </a:rPr>
+              <a:t>- </a:t>
+            </a:r>
+            <a:r>
+              <a:rPr kumimoji="0" lang="fr-FR" sz="1200" b="0" i="0" u="none" strike="noStrike" kern="1200" cap="none" spc="0" normalizeH="0" baseline="0" noProof="0" dirty="0" err="1">
+                <a:ln>
+                  <a:noFill/>
+                </a:ln>
+                <a:effectLst/>
+                <a:uLnTx/>
+                <a:uFillTx/>
+                <a:latin typeface="Calibri" panose="020F0502020204030204"/>
+                <a:ea typeface="+mn-ea"/>
+                <a:cs typeface="+mn-cs"/>
+              </a:rPr>
+              <a:t>SampleID</a:t>
+            </a:r>
+            <a:endParaRPr kumimoji="0" lang="fr-FR" sz="1200" b="0" i="0" u="none" strike="noStrike" kern="1200" cap="none" spc="0" normalizeH="0" baseline="0" noProof="0" dirty="0">
+              <a:ln>
+                <a:noFill/>
+              </a:ln>
+              <a:effectLst/>
+              <a:uLnTx/>
+              <a:uFillTx/>
+              <a:latin typeface="Calibri" panose="020F0502020204030204"/>
+              <a:ea typeface="+mn-ea"/>
+              <a:cs typeface="+mn-cs"/>
+            </a:endParaRPr>
+          </a:p>
+          <a:p>
+            <a:pPr marL="0" marR="0" lvl="0" indent="0" defTabSz="914400" eaLnBrk="1" fontAlgn="auto" latinLnBrk="0" hangingPunct="1">
+              <a:lnSpc>
+                <a:spcPct val="100000"/>
+              </a:lnSpc>
+              <a:spcBef>
+                <a:spcPts val="0"/>
+              </a:spcBef>
+              <a:spcAft>
+                <a:spcPts val="0"/>
+              </a:spcAft>
+              <a:buClrTx/>
+              <a:buSzTx/>
+              <a:buFontTx/>
+              <a:buNone/>
+              <a:tabLst/>
+              <a:defRPr/>
+            </a:pPr>
+            <a:r>
+              <a:rPr kumimoji="0" lang="fr-FR" sz="1200" b="0" i="0" u="none" strike="noStrike" kern="1200" cap="none" spc="0" normalizeH="0" baseline="0" noProof="0" dirty="0">
+                <a:ln>
+                  <a:noFill/>
+                </a:ln>
+                <a:effectLst/>
+                <a:uLnTx/>
+                <a:uFillTx/>
+                <a:latin typeface="Calibri" panose="020F0502020204030204"/>
+                <a:ea typeface="+mn-ea"/>
+                <a:cs typeface="+mn-cs"/>
+              </a:rPr>
+              <a:t>- </a:t>
+            </a:r>
+            <a:r>
+              <a:rPr kumimoji="0" lang="fr-FR" sz="1200" b="0" i="0" u="none" strike="noStrike" kern="1200" cap="none" spc="0" normalizeH="0" baseline="0" noProof="0" dirty="0" err="1">
+                <a:ln>
+                  <a:noFill/>
+                </a:ln>
+                <a:effectLst/>
+                <a:uLnTx/>
+                <a:uFillTx/>
+                <a:latin typeface="Calibri" panose="020F0502020204030204"/>
+                <a:ea typeface="+mn-ea"/>
+                <a:cs typeface="+mn-cs"/>
+              </a:rPr>
+              <a:t>Dataset_name</a:t>
+            </a:r>
+            <a:endParaRPr kumimoji="0" lang="fr-FR" sz="1200" b="0" i="0" u="none" strike="noStrike" kern="1200" cap="none" spc="0" normalizeH="0" baseline="0" noProof="0" dirty="0">
+              <a:ln>
+                <a:noFill/>
+              </a:ln>
+              <a:effectLst/>
+              <a:uLnTx/>
+              <a:uFillTx/>
+              <a:latin typeface="Calibri" panose="020F0502020204030204"/>
+              <a:ea typeface="+mn-ea"/>
+              <a:cs typeface="+mn-cs"/>
+            </a:endParaRPr>
+          </a:p>
+          <a:p>
+            <a:pPr marL="0" marR="0" lvl="0" indent="0" defTabSz="914400" eaLnBrk="1" fontAlgn="auto" latinLnBrk="0" hangingPunct="1">
+              <a:lnSpc>
+                <a:spcPct val="100000"/>
+              </a:lnSpc>
+              <a:spcBef>
+                <a:spcPts val="0"/>
+              </a:spcBef>
+              <a:spcAft>
+                <a:spcPts val="0"/>
+              </a:spcAft>
+              <a:buClrTx/>
+              <a:buSzTx/>
+              <a:buFontTx/>
+              <a:buNone/>
+              <a:tabLst/>
+              <a:defRPr/>
+            </a:pPr>
+            <a:r>
+              <a:rPr kumimoji="0" lang="fr-FR" sz="1200" b="0" i="0" u="none" strike="noStrike" kern="1200" cap="none" spc="0" normalizeH="0" baseline="0" noProof="0" dirty="0">
+                <a:ln>
+                  <a:noFill/>
+                </a:ln>
+                <a:effectLst/>
+                <a:uLnTx/>
+                <a:uFillTx/>
+                <a:latin typeface="Calibri" panose="020F0502020204030204"/>
+                <a:ea typeface="+mn-ea"/>
+                <a:cs typeface="+mn-cs"/>
+              </a:rPr>
+              <a:t>- </a:t>
+            </a:r>
+            <a:r>
+              <a:rPr lang="fr-FR" sz="1200" dirty="0">
+                <a:latin typeface="Calibri" panose="020F0502020204030204"/>
+              </a:rPr>
+              <a:t>Site</a:t>
+            </a:r>
+            <a:r>
+              <a:rPr kumimoji="0" lang="fr-FR" sz="1200" b="0" i="0" u="none" strike="noStrike" kern="1200" cap="none" spc="0" normalizeH="0" baseline="0" noProof="0" dirty="0">
+                <a:ln>
+                  <a:noFill/>
+                </a:ln>
+                <a:effectLst/>
+                <a:uLnTx/>
+                <a:uFillTx/>
+                <a:latin typeface="Calibri" panose="020F0502020204030204"/>
+                <a:ea typeface="+mn-ea"/>
+                <a:cs typeface="+mn-cs"/>
+              </a:rPr>
+              <a:t>_</a:t>
+            </a:r>
+            <a:r>
+              <a:rPr kumimoji="0" lang="fr-FR" sz="1200" b="0" i="0" u="none" strike="noStrike" kern="1200" cap="none" spc="0" normalizeH="0" baseline="0" noProof="0" dirty="0" err="1">
+                <a:ln>
+                  <a:noFill/>
+                </a:ln>
+                <a:effectLst/>
+                <a:uLnTx/>
+                <a:uFillTx/>
+                <a:latin typeface="Calibri" panose="020F0502020204030204"/>
+                <a:ea typeface="+mn-ea"/>
+                <a:cs typeface="+mn-cs"/>
+              </a:rPr>
+              <a:t>name</a:t>
+            </a:r>
+            <a:endParaRPr kumimoji="0" lang="fr-FR" sz="1200" b="0" i="0" u="none" strike="noStrike" kern="1200" cap="none" spc="0" normalizeH="0" baseline="0" noProof="0" dirty="0">
+              <a:ln>
+                <a:noFill/>
+              </a:ln>
+              <a:effectLst/>
+              <a:uLnTx/>
+              <a:uFillTx/>
+              <a:latin typeface="Calibri" panose="020F0502020204030204"/>
+              <a:ea typeface="+mn-ea"/>
+              <a:cs typeface="+mn-cs"/>
+            </a:endParaRPr>
+          </a:p>
+          <a:p>
+            <a:pPr marL="0" marR="0" lvl="0" indent="0" defTabSz="914400" eaLnBrk="1" fontAlgn="auto" latinLnBrk="0" hangingPunct="1">
+              <a:lnSpc>
+                <a:spcPct val="100000"/>
+              </a:lnSpc>
+              <a:spcBef>
+                <a:spcPts val="0"/>
+              </a:spcBef>
+              <a:spcAft>
+                <a:spcPts val="0"/>
+              </a:spcAft>
+              <a:buClrTx/>
+              <a:buSzTx/>
+              <a:buFontTx/>
+              <a:buNone/>
+              <a:tabLst/>
+              <a:defRPr/>
+            </a:pPr>
+            <a:r>
+              <a:rPr kumimoji="0" lang="fr-FR" sz="1200" b="0" i="0" u="none" strike="noStrike" kern="1200" cap="none" spc="0" normalizeH="0" baseline="0" noProof="0" dirty="0">
+                <a:ln>
+                  <a:noFill/>
+                </a:ln>
+                <a:effectLst/>
+                <a:uLnTx/>
+                <a:uFillTx/>
+                <a:latin typeface="Calibri" panose="020F0502020204030204"/>
+                <a:ea typeface="+mn-ea"/>
+                <a:cs typeface="+mn-cs"/>
+              </a:rPr>
+              <a:t>- </a:t>
+            </a:r>
+            <a:r>
+              <a:rPr kumimoji="0" lang="fr-FR" sz="1200" b="0" i="0" u="none" strike="noStrike" kern="1200" cap="none" spc="0" normalizeH="0" baseline="0" noProof="0" dirty="0" err="1">
+                <a:ln>
+                  <a:noFill/>
+                </a:ln>
+                <a:effectLst/>
+                <a:uLnTx/>
+                <a:uFillTx/>
+                <a:latin typeface="Calibri" panose="020F0502020204030204"/>
+                <a:ea typeface="+mn-ea"/>
+                <a:cs typeface="+mn-cs"/>
+              </a:rPr>
+              <a:t>Species</a:t>
+            </a:r>
+            <a:endParaRPr kumimoji="0" lang="fr-FR" sz="1200" b="0" i="0" u="none" strike="noStrike" kern="1200" cap="none" spc="0" normalizeH="0" baseline="0" noProof="0" dirty="0">
+              <a:ln>
+                <a:noFill/>
+              </a:ln>
+              <a:effectLst/>
+              <a:uLnTx/>
+              <a:uFillTx/>
+              <a:latin typeface="Calibri" panose="020F0502020204030204"/>
+              <a:ea typeface="+mn-ea"/>
+              <a:cs typeface="+mn-cs"/>
+            </a:endParaRPr>
+          </a:p>
+          <a:p>
+            <a:pPr marR="0" lvl="0" defTabSz="914400" eaLnBrk="1" fontAlgn="auto" latinLnBrk="0" hangingPunct="1">
+              <a:lnSpc>
+                <a:spcPct val="100000"/>
+              </a:lnSpc>
+              <a:spcBef>
+                <a:spcPts val="0"/>
+              </a:spcBef>
+              <a:spcAft>
+                <a:spcPts val="0"/>
+              </a:spcAft>
+              <a:buClrTx/>
+              <a:buSzTx/>
+              <a:tabLst/>
+              <a:defRPr/>
+            </a:pPr>
+            <a:r>
+              <a:rPr lang="fr-FR" sz="1200" dirty="0">
+                <a:latin typeface="Calibri" panose="020F0502020204030204"/>
+              </a:rPr>
+              <a:t>- </a:t>
+            </a:r>
+            <a:r>
+              <a:rPr kumimoji="0" lang="fr-FR" sz="1200" b="0" i="0" u="none" strike="noStrike" kern="1200" cap="none" spc="0" normalizeH="0" baseline="0" noProof="0" dirty="0" err="1">
+                <a:ln>
+                  <a:noFill/>
+                </a:ln>
+                <a:effectLst/>
+                <a:uLnTx/>
+                <a:uFillTx/>
+                <a:latin typeface="Calibri" panose="020F0502020204030204"/>
+                <a:ea typeface="+mn-ea"/>
+                <a:cs typeface="+mn-cs"/>
+              </a:rPr>
+              <a:t>Sun_Shade</a:t>
+            </a:r>
+            <a:endParaRPr kumimoji="0" lang="fr-FR" sz="1200" b="0" i="0" u="none" strike="noStrike" kern="1200" cap="none" spc="0" normalizeH="0" baseline="0" noProof="0" dirty="0">
+              <a:ln>
+                <a:noFill/>
+              </a:ln>
+              <a:effectLst/>
+              <a:uLnTx/>
+              <a:uFillTx/>
+              <a:latin typeface="Calibri" panose="020F0502020204030204"/>
+              <a:ea typeface="+mn-ea"/>
+              <a:cs typeface="+mn-cs"/>
+            </a:endParaRPr>
+          </a:p>
+          <a:p>
+            <a:pPr marR="0" lvl="0" defTabSz="914400" eaLnBrk="1" fontAlgn="auto" latinLnBrk="0" hangingPunct="1">
+              <a:lnSpc>
+                <a:spcPct val="100000"/>
+              </a:lnSpc>
+              <a:spcBef>
+                <a:spcPts val="0"/>
+              </a:spcBef>
+              <a:spcAft>
+                <a:spcPts val="0"/>
+              </a:spcAft>
+              <a:buClrTx/>
+              <a:buSzTx/>
+              <a:tabLst/>
+              <a:defRPr/>
+            </a:pPr>
+            <a:r>
+              <a:rPr lang="fr-FR" sz="1200" dirty="0">
+                <a:latin typeface="Calibri" panose="020F0502020204030204"/>
+              </a:rPr>
+              <a:t>- </a:t>
+            </a:r>
+            <a:r>
+              <a:rPr lang="fr-FR" sz="1200" dirty="0" err="1">
+                <a:latin typeface="Calibri" panose="020F0502020204030204"/>
+              </a:rPr>
+              <a:t>Phenological_stage</a:t>
+            </a:r>
+            <a:endParaRPr kumimoji="0" lang="fr-FR" sz="1200" b="0" i="0" u="none" strike="noStrike" kern="1200" cap="none" spc="0" normalizeH="0" baseline="0" noProof="0" dirty="0">
+              <a:ln>
+                <a:noFill/>
+              </a:ln>
+              <a:effectLst/>
+              <a:uLnTx/>
+              <a:uFillTx/>
+              <a:latin typeface="Calibri" panose="020F0502020204030204"/>
+            </a:endParaRPr>
+          </a:p>
+          <a:p>
+            <a:pPr marL="0" marR="0" lvl="0" indent="0" defTabSz="914400" eaLnBrk="1" fontAlgn="auto" latinLnBrk="0" hangingPunct="1">
+              <a:lnSpc>
+                <a:spcPct val="100000"/>
+              </a:lnSpc>
+              <a:spcBef>
+                <a:spcPts val="0"/>
+              </a:spcBef>
+              <a:spcAft>
+                <a:spcPts val="0"/>
+              </a:spcAft>
+              <a:buClrTx/>
+              <a:buSzTx/>
+              <a:buFontTx/>
+              <a:buNone/>
+              <a:tabLst/>
+              <a:defRPr/>
+            </a:pPr>
+            <a:r>
+              <a:rPr kumimoji="0" lang="fr-FR" sz="1200" b="0" i="0" u="none" strike="noStrike" kern="1200" cap="none" spc="0" normalizeH="0" baseline="0" noProof="0" dirty="0">
+                <a:ln>
+                  <a:noFill/>
+                </a:ln>
+                <a:effectLst/>
+                <a:uLnTx/>
+                <a:uFillTx/>
+                <a:latin typeface="Calibri" panose="020F0502020204030204"/>
+                <a:ea typeface="+mn-ea"/>
+                <a:cs typeface="+mn-cs"/>
+              </a:rPr>
+              <a:t>- </a:t>
+            </a:r>
+            <a:r>
+              <a:rPr kumimoji="0" lang="fr-FR" sz="1200" b="0" i="0" u="none" strike="noStrike" kern="1200" cap="none" spc="0" normalizeH="0" baseline="0" noProof="0" dirty="0" err="1">
+                <a:ln>
+                  <a:noFill/>
+                </a:ln>
+                <a:effectLst/>
+                <a:uLnTx/>
+                <a:uFillTx/>
+                <a:latin typeface="Calibri" panose="020F0502020204030204"/>
+                <a:ea typeface="+mn-ea"/>
+                <a:cs typeface="+mn-cs"/>
+              </a:rPr>
+              <a:t>Plant_type</a:t>
+            </a:r>
+            <a:endParaRPr kumimoji="0" lang="fr-FR" sz="1200" b="0" i="0" u="none" strike="noStrike" kern="1200" cap="none" spc="0" normalizeH="0" baseline="0" noProof="0" dirty="0">
+              <a:ln>
+                <a:noFill/>
+              </a:ln>
+              <a:effectLst/>
+              <a:uLnTx/>
+              <a:uFillTx/>
+              <a:latin typeface="Calibri" panose="020F0502020204030204"/>
+              <a:ea typeface="+mn-ea"/>
+              <a:cs typeface="+mn-cs"/>
+            </a:endParaRPr>
+          </a:p>
+          <a:p>
+            <a:pPr marL="0" marR="0" lvl="0" indent="0" defTabSz="914400" eaLnBrk="1" fontAlgn="auto" latinLnBrk="0" hangingPunct="1">
+              <a:lnSpc>
+                <a:spcPct val="100000"/>
+              </a:lnSpc>
+              <a:spcBef>
+                <a:spcPts val="0"/>
+              </a:spcBef>
+              <a:spcAft>
+                <a:spcPts val="0"/>
+              </a:spcAft>
+              <a:buClrTx/>
+              <a:buSzTx/>
+              <a:buFontTx/>
+              <a:buNone/>
+              <a:tabLst/>
+              <a:defRPr/>
+            </a:pPr>
+            <a:r>
+              <a:rPr kumimoji="0" lang="fr-FR" sz="1200" b="0" i="0" u="none" strike="noStrike" kern="1200" cap="none" spc="0" normalizeH="0" baseline="0" noProof="0" dirty="0">
+                <a:ln>
+                  <a:noFill/>
+                </a:ln>
+                <a:effectLst/>
+                <a:uLnTx/>
+                <a:uFillTx/>
+                <a:latin typeface="Calibri" panose="020F0502020204030204"/>
+                <a:ea typeface="+mn-ea"/>
+                <a:cs typeface="+mn-cs"/>
+              </a:rPr>
+              <a:t>- </a:t>
+            </a:r>
+            <a:r>
+              <a:rPr kumimoji="0" lang="fr-FR" sz="1200" b="0" i="0" u="none" strike="noStrike" kern="1200" cap="none" spc="0" normalizeH="0" baseline="0" noProof="0" dirty="0" err="1">
+                <a:ln>
+                  <a:noFill/>
+                </a:ln>
+                <a:effectLst/>
+                <a:uLnTx/>
+                <a:uFillTx/>
+                <a:latin typeface="Calibri" panose="020F0502020204030204"/>
+                <a:ea typeface="+mn-ea"/>
+                <a:cs typeface="+mn-cs"/>
+              </a:rPr>
+              <a:t>Soil</a:t>
+            </a:r>
+            <a:endParaRPr kumimoji="0" lang="fr-FR" sz="1200" b="0" i="0" u="none" strike="noStrike" kern="1200" cap="none" spc="0" normalizeH="0" baseline="0" noProof="0" dirty="0">
+              <a:ln>
+                <a:noFill/>
+              </a:ln>
+              <a:effectLst/>
+              <a:uLnTx/>
+              <a:uFillTx/>
+              <a:latin typeface="Calibri" panose="020F0502020204030204"/>
+              <a:ea typeface="+mn-ea"/>
+              <a:cs typeface="+mn-cs"/>
+            </a:endParaRPr>
+          </a:p>
+          <a:p>
+            <a:pPr marL="0" marR="0" lvl="0" indent="0" defTabSz="914400" eaLnBrk="1" fontAlgn="auto" latinLnBrk="0" hangingPunct="1">
+              <a:lnSpc>
+                <a:spcPct val="100000"/>
+              </a:lnSpc>
+              <a:spcBef>
+                <a:spcPts val="0"/>
+              </a:spcBef>
+              <a:spcAft>
+                <a:spcPts val="0"/>
+              </a:spcAft>
+              <a:buClrTx/>
+              <a:buSzTx/>
+              <a:buFontTx/>
+              <a:buNone/>
+              <a:tabLst/>
+              <a:defRPr/>
+            </a:pPr>
+            <a:r>
+              <a:rPr kumimoji="0" lang="fr-FR" sz="1200" b="0" i="0" u="none" strike="noStrike" kern="1200" cap="none" spc="0" normalizeH="0" baseline="0" noProof="0" dirty="0">
+                <a:ln>
+                  <a:noFill/>
+                </a:ln>
+                <a:effectLst/>
+                <a:uLnTx/>
+                <a:uFillTx/>
+                <a:latin typeface="Calibri" panose="020F0502020204030204"/>
+                <a:ea typeface="+mn-ea"/>
+                <a:cs typeface="+mn-cs"/>
+              </a:rPr>
+              <a:t>- LMA</a:t>
+            </a:r>
+          </a:p>
+          <a:p>
+            <a:pPr marL="0" marR="0" lvl="0" indent="0" defTabSz="914400" eaLnBrk="1" fontAlgn="auto" latinLnBrk="0" hangingPunct="1">
+              <a:lnSpc>
+                <a:spcPct val="100000"/>
+              </a:lnSpc>
+              <a:spcBef>
+                <a:spcPts val="0"/>
+              </a:spcBef>
+              <a:spcAft>
+                <a:spcPts val="0"/>
+              </a:spcAft>
+              <a:buClrTx/>
+              <a:buSzTx/>
+              <a:buFontTx/>
+              <a:buNone/>
+              <a:tabLst/>
+              <a:defRPr/>
+            </a:pPr>
+            <a:r>
+              <a:rPr kumimoji="0" lang="fr-FR" sz="1200" b="0" i="0" u="none" strike="noStrike" kern="1200" cap="none" spc="0" normalizeH="0" baseline="0" noProof="0" dirty="0">
+                <a:ln>
+                  <a:noFill/>
+                </a:ln>
+                <a:effectLst/>
+                <a:uLnTx/>
+                <a:uFillTx/>
+                <a:latin typeface="Calibri" panose="020F0502020204030204"/>
+                <a:ea typeface="+mn-ea"/>
+                <a:cs typeface="+mn-cs"/>
+              </a:rPr>
+              <a:t>- </a:t>
+            </a:r>
+            <a:r>
+              <a:rPr kumimoji="0" lang="fr-FR" sz="1200" b="0" i="0" u="none" strike="noStrike" kern="1200" cap="none" spc="0" normalizeH="0" baseline="0" noProof="0" dirty="0" err="1">
+                <a:ln>
+                  <a:noFill/>
+                </a:ln>
+                <a:effectLst/>
+                <a:uLnTx/>
+                <a:uFillTx/>
+                <a:latin typeface="Calibri" panose="020F0502020204030204"/>
+                <a:ea typeface="+mn-ea"/>
+                <a:cs typeface="+mn-cs"/>
+              </a:rPr>
+              <a:t>Narea</a:t>
+            </a:r>
+            <a:endParaRPr kumimoji="0" lang="fr-FR" sz="1200" b="0" i="0" u="none" strike="noStrike" kern="1200" cap="none" spc="0" normalizeH="0" baseline="0" noProof="0" dirty="0">
+              <a:ln>
+                <a:noFill/>
+              </a:ln>
+              <a:effectLst/>
+              <a:uLnTx/>
+              <a:uFillTx/>
+              <a:latin typeface="Calibri" panose="020F0502020204030204"/>
+              <a:ea typeface="+mn-ea"/>
+              <a:cs typeface="+mn-cs"/>
+            </a:endParaRPr>
+          </a:p>
+          <a:p>
+            <a:pPr marR="0" lvl="0" defTabSz="914400" eaLnBrk="1" fontAlgn="auto" latinLnBrk="0" hangingPunct="1">
+              <a:lnSpc>
+                <a:spcPct val="100000"/>
+              </a:lnSpc>
+              <a:spcBef>
+                <a:spcPts val="0"/>
+              </a:spcBef>
+              <a:spcAft>
+                <a:spcPts val="0"/>
+              </a:spcAft>
+              <a:buClrTx/>
+              <a:buSzTx/>
+              <a:tabLst/>
+              <a:defRPr/>
+            </a:pPr>
+            <a:r>
+              <a:rPr kumimoji="0" lang="fr-FR" sz="1200" b="0" i="0" u="none" strike="noStrike" kern="1200" cap="none" spc="0" normalizeH="0" baseline="0" noProof="0" dirty="0">
+                <a:ln>
+                  <a:noFill/>
+                </a:ln>
+                <a:effectLst/>
+                <a:uLnTx/>
+                <a:uFillTx/>
+                <a:latin typeface="Calibri" panose="020F0502020204030204"/>
+                <a:ea typeface="+mn-ea"/>
+                <a:cs typeface="+mn-cs"/>
+              </a:rPr>
+              <a:t>- </a:t>
+            </a:r>
+            <a:r>
+              <a:rPr kumimoji="0" lang="fr-FR" sz="1200" b="0" i="0" u="none" strike="noStrike" kern="1200" cap="none" spc="0" normalizeH="0" baseline="0" noProof="0" dirty="0" err="1">
+                <a:ln>
+                  <a:noFill/>
+                </a:ln>
+                <a:effectLst/>
+                <a:uLnTx/>
+                <a:uFillTx/>
+                <a:latin typeface="Calibri" panose="020F0502020204030204"/>
+                <a:ea typeface="+mn-ea"/>
+                <a:cs typeface="+mn-cs"/>
+              </a:rPr>
+              <a:t>Nmass</a:t>
+            </a:r>
+            <a:endParaRPr kumimoji="0" lang="fr-FR" sz="1200" b="0" i="0" u="none" strike="noStrike" kern="1200" cap="none" spc="0" normalizeH="0" baseline="0" noProof="0" dirty="0">
+              <a:ln>
+                <a:noFill/>
+              </a:ln>
+              <a:effectLst/>
+              <a:uLnTx/>
+              <a:uFillTx/>
+              <a:latin typeface="Calibri" panose="020F0502020204030204"/>
+              <a:ea typeface="+mn-ea"/>
+              <a:cs typeface="+mn-cs"/>
+            </a:endParaRPr>
+          </a:p>
+          <a:p>
+            <a:pPr marR="0" lvl="0" defTabSz="914400" eaLnBrk="1" fontAlgn="auto" latinLnBrk="0" hangingPunct="1">
+              <a:lnSpc>
+                <a:spcPct val="100000"/>
+              </a:lnSpc>
+              <a:spcBef>
+                <a:spcPts val="0"/>
+              </a:spcBef>
+              <a:spcAft>
+                <a:spcPts val="0"/>
+              </a:spcAft>
+              <a:buClrTx/>
+              <a:buSzTx/>
+              <a:tabLst/>
+              <a:defRPr/>
+            </a:pPr>
+            <a:r>
+              <a:rPr lang="fr-FR" sz="1200" kern="1200" dirty="0">
+                <a:latin typeface="Calibri" panose="020F0502020204030204"/>
+                <a:ea typeface="+mn-ea"/>
+                <a:cs typeface="+mn-cs"/>
+              </a:rPr>
+              <a:t>- </a:t>
+            </a:r>
+            <a:r>
+              <a:rPr lang="fr-FR" sz="1200" kern="1200" dirty="0" err="1">
+                <a:latin typeface="Calibri" panose="020F0502020204030204"/>
+                <a:ea typeface="+mn-ea"/>
+                <a:cs typeface="+mn-cs"/>
+              </a:rPr>
+              <a:t>Parea</a:t>
+            </a:r>
+            <a:endParaRPr lang="fr-FR" sz="1200" kern="1200" dirty="0">
+              <a:latin typeface="Calibri" panose="020F0502020204030204"/>
+              <a:ea typeface="+mn-ea"/>
+              <a:cs typeface="+mn-cs"/>
+            </a:endParaRPr>
+          </a:p>
+          <a:p>
+            <a:pPr marR="0" lvl="0" defTabSz="914400" eaLnBrk="1" fontAlgn="auto" latinLnBrk="0" hangingPunct="1">
+              <a:lnSpc>
+                <a:spcPct val="100000"/>
+              </a:lnSpc>
+              <a:spcBef>
+                <a:spcPts val="0"/>
+              </a:spcBef>
+              <a:spcAft>
+                <a:spcPts val="0"/>
+              </a:spcAft>
+              <a:buClrTx/>
+              <a:buSzTx/>
+              <a:tabLst/>
+              <a:defRPr/>
+            </a:pPr>
+            <a:r>
+              <a:rPr kumimoji="0" lang="fr-FR" sz="1200" b="0" i="0" u="none" strike="noStrike" kern="1200" cap="none" spc="0" normalizeH="0" baseline="0" noProof="0" dirty="0">
+                <a:ln>
+                  <a:noFill/>
+                </a:ln>
+                <a:effectLst/>
+                <a:uLnTx/>
+                <a:uFillTx/>
+                <a:latin typeface="Calibri" panose="020F0502020204030204"/>
+                <a:ea typeface="+mn-ea"/>
+                <a:cs typeface="+mn-cs"/>
+              </a:rPr>
+              <a:t>- </a:t>
+            </a:r>
+            <a:r>
+              <a:rPr kumimoji="0" lang="fr-FR" sz="1200" b="0" i="0" u="none" strike="noStrike" kern="1200" cap="none" spc="0" normalizeH="0" baseline="0" noProof="0" dirty="0" err="1">
+                <a:ln>
+                  <a:noFill/>
+                </a:ln>
+                <a:effectLst/>
+                <a:uLnTx/>
+                <a:uFillTx/>
+                <a:latin typeface="Calibri" panose="020F0502020204030204"/>
+                <a:ea typeface="+mn-ea"/>
+                <a:cs typeface="+mn-cs"/>
+              </a:rPr>
+              <a:t>Pmass</a:t>
+            </a:r>
+            <a:endParaRPr kumimoji="0" lang="fr-FR" sz="1200" b="0" i="0" u="none" strike="noStrike" kern="1200" cap="none" spc="0" normalizeH="0" baseline="0" noProof="0" dirty="0">
+              <a:ln>
+                <a:noFill/>
+              </a:ln>
+              <a:effectLst/>
+              <a:uLnTx/>
+              <a:uFillTx/>
+              <a:latin typeface="Calibri" panose="020F0502020204030204"/>
+              <a:ea typeface="+mn-ea"/>
+              <a:cs typeface="+mn-cs"/>
+            </a:endParaRPr>
+          </a:p>
+          <a:p>
+            <a:pPr marL="0" marR="0" lvl="0" indent="0" defTabSz="914400" eaLnBrk="1" fontAlgn="auto" latinLnBrk="0" hangingPunct="1">
+              <a:lnSpc>
+                <a:spcPct val="100000"/>
+              </a:lnSpc>
+              <a:spcBef>
+                <a:spcPts val="0"/>
+              </a:spcBef>
+              <a:spcAft>
+                <a:spcPts val="0"/>
+              </a:spcAft>
+              <a:buClrTx/>
+              <a:buSzTx/>
+              <a:buFontTx/>
+              <a:buNone/>
+              <a:tabLst/>
+              <a:defRPr/>
+            </a:pPr>
+            <a:r>
+              <a:rPr kumimoji="0" lang="fr-FR" sz="1200" b="0" i="0" u="none" strike="noStrike" kern="1200" cap="none" spc="0" normalizeH="0" baseline="0" noProof="0" dirty="0">
+                <a:ln>
+                  <a:noFill/>
+                </a:ln>
+                <a:effectLst/>
+                <a:uLnTx/>
+                <a:uFillTx/>
+                <a:latin typeface="Calibri" panose="020F0502020204030204"/>
+                <a:ea typeface="+mn-ea"/>
+                <a:cs typeface="+mn-cs"/>
+              </a:rPr>
+              <a:t>- LWC</a:t>
+            </a:r>
+          </a:p>
+        </p:txBody>
+      </p:sp>
+      <p:cxnSp>
+        <p:nvCxnSpPr>
+          <p:cNvPr id="74" name="Connecteur droit avec flèche 73">
+            <a:extLst>
+              <a:ext uri="{FF2B5EF4-FFF2-40B4-BE49-F238E27FC236}">
+                <a16:creationId xmlns:a16="http://schemas.microsoft.com/office/drawing/2014/main" id="{8DC40B3C-4A78-49C3-986E-380FBBFFA26F}"/>
+              </a:ext>
+            </a:extLst>
+          </p:cNvPr>
+          <p:cNvCxnSpPr>
+            <a:cxnSpLocks/>
+            <a:stCxn id="45" idx="2"/>
+            <a:endCxn id="75" idx="0"/>
+          </p:cNvCxnSpPr>
+          <p:nvPr/>
+        </p:nvCxnSpPr>
+        <p:spPr>
+          <a:xfrm>
+            <a:off x="11035842" y="1145801"/>
+            <a:ext cx="0" cy="214046"/>
+          </a:xfrm>
+          <a:prstGeom prst="straightConnector1">
+            <a:avLst/>
+          </a:prstGeom>
+          <a:noFill/>
+          <a:ln w="6350" cap="flat" cmpd="sng" algn="ctr">
+            <a:solidFill>
+              <a:schemeClr val="tx1"/>
+            </a:solidFill>
+            <a:prstDash val="solid"/>
+            <a:miter lim="800000"/>
+            <a:tailEnd type="triangle"/>
+          </a:ln>
+          <a:effectLst/>
+        </p:spPr>
+      </p:cxnSp>
+      <p:sp>
+        <p:nvSpPr>
+          <p:cNvPr id="75" name="Ellipse 74">
+            <a:extLst>
+              <a:ext uri="{FF2B5EF4-FFF2-40B4-BE49-F238E27FC236}">
+                <a16:creationId xmlns:a16="http://schemas.microsoft.com/office/drawing/2014/main" id="{8CAAF506-E1E0-4480-BA78-5009C1360B71}"/>
+              </a:ext>
+            </a:extLst>
+          </p:cNvPr>
+          <p:cNvSpPr/>
+          <p:nvPr/>
+        </p:nvSpPr>
+        <p:spPr>
+          <a:xfrm>
+            <a:off x="10035717" y="1359847"/>
+            <a:ext cx="2000250" cy="629919"/>
+          </a:xfrm>
+          <a:prstGeom prst="ellipse">
+            <a:avLst/>
+          </a:prstGeom>
+          <a:noFill/>
+          <a:ln w="12700" cap="flat" cmpd="sng" algn="ctr">
+            <a:solidFill>
+              <a:schemeClr val="tx1"/>
+            </a:solidFill>
+            <a:prstDash val="solid"/>
+            <a:miter lim="800000"/>
+          </a:ln>
+          <a:effectLst/>
+        </p:spPr>
+        <p:txBody>
+          <a:bodyPr rtlCol="0" anchor="ctr"/>
+          <a:lstStyle/>
+          <a:p>
+            <a:pPr marL="0" marR="0" lvl="0" indent="0" algn="ctr" defTabSz="914400" eaLnBrk="1" fontAlgn="auto" latinLnBrk="0" hangingPunct="1">
+              <a:lnSpc>
+                <a:spcPct val="100000"/>
+              </a:lnSpc>
+              <a:spcBef>
+                <a:spcPts val="0"/>
+              </a:spcBef>
+              <a:spcAft>
+                <a:spcPts val="0"/>
+              </a:spcAft>
+              <a:buClrTx/>
+              <a:buSzTx/>
+              <a:buFontTx/>
+              <a:buNone/>
+              <a:tabLst/>
+              <a:defRPr/>
+            </a:pPr>
+            <a:r>
+              <a:rPr kumimoji="0" lang="fr-FR" sz="1200" b="0" i="0" u="none" strike="noStrike" kern="1200" cap="none" spc="0" normalizeH="0" baseline="0" noProof="0" dirty="0">
+                <a:ln>
+                  <a:noFill/>
+                </a:ln>
+                <a:effectLst/>
+                <a:uLnTx/>
+                <a:uFillTx/>
+                <a:latin typeface="Calibri" panose="020F0502020204030204"/>
+                <a:ea typeface="+mn-ea"/>
+                <a:cs typeface="+mn-cs"/>
+              </a:rPr>
+              <a:t>4_Import_transform_SampleDetails.R</a:t>
+            </a:r>
+          </a:p>
+          <a:p>
+            <a:pPr marL="0" marR="0" lvl="0" indent="0" algn="ctr" defTabSz="914400" eaLnBrk="1" fontAlgn="auto" latinLnBrk="0" hangingPunct="1">
+              <a:lnSpc>
+                <a:spcPct val="100000"/>
+              </a:lnSpc>
+              <a:spcBef>
+                <a:spcPts val="0"/>
+              </a:spcBef>
+              <a:spcAft>
+                <a:spcPts val="0"/>
+              </a:spcAft>
+              <a:buClrTx/>
+              <a:buSzTx/>
+              <a:buFontTx/>
+              <a:buNone/>
+              <a:tabLst/>
+              <a:defRPr/>
+            </a:pPr>
+            <a:r>
+              <a:rPr lang="fr-FR" sz="1200" i="1" dirty="0" err="1">
+                <a:latin typeface="Calibri" panose="020F0502020204030204"/>
+              </a:rPr>
+              <a:t>f.Check_data</a:t>
+            </a:r>
+            <a:endParaRPr kumimoji="0" lang="en-US" sz="1200" b="0" i="1" u="none" strike="noStrike" kern="1200" cap="none" spc="0" normalizeH="0" baseline="0" noProof="0" dirty="0">
+              <a:ln>
+                <a:noFill/>
+              </a:ln>
+              <a:effectLst/>
+              <a:uLnTx/>
+              <a:uFillTx/>
+              <a:latin typeface="Calibri" panose="020F0502020204030204"/>
+            </a:endParaRPr>
+          </a:p>
+        </p:txBody>
+      </p:sp>
+      <p:sp>
+        <p:nvSpPr>
+          <p:cNvPr id="79" name="ZoneTexte 78">
+            <a:extLst>
+              <a:ext uri="{FF2B5EF4-FFF2-40B4-BE49-F238E27FC236}">
+                <a16:creationId xmlns:a16="http://schemas.microsoft.com/office/drawing/2014/main" id="{7730101A-9044-4772-91A4-F9ADB62E3AE9}"/>
+              </a:ext>
+            </a:extLst>
+          </p:cNvPr>
+          <p:cNvSpPr txBox="1"/>
+          <p:nvPr/>
+        </p:nvSpPr>
+        <p:spPr>
+          <a:xfrm>
+            <a:off x="11463002" y="388242"/>
+            <a:ext cx="352425" cy="707886"/>
+          </a:xfrm>
+          <a:prstGeom prst="rect">
+            <a:avLst/>
+          </a:prstGeom>
+          <a:noFill/>
+          <a:ln>
+            <a:noFill/>
+          </a:ln>
+        </p:spPr>
+        <p:txBody>
+          <a:bodyPr wrap="square" rtlCol="0">
+            <a:spAutoFit/>
+          </a:bodyPr>
+          <a:lstStyle/>
+          <a:p>
+            <a:r>
+              <a:rPr lang="fr-FR" sz="4000" dirty="0"/>
+              <a:t>*</a:t>
+            </a:r>
+            <a:endParaRPr lang="en-US" dirty="0"/>
+          </a:p>
+        </p:txBody>
+      </p:sp>
+      <p:cxnSp>
+        <p:nvCxnSpPr>
+          <p:cNvPr id="92" name="Connecteur droit avec flèche 91">
+            <a:extLst>
+              <a:ext uri="{FF2B5EF4-FFF2-40B4-BE49-F238E27FC236}">
+                <a16:creationId xmlns:a16="http://schemas.microsoft.com/office/drawing/2014/main" id="{5554E97E-27F0-46A1-B1C1-6D55C6A0764B}"/>
+              </a:ext>
+            </a:extLst>
+          </p:cNvPr>
+          <p:cNvCxnSpPr>
+            <a:cxnSpLocks/>
+            <a:stCxn id="95" idx="2"/>
+            <a:endCxn id="99" idx="0"/>
+          </p:cNvCxnSpPr>
+          <p:nvPr/>
+        </p:nvCxnSpPr>
+        <p:spPr>
+          <a:xfrm>
+            <a:off x="8395211" y="1145801"/>
+            <a:ext cx="0" cy="217718"/>
+          </a:xfrm>
+          <a:prstGeom prst="straightConnector1">
+            <a:avLst/>
+          </a:prstGeom>
+          <a:noFill/>
+          <a:ln w="6350" cap="flat" cmpd="sng" algn="ctr">
+            <a:solidFill>
+              <a:schemeClr val="tx1"/>
+            </a:solidFill>
+            <a:prstDash val="solid"/>
+            <a:miter lim="800000"/>
+            <a:tailEnd type="triangle"/>
+          </a:ln>
+          <a:effectLst/>
+        </p:spPr>
+      </p:cxnSp>
+      <p:sp>
+        <p:nvSpPr>
+          <p:cNvPr id="95" name="Rectangle 94">
+            <a:extLst>
+              <a:ext uri="{FF2B5EF4-FFF2-40B4-BE49-F238E27FC236}">
+                <a16:creationId xmlns:a16="http://schemas.microsoft.com/office/drawing/2014/main" id="{C719F5AA-1B94-4ABA-8A66-6ED3279FA4D3}"/>
+              </a:ext>
+            </a:extLst>
+          </p:cNvPr>
+          <p:cNvSpPr/>
+          <p:nvPr/>
+        </p:nvSpPr>
+        <p:spPr>
+          <a:xfrm>
+            <a:off x="7603211" y="515881"/>
+            <a:ext cx="1584000" cy="629920"/>
+          </a:xfrm>
+          <a:prstGeom prst="rect">
+            <a:avLst/>
+          </a:prstGeom>
+          <a:noFill/>
+          <a:ln w="12700" cap="flat" cmpd="sng" algn="ctr">
+            <a:solidFill>
+              <a:schemeClr val="tx1"/>
+            </a:solidFill>
+            <a:prstDash val="solid"/>
+            <a:miter lim="800000"/>
+          </a:ln>
+          <a:effectLst/>
+        </p:spPr>
+        <p:txBody>
+          <a:bodyPr rtlCol="0" anchor="ctr"/>
+          <a:lstStyle/>
+          <a:p>
+            <a:pPr marL="0" marR="0" lvl="0" indent="0" defTabSz="914400" eaLnBrk="1" fontAlgn="auto" latinLnBrk="0" hangingPunct="1">
+              <a:lnSpc>
+                <a:spcPct val="100000"/>
+              </a:lnSpc>
+              <a:spcBef>
+                <a:spcPts val="0"/>
+              </a:spcBef>
+              <a:spcAft>
+                <a:spcPts val="0"/>
+              </a:spcAft>
+              <a:buClrTx/>
+              <a:buSzTx/>
+              <a:buFontTx/>
+              <a:buNone/>
+              <a:tabLst/>
+              <a:defRPr/>
+            </a:pPr>
+            <a:r>
+              <a:rPr kumimoji="0" lang="fr-FR" sz="1200" b="0" i="0" u="none" strike="noStrike" kern="1200" cap="none" spc="0" normalizeH="0" baseline="0" noProof="0" dirty="0">
+                <a:ln>
+                  <a:noFill/>
+                </a:ln>
+                <a:effectLst/>
+                <a:uLnTx/>
+                <a:uFillTx/>
+                <a:latin typeface="Calibri" panose="020F0502020204030204"/>
+                <a:ea typeface="+mn-ea"/>
+                <a:cs typeface="+mn-cs"/>
+              </a:rPr>
+              <a:t>Original </a:t>
+            </a:r>
+            <a:r>
+              <a:rPr kumimoji="0" lang="fr-FR" sz="1200" b="0" i="0" u="none" strike="noStrike" kern="1200" cap="none" spc="0" normalizeH="0" baseline="0" noProof="0" dirty="0" err="1">
+                <a:ln>
+                  <a:noFill/>
+                </a:ln>
+                <a:effectLst/>
+                <a:uLnTx/>
+                <a:uFillTx/>
+                <a:latin typeface="Calibri" panose="020F0502020204030204"/>
+                <a:ea typeface="+mn-ea"/>
+                <a:cs typeface="+mn-cs"/>
+              </a:rPr>
+              <a:t>leaf</a:t>
+            </a:r>
+            <a:r>
+              <a:rPr kumimoji="0" lang="fr-FR" sz="1200" b="0" i="0" u="none" strike="noStrike" kern="1200" cap="none" spc="0" normalizeH="0" baseline="0" noProof="0" dirty="0">
+                <a:ln>
+                  <a:noFill/>
+                </a:ln>
+                <a:effectLst/>
+                <a:uLnTx/>
+                <a:uFillTx/>
+                <a:latin typeface="Calibri" panose="020F0502020204030204"/>
+                <a:ea typeface="+mn-ea"/>
+                <a:cs typeface="+mn-cs"/>
+              </a:rPr>
+              <a:t> </a:t>
+            </a:r>
+            <a:r>
+              <a:rPr kumimoji="0" lang="fr-FR" sz="1200" b="0" i="0" u="none" strike="noStrike" kern="1200" cap="none" spc="0" normalizeH="0" baseline="0" noProof="0" dirty="0" err="1">
+                <a:ln>
+                  <a:noFill/>
+                </a:ln>
+                <a:effectLst/>
+                <a:uLnTx/>
+                <a:uFillTx/>
+                <a:latin typeface="Calibri" panose="020F0502020204030204"/>
+                <a:ea typeface="+mn-ea"/>
+                <a:cs typeface="+mn-cs"/>
+              </a:rPr>
+              <a:t>reflectance</a:t>
+            </a:r>
+            <a:r>
+              <a:rPr kumimoji="0" lang="fr-FR" sz="1200" b="0" i="0" u="none" strike="noStrike" kern="1200" cap="none" spc="0" normalizeH="0" baseline="0" noProof="0" dirty="0">
+                <a:ln>
+                  <a:noFill/>
+                </a:ln>
+                <a:effectLst/>
+                <a:uLnTx/>
+                <a:uFillTx/>
+                <a:latin typeface="Calibri" panose="020F0502020204030204"/>
+                <a:ea typeface="+mn-ea"/>
+                <a:cs typeface="+mn-cs"/>
+              </a:rPr>
+              <a:t> data (free format)</a:t>
+            </a:r>
+            <a:endParaRPr kumimoji="0" lang="en-US" sz="1200" b="0" i="0" u="none" strike="noStrike" kern="1200" cap="none" spc="0" normalizeH="0" baseline="0" noProof="0" dirty="0">
+              <a:ln>
+                <a:noFill/>
+              </a:ln>
+              <a:effectLst/>
+              <a:uLnTx/>
+              <a:uFillTx/>
+              <a:latin typeface="Calibri" panose="020F0502020204030204"/>
+              <a:ea typeface="+mn-ea"/>
+              <a:cs typeface="+mn-cs"/>
+            </a:endParaRPr>
+          </a:p>
+        </p:txBody>
+      </p:sp>
+      <p:sp>
+        <p:nvSpPr>
+          <p:cNvPr id="96" name="Rectangle 95">
+            <a:extLst>
+              <a:ext uri="{FF2B5EF4-FFF2-40B4-BE49-F238E27FC236}">
+                <a16:creationId xmlns:a16="http://schemas.microsoft.com/office/drawing/2014/main" id="{24E99AAF-D835-4436-AF5E-C03BA1AF30B4}"/>
+              </a:ext>
+            </a:extLst>
+          </p:cNvPr>
+          <p:cNvSpPr/>
+          <p:nvPr/>
+        </p:nvSpPr>
+        <p:spPr>
+          <a:xfrm>
+            <a:off x="7603211" y="2211471"/>
+            <a:ext cx="1584000" cy="386067"/>
+          </a:xfrm>
+          <a:prstGeom prst="rect">
+            <a:avLst/>
+          </a:prstGeom>
+          <a:noFill/>
+          <a:ln w="12700" cap="flat" cmpd="sng" algn="ctr">
+            <a:solidFill>
+              <a:schemeClr val="tx1"/>
+            </a:solidFill>
+            <a:prstDash val="solid"/>
+            <a:miter lim="800000"/>
+          </a:ln>
+          <a:effectLst/>
+        </p:spPr>
+        <p:txBody>
+          <a:bodyPr rtlCol="0" anchor="ctr"/>
+          <a:lstStyle/>
+          <a:p>
+            <a:pPr marL="0" marR="0" lvl="0" indent="0" defTabSz="914400" eaLnBrk="1" fontAlgn="auto" latinLnBrk="0" hangingPunct="1">
+              <a:lnSpc>
+                <a:spcPct val="100000"/>
+              </a:lnSpc>
+              <a:spcBef>
+                <a:spcPts val="0"/>
+              </a:spcBef>
+              <a:spcAft>
+                <a:spcPts val="0"/>
+              </a:spcAft>
+              <a:buClrTx/>
+              <a:buSzTx/>
+              <a:buFontTx/>
+              <a:buNone/>
+              <a:tabLst/>
+              <a:defRPr/>
+            </a:pPr>
+            <a:r>
+              <a:rPr kumimoji="0" lang="fr-FR" sz="1200" b="0" i="0" u="none" strike="noStrike" kern="1200" cap="none" spc="0" normalizeH="0" baseline="0" noProof="0" dirty="0" err="1">
+                <a:ln>
+                  <a:noFill/>
+                </a:ln>
+                <a:effectLst/>
+                <a:uLnTx/>
+                <a:uFillTx/>
+                <a:latin typeface="Calibri" panose="020F0502020204030204"/>
+                <a:ea typeface="+mn-ea"/>
+                <a:cs typeface="+mn-cs"/>
+              </a:rPr>
+              <a:t>Curated</a:t>
+            </a:r>
+            <a:r>
+              <a:rPr kumimoji="0" lang="fr-FR" sz="1200" b="0" i="0" u="none" strike="noStrike" kern="1200" cap="none" spc="0" normalizeH="0" baseline="0" noProof="0" dirty="0">
+                <a:ln>
+                  <a:noFill/>
+                </a:ln>
+                <a:effectLst/>
+                <a:uLnTx/>
+                <a:uFillTx/>
+                <a:latin typeface="Calibri" panose="020F0502020204030204"/>
+                <a:ea typeface="+mn-ea"/>
+                <a:cs typeface="+mn-cs"/>
+              </a:rPr>
+              <a:t> </a:t>
+            </a:r>
+            <a:r>
+              <a:rPr kumimoji="0" lang="fr-FR" sz="1200" b="0" i="0" u="none" strike="noStrike" kern="1200" cap="none" spc="0" normalizeH="0" baseline="0" noProof="0" dirty="0" err="1">
+                <a:ln>
+                  <a:noFill/>
+                </a:ln>
+                <a:effectLst/>
+                <a:uLnTx/>
+                <a:uFillTx/>
+                <a:latin typeface="Calibri" panose="020F0502020204030204"/>
+                <a:ea typeface="+mn-ea"/>
+                <a:cs typeface="+mn-cs"/>
+              </a:rPr>
+              <a:t>Reflectance</a:t>
+            </a:r>
+            <a:endParaRPr kumimoji="0" lang="fr-FR" sz="1200" b="0" i="0" u="none" strike="noStrike" kern="1200" cap="none" spc="0" normalizeH="0" baseline="0" noProof="0" dirty="0">
+              <a:ln>
+                <a:noFill/>
+              </a:ln>
+              <a:effectLst/>
+              <a:uLnTx/>
+              <a:uFillTx/>
+              <a:latin typeface="Calibri" panose="020F0502020204030204"/>
+              <a:ea typeface="+mn-ea"/>
+              <a:cs typeface="+mn-cs"/>
+            </a:endParaRPr>
+          </a:p>
+        </p:txBody>
+      </p:sp>
+      <p:sp>
+        <p:nvSpPr>
+          <p:cNvPr id="98" name="Rectangle 97">
+            <a:extLst>
+              <a:ext uri="{FF2B5EF4-FFF2-40B4-BE49-F238E27FC236}">
+                <a16:creationId xmlns:a16="http://schemas.microsoft.com/office/drawing/2014/main" id="{CEF0F626-7DF1-4C60-AF04-EC6994B9769F}"/>
+              </a:ext>
+            </a:extLst>
+          </p:cNvPr>
+          <p:cNvSpPr/>
+          <p:nvPr/>
+        </p:nvSpPr>
+        <p:spPr>
+          <a:xfrm>
+            <a:off x="7603211" y="2597538"/>
+            <a:ext cx="1584000" cy="1156327"/>
+          </a:xfrm>
+          <a:prstGeom prst="rect">
+            <a:avLst/>
+          </a:prstGeom>
+          <a:noFill/>
+          <a:ln w="12700" cap="flat" cmpd="sng" algn="ctr">
+            <a:solidFill>
+              <a:schemeClr val="tx1"/>
+            </a:solidFill>
+            <a:prstDash val="solid"/>
+            <a:miter lim="800000"/>
+          </a:ln>
+          <a:effectLst/>
+        </p:spPr>
+        <p:txBody>
+          <a:bodyPr rtlCol="0" anchor="ctr"/>
+          <a:lstStyle/>
+          <a:p>
+            <a:pPr marL="0" marR="0" lvl="0" indent="0" defTabSz="914400" eaLnBrk="1" fontAlgn="auto" latinLnBrk="0" hangingPunct="1">
+              <a:lnSpc>
+                <a:spcPct val="100000"/>
+              </a:lnSpc>
+              <a:spcBef>
+                <a:spcPts val="0"/>
+              </a:spcBef>
+              <a:spcAft>
+                <a:spcPts val="0"/>
+              </a:spcAft>
+              <a:buClrTx/>
+              <a:buSzTx/>
+              <a:buFontTx/>
+              <a:buNone/>
+              <a:tabLst/>
+              <a:defRPr/>
+            </a:pPr>
+            <a:r>
+              <a:rPr kumimoji="0" lang="fr-FR" sz="1200" b="0" i="0" u="none" strike="noStrike" kern="1200" cap="none" spc="0" normalizeH="0" baseline="0" noProof="0" dirty="0">
+                <a:ln>
+                  <a:noFill/>
+                </a:ln>
+                <a:effectLst/>
+                <a:uLnTx/>
+                <a:uFillTx/>
+                <a:latin typeface="Calibri" panose="020F0502020204030204"/>
+                <a:ea typeface="+mn-ea"/>
+                <a:cs typeface="+mn-cs"/>
+              </a:rPr>
+              <a:t>- </a:t>
+            </a:r>
+            <a:r>
+              <a:rPr kumimoji="0" lang="fr-FR" sz="1200" b="0" i="0" u="none" strike="noStrike" kern="1200" cap="none" spc="0" normalizeH="0" baseline="0" noProof="0" dirty="0" err="1">
+                <a:ln>
+                  <a:noFill/>
+                </a:ln>
+                <a:effectLst/>
+                <a:uLnTx/>
+                <a:uFillTx/>
+                <a:latin typeface="Calibri" panose="020F0502020204030204"/>
+                <a:ea typeface="+mn-ea"/>
+                <a:cs typeface="+mn-cs"/>
+              </a:rPr>
+              <a:t>SampleID</a:t>
+            </a:r>
+            <a:endParaRPr kumimoji="0" lang="fr-FR" sz="1200" b="0" i="0" u="none" strike="noStrike" kern="1200" cap="none" spc="0" normalizeH="0" baseline="0" noProof="0" dirty="0">
+              <a:ln>
+                <a:noFill/>
+              </a:ln>
+              <a:effectLst/>
+              <a:uLnTx/>
+              <a:uFillTx/>
+              <a:latin typeface="Calibri" panose="020F0502020204030204"/>
+              <a:ea typeface="+mn-ea"/>
+              <a:cs typeface="+mn-cs"/>
+            </a:endParaRPr>
+          </a:p>
+          <a:p>
+            <a:pPr marR="0" lvl="0" defTabSz="914400" eaLnBrk="1" fontAlgn="auto" latinLnBrk="0" hangingPunct="1">
+              <a:lnSpc>
+                <a:spcPct val="100000"/>
+              </a:lnSpc>
+              <a:spcBef>
+                <a:spcPts val="0"/>
+              </a:spcBef>
+              <a:spcAft>
+                <a:spcPts val="0"/>
+              </a:spcAft>
+              <a:buClrTx/>
+              <a:buSzTx/>
+              <a:tabLst/>
+              <a:defRPr/>
+            </a:pPr>
+            <a:r>
+              <a:rPr lang="fr-FR" sz="1200" kern="1200" dirty="0">
+                <a:latin typeface="Calibri" panose="020F0502020204030204"/>
+                <a:ea typeface="+mn-ea"/>
+                <a:cs typeface="+mn-cs"/>
+              </a:rPr>
+              <a:t>- </a:t>
+            </a:r>
+            <a:r>
+              <a:rPr lang="fr-FR" sz="1200" kern="1200" dirty="0" err="1">
+                <a:latin typeface="Calibri" panose="020F0502020204030204"/>
+                <a:ea typeface="+mn-ea"/>
+                <a:cs typeface="+mn-cs"/>
+              </a:rPr>
+              <a:t>Spectrometer</a:t>
+            </a:r>
+            <a:endParaRPr lang="fr-FR" sz="1200" kern="1200" dirty="0">
+              <a:latin typeface="Calibri" panose="020F0502020204030204"/>
+              <a:ea typeface="+mn-ea"/>
+              <a:cs typeface="+mn-cs"/>
+            </a:endParaRPr>
+          </a:p>
+          <a:p>
+            <a:pPr marR="0" lvl="0" defTabSz="914400" eaLnBrk="1" fontAlgn="auto" latinLnBrk="0" hangingPunct="1">
+              <a:lnSpc>
+                <a:spcPct val="100000"/>
+              </a:lnSpc>
+              <a:spcBef>
+                <a:spcPts val="0"/>
+              </a:spcBef>
+              <a:spcAft>
+                <a:spcPts val="0"/>
+              </a:spcAft>
+              <a:buClrTx/>
+              <a:buSzTx/>
+              <a:tabLst/>
+              <a:defRPr/>
+            </a:pPr>
+            <a:r>
+              <a:rPr kumimoji="0" lang="fr-FR" sz="1200" b="0" i="0" u="none" strike="noStrike" kern="1200" cap="none" spc="0" normalizeH="0" baseline="0" noProof="0" dirty="0">
+                <a:ln>
+                  <a:noFill/>
+                </a:ln>
+                <a:effectLst/>
+                <a:uLnTx/>
+                <a:uFillTx/>
+                <a:latin typeface="Calibri" panose="020F0502020204030204"/>
+                <a:ea typeface="+mn-ea"/>
+                <a:cs typeface="+mn-cs"/>
+              </a:rPr>
+              <a:t>- </a:t>
+            </a:r>
+            <a:r>
+              <a:rPr kumimoji="0" lang="fr-FR" sz="1200" b="0" i="0" u="none" strike="noStrike" kern="1200" cap="none" spc="0" normalizeH="0" baseline="0" noProof="0" dirty="0" err="1">
+                <a:ln>
+                  <a:noFill/>
+                </a:ln>
+                <a:effectLst/>
+                <a:uLnTx/>
+                <a:uFillTx/>
+                <a:latin typeface="Calibri" panose="020F0502020204030204"/>
+              </a:rPr>
+              <a:t>Probe_type</a:t>
+            </a:r>
+            <a:endParaRPr lang="fr-FR" sz="1200" dirty="0">
+              <a:latin typeface="Calibri" panose="020F0502020204030204"/>
+            </a:endParaRPr>
+          </a:p>
+          <a:p>
+            <a:pPr marR="0" lvl="0" defTabSz="914400" eaLnBrk="1" fontAlgn="auto" latinLnBrk="0" hangingPunct="1">
+              <a:lnSpc>
+                <a:spcPct val="100000"/>
+              </a:lnSpc>
+              <a:spcBef>
+                <a:spcPts val="0"/>
+              </a:spcBef>
+              <a:spcAft>
+                <a:spcPts val="0"/>
+              </a:spcAft>
+              <a:buClrTx/>
+              <a:buSzTx/>
+              <a:tabLst/>
+              <a:defRPr/>
+            </a:pPr>
+            <a:r>
+              <a:rPr kumimoji="0" lang="fr-FR" sz="1200" b="0" i="0" u="none" strike="noStrike" kern="1200" cap="none" spc="0" normalizeH="0" baseline="0" noProof="0" dirty="0">
+                <a:ln>
+                  <a:noFill/>
+                </a:ln>
+                <a:effectLst/>
+                <a:uLnTx/>
+                <a:uFillTx/>
+                <a:latin typeface="Calibri" panose="020F0502020204030204"/>
+                <a:ea typeface="+mn-ea"/>
+                <a:cs typeface="+mn-cs"/>
+              </a:rPr>
+              <a:t>- </a:t>
+            </a:r>
+            <a:r>
+              <a:rPr kumimoji="0" lang="fr-FR" sz="1200" b="0" i="0" u="none" strike="noStrike" kern="1200" cap="none" spc="0" normalizeH="0" baseline="0" noProof="0" dirty="0" err="1">
+                <a:ln>
+                  <a:noFill/>
+                </a:ln>
+                <a:effectLst/>
+                <a:uLnTx/>
+                <a:uFillTx/>
+                <a:latin typeface="Calibri" panose="020F0502020204030204"/>
+                <a:ea typeface="+mn-ea"/>
+                <a:cs typeface="+mn-cs"/>
+              </a:rPr>
+              <a:t>Probe_model</a:t>
+            </a:r>
+            <a:endParaRPr kumimoji="0" lang="fr-FR" sz="1200" b="0" i="0" u="none" strike="noStrike" kern="1200" cap="none" spc="0" normalizeH="0" baseline="0" noProof="0" dirty="0">
+              <a:ln>
+                <a:noFill/>
+              </a:ln>
+              <a:effectLst/>
+              <a:uLnTx/>
+              <a:uFillTx/>
+              <a:latin typeface="Calibri" panose="020F0502020204030204"/>
+              <a:ea typeface="+mn-ea"/>
+              <a:cs typeface="+mn-cs"/>
+            </a:endParaRPr>
+          </a:p>
+          <a:p>
+            <a:pPr marR="0" lvl="0" defTabSz="914400" eaLnBrk="1" fontAlgn="auto" latinLnBrk="0" hangingPunct="1">
+              <a:lnSpc>
+                <a:spcPct val="100000"/>
+              </a:lnSpc>
+              <a:spcBef>
+                <a:spcPts val="0"/>
+              </a:spcBef>
+              <a:spcAft>
+                <a:spcPts val="0"/>
+              </a:spcAft>
+              <a:buClrTx/>
+              <a:buSzTx/>
+              <a:tabLst/>
+              <a:defRPr/>
+            </a:pPr>
+            <a:r>
+              <a:rPr kumimoji="0" lang="fr-FR" sz="1200" b="0" i="0" u="none" strike="noStrike" kern="1200" cap="none" spc="0" normalizeH="0" baseline="0" noProof="0" dirty="0">
+                <a:ln>
+                  <a:noFill/>
+                </a:ln>
+                <a:effectLst/>
+                <a:uLnTx/>
+                <a:uFillTx/>
+                <a:latin typeface="Calibri" panose="020F0502020204030204"/>
+                <a:ea typeface="+mn-ea"/>
+                <a:cs typeface="+mn-cs"/>
+              </a:rPr>
+              <a:t>- </a:t>
+            </a:r>
+            <a:r>
+              <a:rPr kumimoji="0" lang="fr-FR" sz="1200" b="0" i="0" u="none" strike="noStrike" kern="1200" cap="none" spc="0" normalizeH="0" baseline="0" noProof="0" dirty="0" err="1">
+                <a:ln>
+                  <a:noFill/>
+                </a:ln>
+                <a:effectLst/>
+                <a:uLnTx/>
+                <a:uFillTx/>
+                <a:latin typeface="Calibri" panose="020F0502020204030204"/>
+                <a:ea typeface="+mn-ea"/>
+                <a:cs typeface="+mn-cs"/>
+              </a:rPr>
+              <a:t>Spectra_trait_pa</a:t>
+            </a:r>
+            <a:r>
+              <a:rPr lang="fr-FR" sz="1200" dirty="0" err="1">
+                <a:latin typeface="Calibri" panose="020F0502020204030204"/>
+              </a:rPr>
+              <a:t>iring</a:t>
+            </a:r>
+            <a:endParaRPr lang="fr-FR" sz="1200" dirty="0">
+              <a:latin typeface="Calibri" panose="020F0502020204030204"/>
+            </a:endParaRPr>
+          </a:p>
+          <a:p>
+            <a:pPr marR="0" lvl="0" defTabSz="914400" eaLnBrk="1" fontAlgn="auto" latinLnBrk="0" hangingPunct="1">
+              <a:lnSpc>
+                <a:spcPct val="100000"/>
+              </a:lnSpc>
+              <a:spcBef>
+                <a:spcPts val="0"/>
+              </a:spcBef>
+              <a:spcAft>
+                <a:spcPts val="0"/>
+              </a:spcAft>
+              <a:buClrTx/>
+              <a:buSzTx/>
+              <a:tabLst/>
+              <a:defRPr/>
+            </a:pPr>
+            <a:r>
+              <a:rPr kumimoji="0" lang="fr-FR" sz="1200" b="0" i="0" u="none" strike="noStrike" kern="1200" cap="none" spc="0" normalizeH="0" baseline="0" noProof="0" dirty="0">
+                <a:ln>
+                  <a:noFill/>
+                </a:ln>
+                <a:effectLst/>
+                <a:uLnTx/>
+                <a:uFillTx/>
+                <a:latin typeface="Calibri" panose="020F0502020204030204"/>
+                <a:ea typeface="+mn-ea"/>
+                <a:cs typeface="+mn-cs"/>
+              </a:rPr>
+              <a:t>- </a:t>
+            </a:r>
+            <a:r>
+              <a:rPr kumimoji="0" lang="fr-FR" sz="1200" b="0" i="0" u="none" strike="noStrike" kern="1200" cap="none" spc="0" normalizeH="0" baseline="0" noProof="0" dirty="0" err="1">
+                <a:ln>
+                  <a:noFill/>
+                </a:ln>
+                <a:effectLst/>
+                <a:uLnTx/>
+                <a:uFillTx/>
+                <a:latin typeface="Calibri" panose="020F0502020204030204"/>
+                <a:ea typeface="+mn-ea"/>
+                <a:cs typeface="+mn-cs"/>
+              </a:rPr>
+              <a:t>Wave_XX</a:t>
+            </a:r>
+            <a:r>
+              <a:rPr kumimoji="0" lang="fr-FR" sz="1200" b="0" i="0" u="none" strike="noStrike" kern="1200" cap="none" spc="0" normalizeH="0" baseline="0" noProof="0" dirty="0">
+                <a:ln>
+                  <a:noFill/>
+                </a:ln>
+                <a:effectLst/>
+                <a:uLnTx/>
+                <a:uFillTx/>
+                <a:latin typeface="Calibri" panose="020F0502020204030204"/>
+                <a:ea typeface="+mn-ea"/>
+                <a:cs typeface="+mn-cs"/>
+              </a:rPr>
+              <a:t> </a:t>
+            </a:r>
+          </a:p>
+        </p:txBody>
+      </p:sp>
+      <p:sp>
+        <p:nvSpPr>
+          <p:cNvPr id="99" name="Ellipse 98">
+            <a:extLst>
+              <a:ext uri="{FF2B5EF4-FFF2-40B4-BE49-F238E27FC236}">
+                <a16:creationId xmlns:a16="http://schemas.microsoft.com/office/drawing/2014/main" id="{B1D1B9D1-3660-4BD0-A256-1BDA4118A6E0}"/>
+              </a:ext>
+            </a:extLst>
+          </p:cNvPr>
+          <p:cNvSpPr/>
+          <p:nvPr/>
+        </p:nvSpPr>
+        <p:spPr>
+          <a:xfrm>
+            <a:off x="7395086" y="1363519"/>
+            <a:ext cx="2000250" cy="630000"/>
+          </a:xfrm>
+          <a:prstGeom prst="ellipse">
+            <a:avLst/>
+          </a:prstGeom>
+          <a:noFill/>
+          <a:ln w="12700" cap="flat" cmpd="sng" algn="ctr">
+            <a:solidFill>
+              <a:schemeClr val="tx1"/>
+            </a:solidFill>
+            <a:prstDash val="solid"/>
+            <a:miter lim="800000"/>
+          </a:ln>
+          <a:effectLst/>
+        </p:spPr>
+        <p:txBody>
+          <a:bodyPr rtlCol="0" anchor="ctr"/>
+          <a:lstStyle/>
+          <a:p>
+            <a:pPr marL="0" marR="0" lvl="0" indent="0" algn="ctr" defTabSz="914400" eaLnBrk="1" fontAlgn="auto" latinLnBrk="0" hangingPunct="1">
+              <a:lnSpc>
+                <a:spcPct val="100000"/>
+              </a:lnSpc>
+              <a:spcBef>
+                <a:spcPts val="0"/>
+              </a:spcBef>
+              <a:spcAft>
+                <a:spcPts val="0"/>
+              </a:spcAft>
+              <a:buClrTx/>
+              <a:buSzTx/>
+              <a:buFontTx/>
+              <a:buNone/>
+              <a:tabLst/>
+              <a:defRPr/>
+            </a:pPr>
+            <a:r>
+              <a:rPr kumimoji="0" lang="fr-FR" sz="1200" b="0" i="0" u="none" strike="noStrike" kern="1200" cap="none" spc="0" normalizeH="0" baseline="0" noProof="0" dirty="0">
+                <a:ln>
+                  <a:noFill/>
+                </a:ln>
+                <a:effectLst/>
+                <a:uLnTx/>
+                <a:uFillTx/>
+                <a:latin typeface="Calibri" panose="020F0502020204030204"/>
+                <a:ea typeface="+mn-ea"/>
+                <a:cs typeface="+mn-cs"/>
+              </a:rPr>
+              <a:t>3_Import_transform_Reflectance.R</a:t>
+            </a:r>
+            <a:endParaRPr kumimoji="0" lang="en-US" sz="1200" b="0" i="0" u="none" strike="noStrike" kern="1200" cap="none" spc="0" normalizeH="0" baseline="0" noProof="0" dirty="0">
+              <a:ln>
+                <a:noFill/>
+              </a:ln>
+              <a:effectLst/>
+              <a:uLnTx/>
+              <a:uFillTx/>
+              <a:latin typeface="Calibri" panose="020F0502020204030204"/>
+              <a:ea typeface="+mn-ea"/>
+              <a:cs typeface="+mn-cs"/>
+            </a:endParaRPr>
+          </a:p>
+        </p:txBody>
+      </p:sp>
+      <p:sp>
+        <p:nvSpPr>
+          <p:cNvPr id="100" name="ZoneTexte 99">
+            <a:extLst>
+              <a:ext uri="{FF2B5EF4-FFF2-40B4-BE49-F238E27FC236}">
+                <a16:creationId xmlns:a16="http://schemas.microsoft.com/office/drawing/2014/main" id="{ED36AF1B-B9FD-48ED-9C66-F4EF909F23AC}"/>
+              </a:ext>
+            </a:extLst>
+          </p:cNvPr>
+          <p:cNvSpPr txBox="1"/>
+          <p:nvPr/>
+        </p:nvSpPr>
+        <p:spPr>
+          <a:xfrm>
+            <a:off x="8840827" y="388242"/>
+            <a:ext cx="352425" cy="707886"/>
+          </a:xfrm>
+          <a:prstGeom prst="rect">
+            <a:avLst/>
+          </a:prstGeom>
+          <a:noFill/>
+          <a:ln>
+            <a:noFill/>
+          </a:ln>
+        </p:spPr>
+        <p:txBody>
+          <a:bodyPr wrap="square" rtlCol="0">
+            <a:spAutoFit/>
+          </a:bodyPr>
+          <a:lstStyle/>
+          <a:p>
+            <a:r>
+              <a:rPr lang="fr-FR" sz="4000" dirty="0"/>
+              <a:t>*</a:t>
+            </a:r>
+            <a:endParaRPr lang="en-US" dirty="0"/>
+          </a:p>
+        </p:txBody>
+      </p:sp>
+      <p:sp>
+        <p:nvSpPr>
+          <p:cNvPr id="101" name="Rectangle 100">
+            <a:extLst>
+              <a:ext uri="{FF2B5EF4-FFF2-40B4-BE49-F238E27FC236}">
+                <a16:creationId xmlns:a16="http://schemas.microsoft.com/office/drawing/2014/main" id="{854D0445-8E65-420B-869C-511302606D4C}"/>
+              </a:ext>
+            </a:extLst>
+          </p:cNvPr>
+          <p:cNvSpPr/>
+          <p:nvPr/>
+        </p:nvSpPr>
+        <p:spPr>
+          <a:xfrm>
+            <a:off x="3075807" y="515881"/>
+            <a:ext cx="1584000" cy="532772"/>
+          </a:xfrm>
+          <a:prstGeom prst="rect">
+            <a:avLst/>
+          </a:prstGeom>
+          <a:noFill/>
+          <a:ln w="12700" cap="flat" cmpd="sng" algn="ctr">
+            <a:solidFill>
+              <a:schemeClr val="tx1"/>
+            </a:solidFill>
+            <a:prstDash val="solid"/>
+            <a:miter lim="800000"/>
+          </a:ln>
+          <a:effectLst/>
+        </p:spPr>
+        <p:txBody>
+          <a:bodyPr rtlCol="0" anchor="ctr"/>
+          <a:lstStyle/>
+          <a:p>
+            <a:pPr marL="0" marR="0" lvl="0" indent="0" defTabSz="914400" eaLnBrk="1" fontAlgn="auto" latinLnBrk="0" hangingPunct="1">
+              <a:lnSpc>
+                <a:spcPct val="100000"/>
+              </a:lnSpc>
+              <a:spcBef>
+                <a:spcPts val="0"/>
+              </a:spcBef>
+              <a:spcAft>
+                <a:spcPts val="0"/>
+              </a:spcAft>
+              <a:buClrTx/>
+              <a:buSzTx/>
+              <a:buFontTx/>
+              <a:buNone/>
+              <a:tabLst/>
+              <a:defRPr/>
+            </a:pPr>
+            <a:r>
+              <a:rPr kumimoji="0" lang="fr-FR" sz="1200" b="0" i="0" u="none" strike="noStrike" kern="1200" cap="none" spc="0" normalizeH="0" baseline="0" noProof="0" dirty="0">
+                <a:ln>
+                  <a:noFill/>
+                </a:ln>
+                <a:effectLst/>
+                <a:uLnTx/>
+                <a:uFillTx/>
+                <a:latin typeface="Calibri" panose="020F0502020204030204"/>
+                <a:ea typeface="+mn-ea"/>
+                <a:cs typeface="+mn-cs"/>
+              </a:rPr>
+              <a:t>Original </a:t>
+            </a:r>
+            <a:r>
+              <a:rPr kumimoji="0" lang="fr-FR" sz="1200" b="0" i="0" u="none" strike="noStrike" kern="1200" cap="none" spc="0" normalizeH="0" baseline="0" noProof="0" dirty="0" err="1">
+                <a:ln>
+                  <a:noFill/>
+                </a:ln>
+                <a:effectLst/>
+                <a:uLnTx/>
+                <a:uFillTx/>
+                <a:latin typeface="Calibri" panose="020F0502020204030204"/>
+                <a:ea typeface="+mn-ea"/>
+                <a:cs typeface="+mn-cs"/>
+              </a:rPr>
+              <a:t>A-Ci</a:t>
+            </a:r>
+            <a:r>
+              <a:rPr kumimoji="0" lang="fr-FR" sz="1200" b="0" i="0" u="none" strike="noStrike" kern="1200" cap="none" spc="0" normalizeH="0" baseline="0" noProof="0" dirty="0">
+                <a:ln>
+                  <a:noFill/>
+                </a:ln>
+                <a:effectLst/>
+                <a:uLnTx/>
+                <a:uFillTx/>
+                <a:latin typeface="Calibri" panose="020F0502020204030204"/>
+                <a:ea typeface="+mn-ea"/>
+                <a:cs typeface="+mn-cs"/>
+              </a:rPr>
+              <a:t> data </a:t>
+            </a:r>
+          </a:p>
+          <a:p>
+            <a:pPr marL="0" marR="0" lvl="0" indent="0" defTabSz="914400" eaLnBrk="1" fontAlgn="auto" latinLnBrk="0" hangingPunct="1">
+              <a:lnSpc>
+                <a:spcPct val="100000"/>
+              </a:lnSpc>
+              <a:spcBef>
+                <a:spcPts val="0"/>
+              </a:spcBef>
+              <a:spcAft>
+                <a:spcPts val="0"/>
+              </a:spcAft>
+              <a:buClrTx/>
+              <a:buSzTx/>
+              <a:buFontTx/>
+              <a:buNone/>
+              <a:tabLst/>
+              <a:defRPr/>
+            </a:pPr>
+            <a:r>
+              <a:rPr kumimoji="0" lang="fr-FR" sz="1200" b="0" i="0" u="none" strike="noStrike" kern="1200" cap="none" spc="0" normalizeH="0" baseline="0" noProof="0" dirty="0">
+                <a:ln>
+                  <a:noFill/>
+                </a:ln>
+                <a:effectLst/>
+                <a:uLnTx/>
+                <a:uFillTx/>
+                <a:latin typeface="Calibri" panose="020F0502020204030204"/>
+                <a:ea typeface="+mn-ea"/>
+                <a:cs typeface="+mn-cs"/>
+              </a:rPr>
+              <a:t>(free format)</a:t>
+            </a:r>
+            <a:endParaRPr kumimoji="0" lang="en-US" sz="1200" b="0" i="0" u="none" strike="noStrike" kern="1200" cap="none" spc="0" normalizeH="0" baseline="0" noProof="0" dirty="0">
+              <a:ln>
+                <a:noFill/>
+              </a:ln>
+              <a:effectLst/>
+              <a:uLnTx/>
+              <a:uFillTx/>
+              <a:latin typeface="Calibri" panose="020F0502020204030204"/>
+              <a:ea typeface="+mn-ea"/>
+              <a:cs typeface="+mn-cs"/>
+            </a:endParaRPr>
+          </a:p>
+        </p:txBody>
+      </p:sp>
+      <p:sp>
+        <p:nvSpPr>
+          <p:cNvPr id="102" name="Rectangle 101">
+            <a:extLst>
+              <a:ext uri="{FF2B5EF4-FFF2-40B4-BE49-F238E27FC236}">
+                <a16:creationId xmlns:a16="http://schemas.microsoft.com/office/drawing/2014/main" id="{AA2AE937-877D-4EB9-8CAB-F708A2A929E7}"/>
+              </a:ext>
+            </a:extLst>
+          </p:cNvPr>
+          <p:cNvSpPr/>
+          <p:nvPr/>
+        </p:nvSpPr>
+        <p:spPr>
+          <a:xfrm>
+            <a:off x="3075807" y="2950103"/>
+            <a:ext cx="1584000" cy="444165"/>
+          </a:xfrm>
+          <a:prstGeom prst="rect">
+            <a:avLst/>
+          </a:prstGeom>
+          <a:noFill/>
+          <a:ln w="12700" cap="flat" cmpd="sng" algn="ctr">
+            <a:solidFill>
+              <a:schemeClr val="tx1"/>
+            </a:solidFill>
+            <a:prstDash val="solid"/>
+            <a:miter lim="800000"/>
+          </a:ln>
+          <a:effectLst/>
+        </p:spPr>
+        <p:txBody>
+          <a:bodyPr rtlCol="0" anchor="ctr"/>
+          <a:lstStyle/>
+          <a:p>
+            <a:pPr marL="0" marR="0" lvl="0" indent="0" defTabSz="914400" eaLnBrk="1" fontAlgn="auto" latinLnBrk="0" hangingPunct="1">
+              <a:lnSpc>
+                <a:spcPct val="100000"/>
+              </a:lnSpc>
+              <a:spcBef>
+                <a:spcPts val="0"/>
+              </a:spcBef>
+              <a:spcAft>
+                <a:spcPts val="0"/>
+              </a:spcAft>
+              <a:buClrTx/>
+              <a:buSzTx/>
+              <a:buFontTx/>
+              <a:buNone/>
+              <a:tabLst/>
+              <a:defRPr/>
+            </a:pPr>
+            <a:r>
+              <a:rPr kumimoji="0" lang="fr-FR" sz="1200" b="0" i="0" u="none" strike="noStrike" kern="1200" cap="none" spc="0" normalizeH="0" baseline="0" noProof="0" dirty="0" err="1">
+                <a:ln>
+                  <a:noFill/>
+                </a:ln>
+                <a:effectLst/>
+                <a:uLnTx/>
+                <a:uFillTx/>
+                <a:latin typeface="Calibri" panose="020F0502020204030204"/>
+                <a:ea typeface="+mn-ea"/>
+                <a:cs typeface="+mn-cs"/>
+              </a:rPr>
+              <a:t>Curated</a:t>
+            </a:r>
+            <a:r>
+              <a:rPr kumimoji="0" lang="fr-FR" sz="1200" b="0" i="0" u="none" strike="noStrike" kern="1200" cap="none" spc="0" normalizeH="0" baseline="0" noProof="0" dirty="0">
+                <a:ln>
+                  <a:noFill/>
+                </a:ln>
+                <a:effectLst/>
+                <a:uLnTx/>
+                <a:uFillTx/>
+                <a:latin typeface="Calibri" panose="020F0502020204030204"/>
+                <a:ea typeface="+mn-ea"/>
+                <a:cs typeface="+mn-cs"/>
+              </a:rPr>
+              <a:t> </a:t>
+            </a:r>
+            <a:r>
+              <a:rPr kumimoji="0" lang="fr-FR" sz="1200" b="0" i="0" u="none" strike="noStrike" kern="1200" cap="none" spc="0" normalizeH="0" baseline="0" noProof="0" dirty="0" err="1">
+                <a:ln>
+                  <a:noFill/>
+                </a:ln>
+                <a:effectLst/>
+                <a:uLnTx/>
+                <a:uFillTx/>
+                <a:latin typeface="Calibri" panose="020F0502020204030204"/>
+                <a:ea typeface="+mn-ea"/>
+                <a:cs typeface="+mn-cs"/>
+              </a:rPr>
+              <a:t>photosynthetic</a:t>
+            </a:r>
+            <a:r>
+              <a:rPr kumimoji="0" lang="fr-FR" sz="1200" b="0" i="0" u="none" strike="noStrike" kern="1200" cap="none" spc="0" normalizeH="0" baseline="0" noProof="0" dirty="0">
+                <a:ln>
+                  <a:noFill/>
+                </a:ln>
+                <a:effectLst/>
+                <a:uLnTx/>
+                <a:uFillTx/>
+                <a:latin typeface="Calibri" panose="020F0502020204030204"/>
+                <a:ea typeface="+mn-ea"/>
+                <a:cs typeface="+mn-cs"/>
+              </a:rPr>
+              <a:t> data</a:t>
+            </a:r>
+          </a:p>
+        </p:txBody>
+      </p:sp>
+      <p:sp>
+        <p:nvSpPr>
+          <p:cNvPr id="104" name="Rectangle 103">
+            <a:extLst>
+              <a:ext uri="{FF2B5EF4-FFF2-40B4-BE49-F238E27FC236}">
+                <a16:creationId xmlns:a16="http://schemas.microsoft.com/office/drawing/2014/main" id="{B484F7F2-70E6-49B8-930D-E521A58A4095}"/>
+              </a:ext>
+            </a:extLst>
+          </p:cNvPr>
+          <p:cNvSpPr/>
+          <p:nvPr/>
+        </p:nvSpPr>
+        <p:spPr>
+          <a:xfrm>
+            <a:off x="5269730" y="2508308"/>
+            <a:ext cx="1584000" cy="382843"/>
+          </a:xfrm>
+          <a:prstGeom prst="rect">
+            <a:avLst/>
+          </a:prstGeom>
+          <a:noFill/>
+          <a:ln w="12700" cap="flat" cmpd="sng" algn="ctr">
+            <a:solidFill>
+              <a:schemeClr val="tx1"/>
+            </a:solidFill>
+            <a:prstDash val="solid"/>
+            <a:miter lim="800000"/>
+          </a:ln>
+          <a:effectLst/>
+        </p:spPr>
+        <p:txBody>
+          <a:bodyPr rtlCol="0" anchor="ctr"/>
+          <a:lstStyle/>
+          <a:p>
+            <a:pPr marL="0" marR="0" lvl="0" indent="0" defTabSz="914400" eaLnBrk="1" fontAlgn="auto" latinLnBrk="0" hangingPunct="1">
+              <a:lnSpc>
+                <a:spcPct val="100000"/>
+              </a:lnSpc>
+              <a:spcBef>
+                <a:spcPts val="0"/>
+              </a:spcBef>
+              <a:spcAft>
+                <a:spcPts val="0"/>
+              </a:spcAft>
+              <a:buClrTx/>
+              <a:buSzTx/>
+              <a:buFontTx/>
+              <a:buNone/>
+              <a:tabLst/>
+              <a:defRPr/>
+            </a:pPr>
+            <a:r>
+              <a:rPr kumimoji="0" lang="fr-FR" sz="1200" b="0" i="0" u="none" strike="noStrike" kern="1200" cap="none" spc="0" normalizeH="0" baseline="0" noProof="0" dirty="0" err="1">
+                <a:ln>
+                  <a:noFill/>
+                </a:ln>
+                <a:effectLst/>
+                <a:uLnTx/>
+                <a:uFillTx/>
+                <a:latin typeface="Calibri" panose="020F0502020204030204"/>
+                <a:ea typeface="+mn-ea"/>
+                <a:cs typeface="+mn-cs"/>
+              </a:rPr>
+              <a:t>Photosynthetic</a:t>
+            </a:r>
+            <a:r>
+              <a:rPr kumimoji="0" lang="fr-FR" sz="1200" b="0" i="0" u="none" strike="noStrike" kern="1200" cap="none" spc="0" normalizeH="0" baseline="0" noProof="0" dirty="0">
+                <a:ln>
+                  <a:noFill/>
+                </a:ln>
+                <a:effectLst/>
+                <a:uLnTx/>
+                <a:uFillTx/>
+                <a:latin typeface="Calibri" panose="020F0502020204030204"/>
+                <a:ea typeface="+mn-ea"/>
+                <a:cs typeface="+mn-cs"/>
+              </a:rPr>
+              <a:t> traits</a:t>
+            </a:r>
+          </a:p>
+        </p:txBody>
+      </p:sp>
+      <p:sp>
+        <p:nvSpPr>
+          <p:cNvPr id="105" name="Rectangle 104">
+            <a:extLst>
+              <a:ext uri="{FF2B5EF4-FFF2-40B4-BE49-F238E27FC236}">
+                <a16:creationId xmlns:a16="http://schemas.microsoft.com/office/drawing/2014/main" id="{DCE1845B-006F-459F-9FEB-B296EBECC9B6}"/>
+              </a:ext>
+            </a:extLst>
+          </p:cNvPr>
+          <p:cNvSpPr/>
+          <p:nvPr/>
+        </p:nvSpPr>
+        <p:spPr>
+          <a:xfrm>
+            <a:off x="3075807" y="3394268"/>
+            <a:ext cx="1584000" cy="1690073"/>
+          </a:xfrm>
+          <a:prstGeom prst="rect">
+            <a:avLst/>
+          </a:prstGeom>
+          <a:noFill/>
+          <a:ln w="12700" cap="flat" cmpd="sng" algn="ctr">
+            <a:solidFill>
+              <a:schemeClr val="tx1"/>
+            </a:solidFill>
+            <a:prstDash val="solid"/>
+            <a:miter lim="800000"/>
+          </a:ln>
+          <a:effectLst/>
+        </p:spPr>
+        <p:txBody>
+          <a:bodyPr rtlCol="0" anchor="ctr"/>
+          <a:lstStyle/>
+          <a:p>
+            <a:pPr marL="0" marR="0" lvl="0" indent="0" defTabSz="914400" eaLnBrk="1" fontAlgn="auto" latinLnBrk="0" hangingPunct="1">
+              <a:lnSpc>
+                <a:spcPct val="100000"/>
+              </a:lnSpc>
+              <a:spcBef>
+                <a:spcPts val="0"/>
+              </a:spcBef>
+              <a:spcAft>
+                <a:spcPts val="0"/>
+              </a:spcAft>
+              <a:buClrTx/>
+              <a:buSzTx/>
+              <a:buFontTx/>
+              <a:buNone/>
+              <a:tabLst/>
+              <a:defRPr/>
+            </a:pPr>
+            <a:r>
+              <a:rPr kumimoji="0" lang="fr-FR" sz="1200" b="0" i="0" u="none" strike="noStrike" kern="1200" cap="none" spc="0" normalizeH="0" baseline="0" noProof="0" dirty="0">
+                <a:ln>
+                  <a:noFill/>
+                </a:ln>
+                <a:effectLst/>
+                <a:uLnTx/>
+                <a:uFillTx/>
+                <a:latin typeface="Calibri" panose="020F0502020204030204"/>
+                <a:ea typeface="+mn-ea"/>
+                <a:cs typeface="+mn-cs"/>
+              </a:rPr>
+              <a:t>- </a:t>
+            </a:r>
+            <a:r>
+              <a:rPr kumimoji="0" lang="fr-FR" sz="1200" b="0" i="0" u="none" strike="noStrike" kern="1200" cap="none" spc="0" normalizeH="0" baseline="0" noProof="0" dirty="0" err="1">
+                <a:ln>
+                  <a:noFill/>
+                </a:ln>
+                <a:effectLst/>
+                <a:uLnTx/>
+                <a:uFillTx/>
+                <a:latin typeface="Calibri" panose="020F0502020204030204"/>
+                <a:ea typeface="+mn-ea"/>
+                <a:cs typeface="+mn-cs"/>
+              </a:rPr>
+              <a:t>SampleID</a:t>
+            </a:r>
+            <a:endParaRPr kumimoji="0" lang="fr-FR" sz="1200" b="0" i="0" u="none" strike="noStrike" kern="1200" cap="none" spc="0" normalizeH="0" baseline="0" noProof="0" dirty="0">
+              <a:ln>
+                <a:noFill/>
+              </a:ln>
+              <a:effectLst/>
+              <a:uLnTx/>
+              <a:uFillTx/>
+              <a:latin typeface="Calibri" panose="020F0502020204030204"/>
+              <a:ea typeface="+mn-ea"/>
+              <a:cs typeface="+mn-cs"/>
+            </a:endParaRPr>
+          </a:p>
+          <a:p>
+            <a:pPr marL="0" marR="0" lvl="0" indent="0" defTabSz="914400" eaLnBrk="1" fontAlgn="auto" latinLnBrk="0" hangingPunct="1">
+              <a:lnSpc>
+                <a:spcPct val="100000"/>
+              </a:lnSpc>
+              <a:spcBef>
+                <a:spcPts val="0"/>
+              </a:spcBef>
+              <a:spcAft>
+                <a:spcPts val="0"/>
+              </a:spcAft>
+              <a:buClrTx/>
+              <a:buSzTx/>
+              <a:buFontTx/>
+              <a:buNone/>
+              <a:tabLst/>
+              <a:defRPr/>
+            </a:pPr>
+            <a:r>
+              <a:rPr kumimoji="0" lang="fr-FR" sz="1200" b="0" i="0" u="none" strike="noStrike" kern="1200" cap="none" spc="0" normalizeH="0" baseline="0" noProof="0" dirty="0">
+                <a:ln>
+                  <a:noFill/>
+                </a:ln>
+                <a:effectLst/>
+                <a:uLnTx/>
+                <a:uFillTx/>
+                <a:latin typeface="Calibri" panose="020F0502020204030204"/>
+                <a:ea typeface="+mn-ea"/>
+                <a:cs typeface="+mn-cs"/>
+              </a:rPr>
+              <a:t>- </a:t>
+            </a:r>
+            <a:r>
+              <a:rPr kumimoji="0" lang="fr-FR" sz="1200" b="0" i="0" u="none" strike="noStrike" kern="1200" cap="none" spc="0" normalizeH="0" baseline="0" noProof="0" dirty="0" err="1">
+                <a:ln>
+                  <a:noFill/>
+                </a:ln>
+                <a:effectLst/>
+                <a:uLnTx/>
+                <a:uFillTx/>
+                <a:latin typeface="Calibri" panose="020F0502020204030204"/>
+                <a:ea typeface="+mn-ea"/>
+                <a:cs typeface="+mn-cs"/>
+              </a:rPr>
+              <a:t>SampleID_num</a:t>
+            </a:r>
+            <a:endParaRPr kumimoji="0" lang="fr-FR" sz="1200" b="0" i="0" u="none" strike="noStrike" kern="1200" cap="none" spc="0" normalizeH="0" baseline="0" noProof="0" dirty="0">
+              <a:ln>
+                <a:noFill/>
+              </a:ln>
+              <a:effectLst/>
+              <a:uLnTx/>
+              <a:uFillTx/>
+              <a:latin typeface="Calibri" panose="020F0502020204030204"/>
+              <a:ea typeface="+mn-ea"/>
+              <a:cs typeface="+mn-cs"/>
+            </a:endParaRPr>
+          </a:p>
+          <a:p>
+            <a:pPr marL="0" marR="0" lvl="0" indent="0" defTabSz="914400" eaLnBrk="1" fontAlgn="auto" latinLnBrk="0" hangingPunct="1">
+              <a:lnSpc>
+                <a:spcPct val="100000"/>
+              </a:lnSpc>
+              <a:spcBef>
+                <a:spcPts val="0"/>
+              </a:spcBef>
+              <a:spcAft>
+                <a:spcPts val="0"/>
+              </a:spcAft>
+              <a:buClrTx/>
+              <a:buSzTx/>
+              <a:buFontTx/>
+              <a:buNone/>
+              <a:tabLst/>
+              <a:defRPr/>
+            </a:pPr>
+            <a:r>
+              <a:rPr kumimoji="0" lang="fr-FR" sz="1200" b="0" i="0" u="none" strike="noStrike" kern="1200" cap="none" spc="0" normalizeH="0" baseline="0" noProof="0" dirty="0">
+                <a:ln>
+                  <a:noFill/>
+                </a:ln>
+                <a:effectLst/>
+                <a:uLnTx/>
+                <a:uFillTx/>
+                <a:latin typeface="Calibri" panose="020F0502020204030204"/>
+                <a:ea typeface="+mn-ea"/>
+                <a:cs typeface="+mn-cs"/>
+              </a:rPr>
+              <a:t>- Record</a:t>
+            </a:r>
+          </a:p>
+          <a:p>
+            <a:pPr marL="0" marR="0" lvl="0" indent="0" defTabSz="914400" eaLnBrk="1" fontAlgn="auto" latinLnBrk="0" hangingPunct="1">
+              <a:lnSpc>
+                <a:spcPct val="100000"/>
+              </a:lnSpc>
+              <a:spcBef>
+                <a:spcPts val="0"/>
+              </a:spcBef>
+              <a:spcAft>
+                <a:spcPts val="0"/>
+              </a:spcAft>
+              <a:buClrTx/>
+              <a:buSzTx/>
+              <a:buFontTx/>
+              <a:buNone/>
+              <a:tabLst/>
+              <a:defRPr/>
+            </a:pPr>
+            <a:r>
+              <a:rPr kumimoji="0" lang="fr-FR" sz="1200" b="0" i="0" u="none" strike="noStrike" kern="1200" cap="none" spc="0" normalizeH="0" baseline="0" noProof="0" dirty="0">
+                <a:ln>
+                  <a:noFill/>
+                </a:ln>
+                <a:effectLst/>
+                <a:uLnTx/>
+                <a:uFillTx/>
+                <a:latin typeface="Calibri" panose="020F0502020204030204"/>
+                <a:ea typeface="+mn-ea"/>
+                <a:cs typeface="+mn-cs"/>
+              </a:rPr>
+              <a:t>- A</a:t>
+            </a:r>
+          </a:p>
+          <a:p>
+            <a:pPr marL="0" marR="0" lvl="0" indent="0" defTabSz="914400" eaLnBrk="1" fontAlgn="auto" latinLnBrk="0" hangingPunct="1">
+              <a:lnSpc>
+                <a:spcPct val="100000"/>
+              </a:lnSpc>
+              <a:spcBef>
+                <a:spcPts val="0"/>
+              </a:spcBef>
+              <a:spcAft>
+                <a:spcPts val="0"/>
+              </a:spcAft>
+              <a:buClrTx/>
+              <a:buSzTx/>
+              <a:buFontTx/>
+              <a:buNone/>
+              <a:tabLst/>
+              <a:defRPr/>
+            </a:pPr>
+            <a:r>
+              <a:rPr kumimoji="0" lang="fr-FR" sz="1200" b="0" i="0" u="none" strike="noStrike" kern="1200" cap="none" spc="0" normalizeH="0" baseline="0" noProof="0" dirty="0">
+                <a:ln>
+                  <a:noFill/>
+                </a:ln>
+                <a:effectLst/>
+                <a:uLnTx/>
+                <a:uFillTx/>
+                <a:latin typeface="Calibri" panose="020F0502020204030204"/>
+                <a:ea typeface="+mn-ea"/>
+                <a:cs typeface="+mn-cs"/>
+              </a:rPr>
+              <a:t>- Ci</a:t>
+            </a:r>
+          </a:p>
+          <a:p>
+            <a:pPr marL="0" marR="0" lvl="0" indent="0" defTabSz="914400" eaLnBrk="1" fontAlgn="auto" latinLnBrk="0" hangingPunct="1">
+              <a:lnSpc>
+                <a:spcPct val="100000"/>
+              </a:lnSpc>
+              <a:spcBef>
+                <a:spcPts val="0"/>
+              </a:spcBef>
+              <a:spcAft>
+                <a:spcPts val="0"/>
+              </a:spcAft>
+              <a:buClrTx/>
+              <a:buSzTx/>
+              <a:buFontTx/>
+              <a:buNone/>
+              <a:tabLst/>
+              <a:defRPr/>
+            </a:pPr>
+            <a:r>
+              <a:rPr kumimoji="0" lang="fr-FR" sz="1200" b="0" i="0" u="none" strike="noStrike" kern="1200" cap="none" spc="0" normalizeH="0" baseline="0" noProof="0" dirty="0">
+                <a:ln>
+                  <a:noFill/>
+                </a:ln>
+                <a:effectLst/>
+                <a:uLnTx/>
+                <a:uFillTx/>
+                <a:latin typeface="Calibri" panose="020F0502020204030204"/>
+                <a:ea typeface="+mn-ea"/>
+                <a:cs typeface="+mn-cs"/>
+              </a:rPr>
+              <a:t>- </a:t>
+            </a:r>
+            <a:r>
+              <a:rPr kumimoji="0" lang="fr-FR" sz="1200" b="0" i="0" u="none" strike="noStrike" kern="1200" cap="none" spc="0" normalizeH="0" baseline="0" noProof="0" dirty="0" err="1">
+                <a:ln>
+                  <a:noFill/>
+                </a:ln>
+                <a:effectLst/>
+                <a:uLnTx/>
+                <a:uFillTx/>
+                <a:latin typeface="Calibri" panose="020F0502020204030204"/>
+                <a:ea typeface="+mn-ea"/>
+                <a:cs typeface="+mn-cs"/>
+              </a:rPr>
+              <a:t>Patm</a:t>
+            </a:r>
+            <a:endParaRPr kumimoji="0" lang="fr-FR" sz="1200" b="0" i="0" u="none" strike="noStrike" kern="1200" cap="none" spc="0" normalizeH="0" baseline="0" noProof="0" dirty="0">
+              <a:ln>
+                <a:noFill/>
+              </a:ln>
+              <a:effectLst/>
+              <a:uLnTx/>
+              <a:uFillTx/>
+              <a:latin typeface="Calibri" panose="020F0502020204030204"/>
+              <a:ea typeface="+mn-ea"/>
+              <a:cs typeface="+mn-cs"/>
+            </a:endParaRPr>
+          </a:p>
+          <a:p>
+            <a:pPr marL="0" marR="0" lvl="0" indent="0" defTabSz="914400" eaLnBrk="1" fontAlgn="auto" latinLnBrk="0" hangingPunct="1">
+              <a:lnSpc>
+                <a:spcPct val="100000"/>
+              </a:lnSpc>
+              <a:spcBef>
+                <a:spcPts val="0"/>
+              </a:spcBef>
+              <a:spcAft>
+                <a:spcPts val="0"/>
+              </a:spcAft>
+              <a:buClrTx/>
+              <a:buSzTx/>
+              <a:buFontTx/>
+              <a:buNone/>
+              <a:tabLst/>
+              <a:defRPr/>
+            </a:pPr>
+            <a:r>
+              <a:rPr kumimoji="0" lang="fr-FR" sz="1200" b="0" i="0" u="none" strike="noStrike" kern="1200" cap="none" spc="0" normalizeH="0" baseline="0" noProof="0" dirty="0">
+                <a:ln>
+                  <a:noFill/>
+                </a:ln>
+                <a:effectLst/>
+                <a:uLnTx/>
+                <a:uFillTx/>
+                <a:latin typeface="Calibri" panose="020F0502020204030204"/>
+                <a:ea typeface="+mn-ea"/>
+                <a:cs typeface="+mn-cs"/>
+              </a:rPr>
+              <a:t>- Qin</a:t>
+            </a:r>
+          </a:p>
+          <a:p>
+            <a:pPr marL="0" marR="0" lvl="0" indent="0" defTabSz="914400" eaLnBrk="1" fontAlgn="auto" latinLnBrk="0" hangingPunct="1">
+              <a:lnSpc>
+                <a:spcPct val="100000"/>
+              </a:lnSpc>
+              <a:spcBef>
+                <a:spcPts val="0"/>
+              </a:spcBef>
+              <a:spcAft>
+                <a:spcPts val="0"/>
+              </a:spcAft>
+              <a:buClrTx/>
+              <a:buSzTx/>
+              <a:buFontTx/>
+              <a:buNone/>
+              <a:tabLst/>
+              <a:defRPr/>
+            </a:pPr>
+            <a:r>
+              <a:rPr kumimoji="0" lang="fr-FR" sz="1200" b="0" i="0" u="none" strike="noStrike" kern="1200" cap="none" spc="0" normalizeH="0" baseline="0" noProof="0" dirty="0">
+                <a:ln>
+                  <a:noFill/>
+                </a:ln>
+                <a:effectLst/>
+                <a:uLnTx/>
+                <a:uFillTx/>
+                <a:latin typeface="Calibri" panose="020F0502020204030204"/>
+                <a:ea typeface="+mn-ea"/>
+                <a:cs typeface="+mn-cs"/>
+              </a:rPr>
+              <a:t>- </a:t>
+            </a:r>
+            <a:r>
+              <a:rPr kumimoji="0" lang="fr-FR" sz="1200" b="0" i="0" u="none" strike="noStrike" kern="1200" cap="none" spc="0" normalizeH="0" baseline="0" noProof="0" dirty="0" err="1">
+                <a:ln>
+                  <a:noFill/>
+                </a:ln>
+                <a:effectLst/>
+                <a:uLnTx/>
+                <a:uFillTx/>
+                <a:latin typeface="Calibri" panose="020F0502020204030204"/>
+                <a:ea typeface="+mn-ea"/>
+                <a:cs typeface="+mn-cs"/>
+              </a:rPr>
+              <a:t>Tleaf</a:t>
+            </a:r>
+            <a:endParaRPr kumimoji="0" lang="fr-FR" sz="1200" b="0" i="0" u="none" strike="noStrike" kern="1200" cap="none" spc="0" normalizeH="0" baseline="0" noProof="0" dirty="0">
+              <a:ln>
+                <a:noFill/>
+              </a:ln>
+              <a:effectLst/>
+              <a:uLnTx/>
+              <a:uFillTx/>
+              <a:latin typeface="Calibri" panose="020F0502020204030204"/>
+              <a:ea typeface="+mn-ea"/>
+              <a:cs typeface="+mn-cs"/>
+            </a:endParaRPr>
+          </a:p>
+        </p:txBody>
+      </p:sp>
+      <p:sp>
+        <p:nvSpPr>
+          <p:cNvPr id="106" name="Rectangle 105">
+            <a:extLst>
+              <a:ext uri="{FF2B5EF4-FFF2-40B4-BE49-F238E27FC236}">
+                <a16:creationId xmlns:a16="http://schemas.microsoft.com/office/drawing/2014/main" id="{24EF9066-262E-4974-A071-664798252A3A}"/>
+              </a:ext>
+            </a:extLst>
+          </p:cNvPr>
+          <p:cNvSpPr/>
+          <p:nvPr/>
+        </p:nvSpPr>
+        <p:spPr>
+          <a:xfrm>
+            <a:off x="5269732" y="2894375"/>
+            <a:ext cx="1584000" cy="2912738"/>
+          </a:xfrm>
+          <a:prstGeom prst="rect">
+            <a:avLst/>
+          </a:prstGeom>
+          <a:noFill/>
+          <a:ln w="12700" cap="flat" cmpd="sng" algn="ctr">
+            <a:solidFill>
+              <a:schemeClr val="tx1"/>
+            </a:solidFill>
+            <a:prstDash val="solid"/>
+            <a:miter lim="800000"/>
+          </a:ln>
+          <a:effectLst/>
+        </p:spPr>
+        <p:txBody>
+          <a:bodyPr rtlCol="0" anchor="ctr"/>
+          <a:lstStyle/>
+          <a:p>
+            <a:pPr marL="0" marR="0" lvl="0" indent="0" defTabSz="914400" eaLnBrk="1" fontAlgn="auto" latinLnBrk="0" hangingPunct="1">
+              <a:lnSpc>
+                <a:spcPct val="100000"/>
+              </a:lnSpc>
+              <a:spcBef>
+                <a:spcPts val="0"/>
+              </a:spcBef>
+              <a:spcAft>
+                <a:spcPts val="0"/>
+              </a:spcAft>
+              <a:buClrTx/>
+              <a:buSzTx/>
+              <a:buFontTx/>
+              <a:buNone/>
+              <a:tabLst/>
+              <a:defRPr/>
+            </a:pPr>
+            <a:r>
+              <a:rPr kumimoji="0" lang="fr-FR" sz="1200" b="0" i="0" u="none" strike="noStrike" kern="1200" cap="none" spc="0" normalizeH="0" baseline="0" noProof="0" dirty="0">
+                <a:ln>
+                  <a:noFill/>
+                </a:ln>
+                <a:effectLst/>
+                <a:uLnTx/>
+                <a:uFillTx/>
+                <a:latin typeface="Calibri" panose="020F0502020204030204"/>
+                <a:ea typeface="+mn-ea"/>
+                <a:cs typeface="+mn-cs"/>
+              </a:rPr>
+              <a:t>- </a:t>
+            </a:r>
+            <a:r>
+              <a:rPr kumimoji="0" lang="fr-FR" sz="1200" b="0" i="0" u="none" strike="noStrike" kern="1200" cap="none" spc="0" normalizeH="0" baseline="0" noProof="0" dirty="0" err="1">
+                <a:ln>
+                  <a:noFill/>
+                </a:ln>
+                <a:effectLst/>
+                <a:uLnTx/>
+                <a:uFillTx/>
+                <a:latin typeface="Calibri" panose="020F0502020204030204"/>
+                <a:ea typeface="+mn-ea"/>
+                <a:cs typeface="+mn-cs"/>
+              </a:rPr>
+              <a:t>SampleID</a:t>
+            </a:r>
+            <a:endParaRPr kumimoji="0" lang="fr-FR" sz="1200" b="0" i="0" u="none" strike="noStrike" kern="1200" cap="none" spc="0" normalizeH="0" baseline="0" noProof="0" dirty="0">
+              <a:ln>
+                <a:noFill/>
+              </a:ln>
+              <a:effectLst/>
+              <a:uLnTx/>
+              <a:uFillTx/>
+              <a:latin typeface="Calibri" panose="020F0502020204030204"/>
+              <a:ea typeface="+mn-ea"/>
+              <a:cs typeface="+mn-cs"/>
+            </a:endParaRPr>
+          </a:p>
+          <a:p>
+            <a:pPr marL="0" marR="0" lvl="0" indent="0" defTabSz="914400" eaLnBrk="1" fontAlgn="auto" latinLnBrk="0" hangingPunct="1">
+              <a:lnSpc>
+                <a:spcPct val="100000"/>
+              </a:lnSpc>
+              <a:spcBef>
+                <a:spcPts val="0"/>
+              </a:spcBef>
+              <a:spcAft>
+                <a:spcPts val="0"/>
+              </a:spcAft>
+              <a:buClrTx/>
+              <a:buSzTx/>
+              <a:buFontTx/>
+              <a:buNone/>
+              <a:tabLst/>
+              <a:defRPr/>
+            </a:pPr>
+            <a:r>
+              <a:rPr kumimoji="0" lang="fr-FR" sz="1200" b="0" i="0" u="none" strike="noStrike" kern="1200" cap="none" spc="0" normalizeH="0" baseline="0" noProof="0" dirty="0">
+                <a:ln>
+                  <a:noFill/>
+                </a:ln>
+                <a:effectLst/>
+                <a:uLnTx/>
+                <a:uFillTx/>
+                <a:latin typeface="Calibri" panose="020F0502020204030204"/>
+                <a:ea typeface="+mn-ea"/>
+                <a:cs typeface="+mn-cs"/>
+              </a:rPr>
+              <a:t>- </a:t>
+            </a:r>
+            <a:r>
+              <a:rPr kumimoji="0" lang="fr-FR" sz="1200" b="0" i="0" u="none" strike="noStrike" kern="1200" cap="none" spc="0" normalizeH="0" baseline="0" noProof="0" dirty="0" err="1">
+                <a:ln>
+                  <a:noFill/>
+                </a:ln>
+                <a:effectLst/>
+                <a:uLnTx/>
+                <a:uFillTx/>
+                <a:latin typeface="Calibri" panose="020F0502020204030204"/>
+                <a:ea typeface="+mn-ea"/>
+                <a:cs typeface="+mn-cs"/>
+              </a:rPr>
+              <a:t>SampleID_num</a:t>
+            </a:r>
+            <a:endParaRPr kumimoji="0" lang="fr-FR" sz="1200" b="0" i="0" u="none" strike="noStrike" kern="1200" cap="none" spc="0" normalizeH="0" baseline="0" noProof="0" dirty="0">
+              <a:ln>
+                <a:noFill/>
+              </a:ln>
+              <a:effectLst/>
+              <a:uLnTx/>
+              <a:uFillTx/>
+              <a:latin typeface="Calibri" panose="020F0502020204030204"/>
+              <a:ea typeface="+mn-ea"/>
+              <a:cs typeface="+mn-cs"/>
+            </a:endParaRPr>
+          </a:p>
+          <a:p>
+            <a:pPr marL="0" marR="0" lvl="0" indent="0" defTabSz="914400" eaLnBrk="1" fontAlgn="auto" latinLnBrk="0" hangingPunct="1">
+              <a:lnSpc>
+                <a:spcPct val="100000"/>
+              </a:lnSpc>
+              <a:spcBef>
+                <a:spcPts val="0"/>
+              </a:spcBef>
+              <a:spcAft>
+                <a:spcPts val="0"/>
+              </a:spcAft>
+              <a:buClrTx/>
+              <a:buSzTx/>
+              <a:buFontTx/>
+              <a:buNone/>
+              <a:tabLst/>
+              <a:defRPr/>
+            </a:pPr>
+            <a:r>
+              <a:rPr kumimoji="0" lang="fr-FR" sz="1200" b="0" i="0" u="none" strike="noStrike" kern="1200" cap="none" spc="0" normalizeH="0" baseline="0" noProof="0" dirty="0">
+                <a:ln>
+                  <a:noFill/>
+                </a:ln>
+                <a:effectLst/>
+                <a:uLnTx/>
+                <a:uFillTx/>
+                <a:latin typeface="Calibri" panose="020F0502020204030204"/>
+                <a:ea typeface="+mn-ea"/>
+                <a:cs typeface="+mn-cs"/>
+              </a:rPr>
+              <a:t>- Vcmax25</a:t>
+            </a:r>
+          </a:p>
+          <a:p>
+            <a:pPr marL="0" marR="0" lvl="0" indent="0" defTabSz="914400" eaLnBrk="1" fontAlgn="auto" latinLnBrk="0" hangingPunct="1">
+              <a:lnSpc>
+                <a:spcPct val="100000"/>
+              </a:lnSpc>
+              <a:spcBef>
+                <a:spcPts val="0"/>
+              </a:spcBef>
+              <a:spcAft>
+                <a:spcPts val="0"/>
+              </a:spcAft>
+              <a:buClrTx/>
+              <a:buSzTx/>
+              <a:buFontTx/>
+              <a:buNone/>
+              <a:tabLst/>
+              <a:defRPr/>
+            </a:pPr>
+            <a:r>
+              <a:rPr kumimoji="0" lang="fr-FR" sz="1200" b="0" i="0" u="none" strike="noStrike" kern="1200" cap="none" spc="0" normalizeH="0" baseline="0" noProof="0" dirty="0">
+                <a:ln>
+                  <a:noFill/>
+                </a:ln>
+                <a:effectLst/>
+                <a:uLnTx/>
+                <a:uFillTx/>
+                <a:latin typeface="Calibri" panose="020F0502020204030204"/>
+                <a:ea typeface="+mn-ea"/>
+                <a:cs typeface="+mn-cs"/>
+              </a:rPr>
+              <a:t>- Jmax25</a:t>
+            </a:r>
+          </a:p>
+          <a:p>
+            <a:pPr marL="0" marR="0" lvl="0" indent="0" defTabSz="914400" eaLnBrk="1" fontAlgn="auto" latinLnBrk="0" hangingPunct="1">
+              <a:lnSpc>
+                <a:spcPct val="100000"/>
+              </a:lnSpc>
+              <a:spcBef>
+                <a:spcPts val="0"/>
+              </a:spcBef>
+              <a:spcAft>
+                <a:spcPts val="0"/>
+              </a:spcAft>
+              <a:buClrTx/>
+              <a:buSzTx/>
+              <a:buFontTx/>
+              <a:buNone/>
+              <a:tabLst/>
+              <a:defRPr/>
+            </a:pPr>
+            <a:r>
+              <a:rPr kumimoji="0" lang="fr-FR" sz="1200" b="0" i="0" u="none" strike="noStrike" kern="1200" cap="none" spc="0" normalizeH="0" baseline="0" noProof="0" dirty="0">
+                <a:ln>
+                  <a:noFill/>
+                </a:ln>
+                <a:effectLst/>
+                <a:uLnTx/>
+                <a:uFillTx/>
+                <a:latin typeface="Calibri" panose="020F0502020204030204"/>
+                <a:ea typeface="+mn-ea"/>
+                <a:cs typeface="+mn-cs"/>
+              </a:rPr>
+              <a:t>- TPU25</a:t>
+            </a:r>
+          </a:p>
+          <a:p>
+            <a:pPr marL="0" marR="0" lvl="0" indent="0" defTabSz="914400" eaLnBrk="1" fontAlgn="auto" latinLnBrk="0" hangingPunct="1">
+              <a:lnSpc>
+                <a:spcPct val="100000"/>
+              </a:lnSpc>
+              <a:spcBef>
+                <a:spcPts val="0"/>
+              </a:spcBef>
+              <a:spcAft>
+                <a:spcPts val="0"/>
+              </a:spcAft>
+              <a:buClrTx/>
+              <a:buSzTx/>
+              <a:buFontTx/>
+              <a:buNone/>
+              <a:tabLst/>
+              <a:defRPr/>
+            </a:pPr>
+            <a:r>
+              <a:rPr kumimoji="0" lang="fr-FR" sz="1200" b="0" i="0" u="none" strike="noStrike" kern="1200" cap="none" spc="0" normalizeH="0" baseline="0" noProof="0" dirty="0">
+                <a:ln>
+                  <a:noFill/>
+                </a:ln>
+                <a:effectLst/>
+                <a:uLnTx/>
+                <a:uFillTx/>
+                <a:latin typeface="Calibri" panose="020F0502020204030204"/>
+                <a:ea typeface="+mn-ea"/>
+                <a:cs typeface="+mn-cs"/>
+              </a:rPr>
+              <a:t>- Rday25</a:t>
+            </a:r>
+          </a:p>
+          <a:p>
+            <a:pPr marL="0" marR="0" lvl="0" indent="0" defTabSz="914400" eaLnBrk="1" fontAlgn="auto" latinLnBrk="0" hangingPunct="1">
+              <a:lnSpc>
+                <a:spcPct val="100000"/>
+              </a:lnSpc>
+              <a:spcBef>
+                <a:spcPts val="0"/>
+              </a:spcBef>
+              <a:spcAft>
+                <a:spcPts val="0"/>
+              </a:spcAft>
+              <a:buClrTx/>
+              <a:buSzTx/>
+              <a:buFontTx/>
+              <a:buNone/>
+              <a:tabLst/>
+              <a:defRPr/>
+            </a:pPr>
+            <a:r>
+              <a:rPr kumimoji="0" lang="fr-FR" sz="1200" b="0" i="0" u="none" strike="noStrike" kern="1200" cap="none" spc="0" normalizeH="0" baseline="0" noProof="0" dirty="0">
+                <a:ln>
+                  <a:noFill/>
+                </a:ln>
+                <a:effectLst/>
+                <a:uLnTx/>
+                <a:uFillTx/>
+                <a:latin typeface="Calibri" panose="020F0502020204030204"/>
+                <a:ea typeface="+mn-ea"/>
+                <a:cs typeface="+mn-cs"/>
+              </a:rPr>
+              <a:t>- StdError_Vcmax25</a:t>
+            </a:r>
+          </a:p>
+          <a:p>
+            <a:pPr marL="0" marR="0" lvl="0" indent="0" defTabSz="914400" eaLnBrk="1" fontAlgn="auto" latinLnBrk="0" hangingPunct="1">
+              <a:lnSpc>
+                <a:spcPct val="100000"/>
+              </a:lnSpc>
+              <a:spcBef>
+                <a:spcPts val="0"/>
+              </a:spcBef>
+              <a:spcAft>
+                <a:spcPts val="0"/>
+              </a:spcAft>
+              <a:buClrTx/>
+              <a:buSzTx/>
+              <a:buFontTx/>
+              <a:buNone/>
+              <a:tabLst/>
+              <a:defRPr/>
+            </a:pPr>
+            <a:r>
+              <a:rPr kumimoji="0" lang="fr-FR" sz="1200" b="0" i="0" u="none" strike="noStrike" kern="1200" cap="none" spc="0" normalizeH="0" baseline="0" noProof="0" dirty="0">
+                <a:ln>
+                  <a:noFill/>
+                </a:ln>
+                <a:effectLst/>
+                <a:uLnTx/>
+                <a:uFillTx/>
+                <a:latin typeface="Calibri" panose="020F0502020204030204"/>
+                <a:ea typeface="+mn-ea"/>
+                <a:cs typeface="+mn-cs"/>
+              </a:rPr>
+              <a:t>- </a:t>
+            </a:r>
+            <a:r>
+              <a:rPr kumimoji="0" lang="fr-FR" sz="1200" b="0" i="0" u="none" strike="noStrike" kern="1200" cap="none" spc="0" normalizeH="0" baseline="0" noProof="0" dirty="0" err="1">
+                <a:ln>
+                  <a:noFill/>
+                </a:ln>
+                <a:effectLst/>
+                <a:uLnTx/>
+                <a:uFillTx/>
+                <a:latin typeface="Calibri" panose="020F0502020204030204"/>
+                <a:ea typeface="+mn-ea"/>
+                <a:cs typeface="+mn-cs"/>
+              </a:rPr>
+              <a:t>StdError</a:t>
+            </a:r>
+            <a:r>
+              <a:rPr kumimoji="0" lang="fr-FR" sz="1200" b="0" i="0" u="none" strike="noStrike" kern="1200" cap="none" spc="0" normalizeH="0" baseline="0" noProof="0" dirty="0">
+                <a:ln>
+                  <a:noFill/>
+                </a:ln>
+                <a:effectLst/>
+                <a:uLnTx/>
+                <a:uFillTx/>
+                <a:latin typeface="Calibri" panose="020F0502020204030204"/>
+                <a:ea typeface="+mn-ea"/>
+                <a:cs typeface="+mn-cs"/>
+              </a:rPr>
+              <a:t>_ Jmax25</a:t>
+            </a:r>
+          </a:p>
+          <a:p>
+            <a:pPr marL="0" marR="0" lvl="0" indent="0" defTabSz="914400" eaLnBrk="1" fontAlgn="auto" latinLnBrk="0" hangingPunct="1">
+              <a:lnSpc>
+                <a:spcPct val="100000"/>
+              </a:lnSpc>
+              <a:spcBef>
+                <a:spcPts val="0"/>
+              </a:spcBef>
+              <a:spcAft>
+                <a:spcPts val="0"/>
+              </a:spcAft>
+              <a:buClrTx/>
+              <a:buSzTx/>
+              <a:buFontTx/>
+              <a:buNone/>
+              <a:tabLst/>
+              <a:defRPr/>
+            </a:pPr>
+            <a:r>
+              <a:rPr kumimoji="0" lang="fr-FR" sz="1200" b="0" i="0" u="none" strike="noStrike" kern="1200" cap="none" spc="0" normalizeH="0" baseline="0" noProof="0" dirty="0">
+                <a:ln>
+                  <a:noFill/>
+                </a:ln>
+                <a:effectLst/>
+                <a:uLnTx/>
+                <a:uFillTx/>
+                <a:latin typeface="Calibri" panose="020F0502020204030204"/>
+                <a:ea typeface="+mn-ea"/>
+                <a:cs typeface="+mn-cs"/>
+              </a:rPr>
+              <a:t>- </a:t>
+            </a:r>
+            <a:r>
+              <a:rPr kumimoji="0" lang="fr-FR" sz="1200" b="0" i="0" u="none" strike="noStrike" kern="1200" cap="none" spc="0" normalizeH="0" baseline="0" noProof="0" dirty="0" err="1">
+                <a:ln>
+                  <a:noFill/>
+                </a:ln>
+                <a:effectLst/>
+                <a:uLnTx/>
+                <a:uFillTx/>
+                <a:latin typeface="Calibri" panose="020F0502020204030204"/>
+                <a:ea typeface="+mn-ea"/>
+                <a:cs typeface="+mn-cs"/>
+              </a:rPr>
+              <a:t>StdError</a:t>
+            </a:r>
+            <a:r>
+              <a:rPr kumimoji="0" lang="fr-FR" sz="1200" b="0" i="0" u="none" strike="noStrike" kern="1200" cap="none" spc="0" normalizeH="0" baseline="0" noProof="0" dirty="0">
+                <a:ln>
+                  <a:noFill/>
+                </a:ln>
+                <a:effectLst/>
+                <a:uLnTx/>
+                <a:uFillTx/>
+                <a:latin typeface="Calibri" panose="020F0502020204030204"/>
+                <a:ea typeface="+mn-ea"/>
+                <a:cs typeface="+mn-cs"/>
+              </a:rPr>
+              <a:t>_ TPU25</a:t>
+            </a:r>
+          </a:p>
+          <a:p>
+            <a:pPr marL="0" marR="0" lvl="0" indent="0" defTabSz="914400" eaLnBrk="1" fontAlgn="auto" latinLnBrk="0" hangingPunct="1">
+              <a:lnSpc>
+                <a:spcPct val="100000"/>
+              </a:lnSpc>
+              <a:spcBef>
+                <a:spcPts val="0"/>
+              </a:spcBef>
+              <a:spcAft>
+                <a:spcPts val="0"/>
+              </a:spcAft>
+              <a:buClrTx/>
+              <a:buSzTx/>
+              <a:buFontTx/>
+              <a:buNone/>
+              <a:tabLst/>
+              <a:defRPr/>
+            </a:pPr>
+            <a:r>
+              <a:rPr kumimoji="0" lang="fr-FR" sz="1200" b="0" i="0" u="none" strike="noStrike" kern="1200" cap="none" spc="0" normalizeH="0" baseline="0" noProof="0" dirty="0">
+                <a:ln>
+                  <a:noFill/>
+                </a:ln>
+                <a:effectLst/>
+                <a:uLnTx/>
+                <a:uFillTx/>
+                <a:latin typeface="Calibri" panose="020F0502020204030204"/>
+                <a:ea typeface="+mn-ea"/>
+                <a:cs typeface="+mn-cs"/>
+              </a:rPr>
+              <a:t>- </a:t>
+            </a:r>
+            <a:r>
+              <a:rPr kumimoji="0" lang="fr-FR" sz="1200" b="0" i="0" u="none" strike="noStrike" kern="1200" cap="none" spc="0" normalizeH="0" baseline="0" noProof="0" dirty="0" err="1">
+                <a:ln>
+                  <a:noFill/>
+                </a:ln>
+                <a:effectLst/>
+                <a:uLnTx/>
+                <a:uFillTx/>
+                <a:latin typeface="Calibri" panose="020F0502020204030204"/>
+                <a:ea typeface="+mn-ea"/>
+                <a:cs typeface="+mn-cs"/>
+              </a:rPr>
+              <a:t>StdError</a:t>
+            </a:r>
+            <a:r>
+              <a:rPr kumimoji="0" lang="fr-FR" sz="1200" b="0" i="0" u="none" strike="noStrike" kern="1200" cap="none" spc="0" normalizeH="0" baseline="0" noProof="0" dirty="0">
+                <a:ln>
+                  <a:noFill/>
+                </a:ln>
+                <a:effectLst/>
+                <a:uLnTx/>
+                <a:uFillTx/>
+                <a:latin typeface="Calibri" panose="020F0502020204030204"/>
+                <a:ea typeface="+mn-ea"/>
+                <a:cs typeface="+mn-cs"/>
+              </a:rPr>
+              <a:t>_ Rday25</a:t>
+            </a:r>
+          </a:p>
+          <a:p>
+            <a:pPr marL="0" marR="0" lvl="0" indent="0" defTabSz="914400" eaLnBrk="1" fontAlgn="auto" latinLnBrk="0" hangingPunct="1">
+              <a:lnSpc>
+                <a:spcPct val="100000"/>
+              </a:lnSpc>
+              <a:spcBef>
+                <a:spcPts val="0"/>
+              </a:spcBef>
+              <a:spcAft>
+                <a:spcPts val="0"/>
+              </a:spcAft>
+              <a:buClrTx/>
+              <a:buSzTx/>
+              <a:buFontTx/>
+              <a:buNone/>
+              <a:tabLst/>
+              <a:defRPr/>
+            </a:pPr>
+            <a:r>
+              <a:rPr kumimoji="0" lang="fr-FR" sz="1200" b="0" i="0" u="none" strike="noStrike" kern="1200" cap="none" spc="0" normalizeH="0" baseline="0" noProof="0" dirty="0">
+                <a:ln>
+                  <a:noFill/>
+                </a:ln>
+                <a:effectLst/>
+                <a:uLnTx/>
+                <a:uFillTx/>
+                <a:latin typeface="Calibri" panose="020F0502020204030204"/>
+                <a:ea typeface="+mn-ea"/>
+                <a:cs typeface="+mn-cs"/>
+              </a:rPr>
+              <a:t>- </a:t>
+            </a:r>
+            <a:r>
+              <a:rPr kumimoji="0" lang="fr-FR" sz="1200" b="0" i="0" u="none" strike="noStrike" kern="1200" cap="none" spc="0" normalizeH="0" baseline="0" noProof="0" dirty="0" err="1">
+                <a:ln>
+                  <a:noFill/>
+                </a:ln>
+                <a:effectLst/>
+                <a:uLnTx/>
+                <a:uFillTx/>
+                <a:latin typeface="Calibri" panose="020F0502020204030204"/>
+                <a:ea typeface="+mn-ea"/>
+                <a:cs typeface="+mn-cs"/>
+              </a:rPr>
+              <a:t>Tleaf</a:t>
+            </a:r>
+            <a:endParaRPr kumimoji="0" lang="fr-FR" sz="1200" b="0" i="0" u="none" strike="noStrike" kern="1200" cap="none" spc="0" normalizeH="0" baseline="0" noProof="0" dirty="0">
+              <a:ln>
+                <a:noFill/>
+              </a:ln>
+              <a:effectLst/>
+              <a:uLnTx/>
+              <a:uFillTx/>
+              <a:latin typeface="Calibri" panose="020F0502020204030204"/>
+              <a:ea typeface="+mn-ea"/>
+              <a:cs typeface="+mn-cs"/>
+            </a:endParaRPr>
+          </a:p>
+          <a:p>
+            <a:pPr marL="0" marR="0" lvl="0" indent="0" defTabSz="914400" eaLnBrk="1" fontAlgn="auto" latinLnBrk="0" hangingPunct="1">
+              <a:lnSpc>
+                <a:spcPct val="100000"/>
+              </a:lnSpc>
+              <a:spcBef>
+                <a:spcPts val="0"/>
+              </a:spcBef>
+              <a:spcAft>
+                <a:spcPts val="0"/>
+              </a:spcAft>
+              <a:buClrTx/>
+              <a:buSzTx/>
+              <a:buFontTx/>
+              <a:buNone/>
+              <a:tabLst/>
+              <a:defRPr/>
+            </a:pPr>
+            <a:r>
+              <a:rPr kumimoji="0" lang="fr-FR" sz="1200" b="0" i="0" u="none" strike="noStrike" kern="1200" cap="none" spc="0" normalizeH="0" baseline="0" noProof="0" dirty="0">
+                <a:ln>
+                  <a:noFill/>
+                </a:ln>
+                <a:effectLst/>
+                <a:uLnTx/>
+                <a:uFillTx/>
+                <a:latin typeface="Calibri" panose="020F0502020204030204"/>
+                <a:ea typeface="+mn-ea"/>
+                <a:cs typeface="+mn-cs"/>
+              </a:rPr>
+              <a:t>- Sigma</a:t>
+            </a:r>
+          </a:p>
+          <a:p>
+            <a:pPr marL="0" marR="0" lvl="0" indent="0" defTabSz="914400" eaLnBrk="1" fontAlgn="auto" latinLnBrk="0" hangingPunct="1">
+              <a:lnSpc>
+                <a:spcPct val="100000"/>
+              </a:lnSpc>
+              <a:spcBef>
+                <a:spcPts val="0"/>
+              </a:spcBef>
+              <a:spcAft>
+                <a:spcPts val="0"/>
+              </a:spcAft>
+              <a:buClrTx/>
+              <a:buSzTx/>
+              <a:buFontTx/>
+              <a:buNone/>
+              <a:tabLst/>
+              <a:defRPr/>
+            </a:pPr>
+            <a:r>
+              <a:rPr kumimoji="0" lang="fr-FR" sz="1200" b="0" i="0" u="none" strike="noStrike" kern="1200" cap="none" spc="0" normalizeH="0" baseline="0" noProof="0" dirty="0">
+                <a:ln>
+                  <a:noFill/>
+                </a:ln>
+                <a:effectLst/>
+                <a:uLnTx/>
+                <a:uFillTx/>
+                <a:latin typeface="Calibri" panose="020F0502020204030204"/>
+                <a:ea typeface="+mn-ea"/>
+                <a:cs typeface="+mn-cs"/>
+              </a:rPr>
+              <a:t>- AIC</a:t>
+            </a:r>
+          </a:p>
+          <a:p>
+            <a:pPr marL="0" marR="0" lvl="0" indent="0" defTabSz="914400" eaLnBrk="1" fontAlgn="auto" latinLnBrk="0" hangingPunct="1">
+              <a:lnSpc>
+                <a:spcPct val="100000"/>
+              </a:lnSpc>
+              <a:spcBef>
+                <a:spcPts val="0"/>
+              </a:spcBef>
+              <a:spcAft>
+                <a:spcPts val="0"/>
+              </a:spcAft>
+              <a:buClrTx/>
+              <a:buSzTx/>
+              <a:buFontTx/>
+              <a:buNone/>
+              <a:tabLst/>
+              <a:defRPr/>
+            </a:pPr>
+            <a:r>
+              <a:rPr kumimoji="0" lang="fr-FR" sz="1200" b="0" i="0" u="none" strike="noStrike" kern="1200" cap="none" spc="0" normalizeH="0" baseline="0" noProof="0" dirty="0">
+                <a:ln>
+                  <a:noFill/>
+                </a:ln>
+                <a:effectLst/>
+                <a:uLnTx/>
+                <a:uFillTx/>
+                <a:latin typeface="Calibri" panose="020F0502020204030204"/>
+                <a:ea typeface="+mn-ea"/>
+                <a:cs typeface="+mn-cs"/>
+              </a:rPr>
+              <a:t>- Model</a:t>
+            </a:r>
+          </a:p>
+          <a:p>
+            <a:pPr marL="0" marR="0" lvl="0" indent="0" defTabSz="914400" eaLnBrk="1" fontAlgn="auto" latinLnBrk="0" hangingPunct="1">
+              <a:lnSpc>
+                <a:spcPct val="100000"/>
+              </a:lnSpc>
+              <a:spcBef>
+                <a:spcPts val="0"/>
+              </a:spcBef>
+              <a:spcAft>
+                <a:spcPts val="0"/>
+              </a:spcAft>
+              <a:buClrTx/>
+              <a:buSzTx/>
+              <a:buFontTx/>
+              <a:buNone/>
+              <a:tabLst/>
+              <a:defRPr/>
+            </a:pPr>
+            <a:r>
+              <a:rPr kumimoji="0" lang="fr-FR" sz="1200" b="0" i="0" u="none" strike="noStrike" kern="1200" cap="none" spc="0" normalizeH="0" baseline="0" noProof="0" dirty="0">
+                <a:ln>
+                  <a:noFill/>
+                </a:ln>
+                <a:effectLst/>
+                <a:uLnTx/>
+                <a:uFillTx/>
+                <a:latin typeface="Calibri" panose="020F0502020204030204"/>
+                <a:ea typeface="+mn-ea"/>
+                <a:cs typeface="+mn-cs"/>
+              </a:rPr>
+              <a:t>- </a:t>
+            </a:r>
+            <a:r>
+              <a:rPr kumimoji="0" lang="fr-FR" sz="1200" b="0" i="0" u="none" strike="noStrike" kern="1200" cap="none" spc="0" normalizeH="0" baseline="0" noProof="0" dirty="0" err="1">
+                <a:ln>
+                  <a:noFill/>
+                </a:ln>
+                <a:effectLst/>
+                <a:uLnTx/>
+                <a:uFillTx/>
+                <a:latin typeface="Calibri" panose="020F0502020204030204"/>
+                <a:ea typeface="+mn-ea"/>
+                <a:cs typeface="+mn-cs"/>
+              </a:rPr>
+              <a:t>Vcmax_method</a:t>
+            </a:r>
+            <a:endParaRPr kumimoji="0" lang="fr-FR" sz="1200" b="0" i="0" u="none" strike="noStrike" kern="1200" cap="none" spc="0" normalizeH="0" baseline="0" noProof="0" dirty="0">
+              <a:ln>
+                <a:noFill/>
+              </a:ln>
+              <a:effectLst/>
+              <a:uLnTx/>
+              <a:uFillTx/>
+              <a:latin typeface="Calibri" panose="020F0502020204030204"/>
+              <a:ea typeface="+mn-ea"/>
+              <a:cs typeface="+mn-cs"/>
+            </a:endParaRPr>
+          </a:p>
+        </p:txBody>
+      </p:sp>
+      <p:sp>
+        <p:nvSpPr>
+          <p:cNvPr id="109" name="Ellipse 108">
+            <a:extLst>
+              <a:ext uri="{FF2B5EF4-FFF2-40B4-BE49-F238E27FC236}">
+                <a16:creationId xmlns:a16="http://schemas.microsoft.com/office/drawing/2014/main" id="{6DAA7651-D5D9-47C2-8400-536213113F47}"/>
+              </a:ext>
+            </a:extLst>
+          </p:cNvPr>
+          <p:cNvSpPr/>
+          <p:nvPr/>
+        </p:nvSpPr>
+        <p:spPr>
+          <a:xfrm>
+            <a:off x="2708719" y="1260286"/>
+            <a:ext cx="2318170" cy="629919"/>
+          </a:xfrm>
+          <a:prstGeom prst="ellipse">
+            <a:avLst/>
+          </a:prstGeom>
+          <a:noFill/>
+          <a:ln w="12700" cap="flat" cmpd="sng" algn="ctr">
+            <a:solidFill>
+              <a:schemeClr val="tx1"/>
+            </a:solidFill>
+            <a:prstDash val="solid"/>
+            <a:miter lim="800000"/>
+          </a:ln>
+          <a:effectLst/>
+        </p:spPr>
+        <p:txBody>
+          <a:bodyPr rtlCol="0" anchor="ctr"/>
+          <a:lstStyle/>
+          <a:p>
+            <a:pPr marL="0" marR="0" lvl="0" indent="0" algn="ctr" defTabSz="914400" eaLnBrk="1" fontAlgn="auto" latinLnBrk="0" hangingPunct="1">
+              <a:lnSpc>
+                <a:spcPct val="100000"/>
+              </a:lnSpc>
+              <a:spcBef>
+                <a:spcPts val="0"/>
+              </a:spcBef>
+              <a:spcAft>
+                <a:spcPts val="0"/>
+              </a:spcAft>
+              <a:buClrTx/>
+              <a:buSzTx/>
+              <a:buFontTx/>
+              <a:buNone/>
+              <a:tabLst/>
+              <a:defRPr/>
+            </a:pPr>
+            <a:r>
+              <a:rPr kumimoji="0" lang="fr-FR" sz="1200" b="0" i="0" u="none" strike="noStrike" kern="1200" cap="none" spc="0" normalizeH="0" baseline="0" noProof="0" dirty="0">
+                <a:ln>
+                  <a:noFill/>
+                </a:ln>
+                <a:effectLst/>
+                <a:uLnTx/>
+                <a:uFillTx/>
+                <a:latin typeface="Calibri" panose="020F0502020204030204"/>
+                <a:ea typeface="+mn-ea"/>
+                <a:cs typeface="+mn-cs"/>
+              </a:rPr>
+              <a:t>0_Import_transform_Aci.R</a:t>
+            </a:r>
+            <a:endParaRPr kumimoji="0" lang="en-US" sz="1200" b="0" i="0" u="none" strike="noStrike" kern="1200" cap="none" spc="0" normalizeH="0" baseline="0" noProof="0" dirty="0">
+              <a:ln>
+                <a:noFill/>
+              </a:ln>
+              <a:effectLst/>
+              <a:uLnTx/>
+              <a:uFillTx/>
+              <a:latin typeface="Calibri" panose="020F0502020204030204"/>
+              <a:ea typeface="+mn-ea"/>
+              <a:cs typeface="+mn-cs"/>
+            </a:endParaRPr>
+          </a:p>
+        </p:txBody>
+      </p:sp>
+      <p:sp>
+        <p:nvSpPr>
+          <p:cNvPr id="110" name="Ellipse 109">
+            <a:extLst>
+              <a:ext uri="{FF2B5EF4-FFF2-40B4-BE49-F238E27FC236}">
+                <a16:creationId xmlns:a16="http://schemas.microsoft.com/office/drawing/2014/main" id="{E07D1D07-A042-4B71-8F23-25C91008D892}"/>
+              </a:ext>
+            </a:extLst>
+          </p:cNvPr>
+          <p:cNvSpPr/>
+          <p:nvPr/>
+        </p:nvSpPr>
+        <p:spPr>
+          <a:xfrm>
+            <a:off x="2972254" y="5298948"/>
+            <a:ext cx="1791107" cy="811583"/>
+          </a:xfrm>
+          <a:prstGeom prst="ellipse">
+            <a:avLst/>
+          </a:prstGeom>
+          <a:noFill/>
+          <a:ln w="12700" cap="flat" cmpd="sng" algn="ctr">
+            <a:solidFill>
+              <a:schemeClr val="tx1"/>
+            </a:solidFill>
+            <a:prstDash val="solid"/>
+            <a:miter lim="800000"/>
+          </a:ln>
+          <a:effectLst/>
+        </p:spPr>
+        <p:txBody>
+          <a:bodyPr rtlCol="0" anchor="ctr"/>
+          <a:lstStyle/>
+          <a:p>
+            <a:pPr marL="0" marR="0" lvl="0" indent="0" algn="ctr" defTabSz="914400" eaLnBrk="1" fontAlgn="auto" latinLnBrk="0" hangingPunct="1">
+              <a:lnSpc>
+                <a:spcPct val="100000"/>
+              </a:lnSpc>
+              <a:spcBef>
+                <a:spcPts val="0"/>
+              </a:spcBef>
+              <a:spcAft>
+                <a:spcPts val="0"/>
+              </a:spcAft>
+              <a:buClrTx/>
+              <a:buSzTx/>
+              <a:buFontTx/>
+              <a:buNone/>
+              <a:tabLst/>
+              <a:defRPr/>
+            </a:pPr>
+            <a:r>
+              <a:rPr kumimoji="0" lang="fr-FR" sz="1200" b="0" i="0" u="none" strike="noStrike" kern="1200" cap="none" spc="0" normalizeH="0" baseline="0" noProof="0" dirty="0">
+                <a:ln>
+                  <a:noFill/>
+                </a:ln>
+                <a:effectLst/>
+                <a:uLnTx/>
+                <a:uFillTx/>
+                <a:latin typeface="Calibri" panose="020F0502020204030204"/>
+                <a:ea typeface="+mn-ea"/>
+                <a:cs typeface="+mn-cs"/>
+              </a:rPr>
+              <a:t>2_Fit_Aci.R</a:t>
+            </a:r>
+          </a:p>
+          <a:p>
+            <a:pPr marL="0" marR="0" lvl="0" indent="0" algn="ctr" defTabSz="914400" eaLnBrk="1" fontAlgn="auto" latinLnBrk="0" hangingPunct="1">
+              <a:lnSpc>
+                <a:spcPct val="100000"/>
+              </a:lnSpc>
+              <a:spcBef>
+                <a:spcPts val="0"/>
+              </a:spcBef>
+              <a:spcAft>
+                <a:spcPts val="0"/>
+              </a:spcAft>
+              <a:buClrTx/>
+              <a:buSzTx/>
+              <a:buFontTx/>
+              <a:buNone/>
+              <a:tabLst/>
+              <a:defRPr/>
+            </a:pPr>
+            <a:r>
+              <a:rPr lang="fr-FR" sz="1200" i="1" dirty="0" err="1">
+                <a:latin typeface="Calibri" panose="020F0502020204030204"/>
+              </a:rPr>
+              <a:t>f.fit_ACi</a:t>
+            </a:r>
+            <a:r>
+              <a:rPr lang="fr-FR" sz="1200" dirty="0">
+                <a:latin typeface="Calibri" panose="020F0502020204030204"/>
+              </a:rPr>
+              <a:t> or </a:t>
+            </a:r>
+            <a:r>
+              <a:rPr lang="fr-FR" sz="1200" i="1" dirty="0" err="1">
+                <a:latin typeface="Calibri" panose="020F0502020204030204"/>
+              </a:rPr>
+              <a:t>f.fit_One_Point</a:t>
+            </a:r>
+            <a:endParaRPr kumimoji="0" lang="en-US" sz="1200" b="0" i="1" u="none" strike="noStrike" kern="1200" cap="none" spc="0" normalizeH="0" baseline="0" noProof="0" dirty="0">
+              <a:ln>
+                <a:noFill/>
+              </a:ln>
+              <a:effectLst/>
+              <a:uLnTx/>
+              <a:uFillTx/>
+              <a:latin typeface="Calibri" panose="020F0502020204030204"/>
+            </a:endParaRPr>
+          </a:p>
+        </p:txBody>
+      </p:sp>
+      <p:cxnSp>
+        <p:nvCxnSpPr>
+          <p:cNvPr id="111" name="Connecteur droit avec flèche 110">
+            <a:extLst>
+              <a:ext uri="{FF2B5EF4-FFF2-40B4-BE49-F238E27FC236}">
+                <a16:creationId xmlns:a16="http://schemas.microsoft.com/office/drawing/2014/main" id="{F56ECC67-9309-4CAB-AD6F-462FFF7A56F6}"/>
+              </a:ext>
+            </a:extLst>
+          </p:cNvPr>
+          <p:cNvCxnSpPr>
+            <a:cxnSpLocks/>
+            <a:stCxn id="101" idx="2"/>
+            <a:endCxn id="109" idx="0"/>
+          </p:cNvCxnSpPr>
+          <p:nvPr/>
+        </p:nvCxnSpPr>
+        <p:spPr>
+          <a:xfrm flipH="1">
+            <a:off x="3867804" y="1048653"/>
+            <a:ext cx="3" cy="211633"/>
+          </a:xfrm>
+          <a:prstGeom prst="straightConnector1">
+            <a:avLst/>
+          </a:prstGeom>
+          <a:ln>
+            <a:solidFill>
+              <a:schemeClr val="tx1"/>
+            </a:solidFill>
+            <a:tailEnd type="triangle"/>
+          </a:ln>
+        </p:spPr>
+        <p:style>
+          <a:lnRef idx="1">
+            <a:schemeClr val="accent5"/>
+          </a:lnRef>
+          <a:fillRef idx="0">
+            <a:schemeClr val="accent5"/>
+          </a:fillRef>
+          <a:effectRef idx="0">
+            <a:schemeClr val="accent5"/>
+          </a:effectRef>
+          <a:fontRef idx="minor">
+            <a:schemeClr val="tx1"/>
+          </a:fontRef>
+        </p:style>
+      </p:cxnSp>
+      <p:cxnSp>
+        <p:nvCxnSpPr>
+          <p:cNvPr id="112" name="Connecteur droit avec flèche 111">
+            <a:extLst>
+              <a:ext uri="{FF2B5EF4-FFF2-40B4-BE49-F238E27FC236}">
+                <a16:creationId xmlns:a16="http://schemas.microsoft.com/office/drawing/2014/main" id="{2D3418C5-E1FD-48EE-BC51-8FD175DD8237}"/>
+              </a:ext>
+            </a:extLst>
+          </p:cNvPr>
+          <p:cNvCxnSpPr>
+            <a:cxnSpLocks/>
+            <a:stCxn id="114" idx="4"/>
+            <a:endCxn id="102" idx="0"/>
+          </p:cNvCxnSpPr>
+          <p:nvPr/>
+        </p:nvCxnSpPr>
+        <p:spPr>
+          <a:xfrm>
+            <a:off x="3867805" y="2736961"/>
+            <a:ext cx="2" cy="213142"/>
+          </a:xfrm>
+          <a:prstGeom prst="straightConnector1">
+            <a:avLst/>
+          </a:prstGeom>
+          <a:ln>
+            <a:solidFill>
+              <a:schemeClr val="tx1"/>
+            </a:solidFill>
+            <a:tailEnd type="triangle"/>
+          </a:ln>
+        </p:spPr>
+        <p:style>
+          <a:lnRef idx="1">
+            <a:schemeClr val="accent5"/>
+          </a:lnRef>
+          <a:fillRef idx="0">
+            <a:schemeClr val="accent5"/>
+          </a:fillRef>
+          <a:effectRef idx="0">
+            <a:schemeClr val="accent5"/>
+          </a:effectRef>
+          <a:fontRef idx="minor">
+            <a:schemeClr val="tx1"/>
+          </a:fontRef>
+        </p:style>
+      </p:cxnSp>
+      <p:cxnSp>
+        <p:nvCxnSpPr>
+          <p:cNvPr id="113" name="Connecteur droit avec flèche 112">
+            <a:extLst>
+              <a:ext uri="{FF2B5EF4-FFF2-40B4-BE49-F238E27FC236}">
+                <a16:creationId xmlns:a16="http://schemas.microsoft.com/office/drawing/2014/main" id="{43138D34-15A6-4CC0-A11C-3D432888467B}"/>
+              </a:ext>
+            </a:extLst>
+          </p:cNvPr>
+          <p:cNvCxnSpPr>
+            <a:cxnSpLocks/>
+            <a:stCxn id="105" idx="2"/>
+            <a:endCxn id="110" idx="0"/>
+          </p:cNvCxnSpPr>
+          <p:nvPr/>
+        </p:nvCxnSpPr>
+        <p:spPr>
+          <a:xfrm>
+            <a:off x="3867807" y="5084341"/>
+            <a:ext cx="1" cy="214607"/>
+          </a:xfrm>
+          <a:prstGeom prst="straightConnector1">
+            <a:avLst/>
+          </a:prstGeom>
+          <a:ln>
+            <a:solidFill>
+              <a:schemeClr val="tx1"/>
+            </a:solidFill>
+            <a:tailEnd type="triangle"/>
+          </a:ln>
+        </p:spPr>
+        <p:style>
+          <a:lnRef idx="1">
+            <a:schemeClr val="accent5"/>
+          </a:lnRef>
+          <a:fillRef idx="0">
+            <a:schemeClr val="accent5"/>
+          </a:fillRef>
+          <a:effectRef idx="0">
+            <a:schemeClr val="accent5"/>
+          </a:effectRef>
+          <a:fontRef idx="minor">
+            <a:schemeClr val="tx1"/>
+          </a:fontRef>
+        </p:style>
+      </p:cxnSp>
+      <p:sp>
+        <p:nvSpPr>
+          <p:cNvPr id="114" name="Ellipse 113">
+            <a:extLst>
+              <a:ext uri="{FF2B5EF4-FFF2-40B4-BE49-F238E27FC236}">
+                <a16:creationId xmlns:a16="http://schemas.microsoft.com/office/drawing/2014/main" id="{E8CABDB2-1C39-46AC-8A63-F1A8778D2F79}"/>
+              </a:ext>
+            </a:extLst>
+          </p:cNvPr>
+          <p:cNvSpPr/>
+          <p:nvPr/>
+        </p:nvSpPr>
+        <p:spPr>
+          <a:xfrm>
+            <a:off x="2708719" y="2107042"/>
+            <a:ext cx="2318171" cy="629919"/>
+          </a:xfrm>
+          <a:prstGeom prst="ellipse">
+            <a:avLst/>
+          </a:prstGeom>
+          <a:noFill/>
+          <a:ln w="12700" cap="flat" cmpd="sng" algn="ctr">
+            <a:solidFill>
+              <a:schemeClr val="tx1"/>
+            </a:solidFill>
+            <a:prstDash val="solid"/>
+            <a:miter lim="800000"/>
+          </a:ln>
+          <a:effectLst/>
+        </p:spPr>
+        <p:txBody>
+          <a:bodyPr rtlCol="0" anchor="ctr"/>
+          <a:lstStyle/>
+          <a:p>
+            <a:pPr lvl="0" algn="ctr">
+              <a:buClrTx/>
+            </a:pPr>
+            <a:r>
+              <a:rPr lang="fr-FR" sz="1200" kern="1200" dirty="0">
+                <a:latin typeface="Calibri" panose="020F0502020204030204"/>
+                <a:ea typeface="+mn-ea"/>
+                <a:cs typeface="+mn-cs"/>
+              </a:rPr>
+              <a:t>1_QaQc_curated_Aci.R</a:t>
+            </a:r>
+            <a:endParaRPr kumimoji="0" lang="en-US" sz="1200" b="0" i="0" u="none" strike="noStrike" kern="1200" cap="none" spc="0" normalizeH="0" baseline="0" noProof="0" dirty="0">
+              <a:ln>
+                <a:noFill/>
+              </a:ln>
+              <a:effectLst/>
+              <a:uLnTx/>
+              <a:uFillTx/>
+              <a:latin typeface="Calibri" panose="020F0502020204030204"/>
+              <a:ea typeface="+mn-ea"/>
+              <a:cs typeface="+mn-cs"/>
+            </a:endParaRPr>
+          </a:p>
+        </p:txBody>
+      </p:sp>
+      <p:cxnSp>
+        <p:nvCxnSpPr>
+          <p:cNvPr id="115" name="Connecteur droit avec flèche 114">
+            <a:extLst>
+              <a:ext uri="{FF2B5EF4-FFF2-40B4-BE49-F238E27FC236}">
+                <a16:creationId xmlns:a16="http://schemas.microsoft.com/office/drawing/2014/main" id="{B06A636B-2842-4224-8906-1F0BB59F7B7A}"/>
+              </a:ext>
+            </a:extLst>
+          </p:cNvPr>
+          <p:cNvCxnSpPr>
+            <a:cxnSpLocks/>
+            <a:stCxn id="109" idx="4"/>
+            <a:endCxn id="114" idx="0"/>
+          </p:cNvCxnSpPr>
+          <p:nvPr/>
+        </p:nvCxnSpPr>
+        <p:spPr>
+          <a:xfrm>
+            <a:off x="3867804" y="1890205"/>
+            <a:ext cx="1" cy="216837"/>
+          </a:xfrm>
+          <a:prstGeom prst="straightConnector1">
+            <a:avLst/>
+          </a:prstGeom>
+          <a:ln>
+            <a:solidFill>
+              <a:schemeClr val="tx1"/>
+            </a:solidFill>
+            <a:tailEnd type="triangle"/>
+          </a:ln>
+        </p:spPr>
+        <p:style>
+          <a:lnRef idx="1">
+            <a:schemeClr val="accent5"/>
+          </a:lnRef>
+          <a:fillRef idx="0">
+            <a:schemeClr val="accent5"/>
+          </a:fillRef>
+          <a:effectRef idx="0">
+            <a:schemeClr val="accent5"/>
+          </a:effectRef>
+          <a:fontRef idx="minor">
+            <a:schemeClr val="tx1"/>
+          </a:fontRef>
+        </p:style>
+      </p:cxnSp>
+      <p:sp>
+        <p:nvSpPr>
+          <p:cNvPr id="116" name="ZoneTexte 115">
+            <a:extLst>
+              <a:ext uri="{FF2B5EF4-FFF2-40B4-BE49-F238E27FC236}">
+                <a16:creationId xmlns:a16="http://schemas.microsoft.com/office/drawing/2014/main" id="{99BEAF7C-7417-4175-8CC5-7420D7EEAE46}"/>
+              </a:ext>
+            </a:extLst>
+          </p:cNvPr>
+          <p:cNvSpPr txBox="1"/>
+          <p:nvPr/>
+        </p:nvSpPr>
+        <p:spPr>
+          <a:xfrm>
+            <a:off x="4302847" y="404915"/>
+            <a:ext cx="352425" cy="707886"/>
+          </a:xfrm>
+          <a:prstGeom prst="rect">
+            <a:avLst/>
+          </a:prstGeom>
+          <a:noFill/>
+          <a:ln>
+            <a:noFill/>
+          </a:ln>
+        </p:spPr>
+        <p:txBody>
+          <a:bodyPr wrap="square" rtlCol="0">
+            <a:spAutoFit/>
+          </a:bodyPr>
+          <a:lstStyle/>
+          <a:p>
+            <a:r>
+              <a:rPr lang="fr-FR" sz="4000" dirty="0"/>
+              <a:t>*</a:t>
+            </a:r>
+            <a:endParaRPr lang="en-US" dirty="0"/>
+          </a:p>
+        </p:txBody>
+      </p:sp>
+      <p:cxnSp>
+        <p:nvCxnSpPr>
+          <p:cNvPr id="117" name="Connecteur droit avec flèche 116">
+            <a:extLst>
+              <a:ext uri="{FF2B5EF4-FFF2-40B4-BE49-F238E27FC236}">
+                <a16:creationId xmlns:a16="http://schemas.microsoft.com/office/drawing/2014/main" id="{D213D901-AFF0-453C-B043-8E31307DC038}"/>
+              </a:ext>
+            </a:extLst>
+          </p:cNvPr>
+          <p:cNvCxnSpPr>
+            <a:cxnSpLocks/>
+            <a:stCxn id="110" idx="6"/>
+            <a:endCxn id="106" idx="1"/>
+          </p:cNvCxnSpPr>
+          <p:nvPr/>
+        </p:nvCxnSpPr>
+        <p:spPr>
+          <a:xfrm flipV="1">
+            <a:off x="4763361" y="4350744"/>
+            <a:ext cx="506371" cy="1353996"/>
+          </a:xfrm>
+          <a:prstGeom prst="straightConnector1">
+            <a:avLst/>
+          </a:prstGeom>
+          <a:ln>
+            <a:solidFill>
+              <a:schemeClr val="tx1"/>
+            </a:solidFill>
+            <a:tailEnd type="triangle"/>
+          </a:ln>
+        </p:spPr>
+        <p:style>
+          <a:lnRef idx="1">
+            <a:schemeClr val="accent5"/>
+          </a:lnRef>
+          <a:fillRef idx="0">
+            <a:schemeClr val="accent5"/>
+          </a:fillRef>
+          <a:effectRef idx="0">
+            <a:schemeClr val="accent5"/>
+          </a:effectRef>
+          <a:fontRef idx="minor">
+            <a:schemeClr val="tx1"/>
+          </a:fontRef>
+        </p:style>
+      </p:cxnSp>
+      <p:sp>
+        <p:nvSpPr>
+          <p:cNvPr id="118" name="Rectangle 117">
+            <a:extLst>
+              <a:ext uri="{FF2B5EF4-FFF2-40B4-BE49-F238E27FC236}">
+                <a16:creationId xmlns:a16="http://schemas.microsoft.com/office/drawing/2014/main" id="{86EA6170-DC8F-40D8-98C0-B2D1F9C77454}"/>
+              </a:ext>
+            </a:extLst>
+          </p:cNvPr>
+          <p:cNvSpPr/>
+          <p:nvPr/>
+        </p:nvSpPr>
+        <p:spPr>
+          <a:xfrm>
+            <a:off x="8067329" y="5572212"/>
+            <a:ext cx="1592386" cy="340541"/>
+          </a:xfrm>
+          <a:prstGeom prst="rect">
+            <a:avLst/>
+          </a:prstGeom>
+          <a:noFill/>
+          <a:ln w="12700" cap="flat" cmpd="sng" algn="ctr">
+            <a:solidFill>
+              <a:schemeClr val="tx1"/>
+            </a:solidFill>
+            <a:prstDash val="solid"/>
+            <a:miter lim="800000"/>
+          </a:ln>
+          <a:effectLst/>
+        </p:spPr>
+        <p:txBody>
+          <a:bodyPr rtlCol="0" anchor="ctr"/>
+          <a:lstStyle/>
+          <a:p>
+            <a:pPr marL="0" marR="0" lvl="0" indent="0" defTabSz="914400" eaLnBrk="1" fontAlgn="auto" latinLnBrk="0" hangingPunct="1">
+              <a:lnSpc>
+                <a:spcPct val="100000"/>
+              </a:lnSpc>
+              <a:spcBef>
+                <a:spcPts val="0"/>
+              </a:spcBef>
+              <a:spcAft>
+                <a:spcPts val="0"/>
+              </a:spcAft>
+              <a:buClrTx/>
+              <a:buSzTx/>
+              <a:buFontTx/>
+              <a:buNone/>
+              <a:tabLst/>
+              <a:defRPr/>
+            </a:pPr>
+            <a:r>
+              <a:rPr kumimoji="0" lang="fr-FR" sz="1200" b="0" i="0" u="none" strike="noStrike" kern="1200" cap="none" spc="0" normalizeH="0" baseline="0" noProof="0" dirty="0" err="1">
+                <a:ln>
+                  <a:noFill/>
+                </a:ln>
+                <a:effectLst/>
+                <a:uLnTx/>
+                <a:uFillTx/>
+                <a:latin typeface="Calibri" panose="020F0502020204030204"/>
+                <a:ea typeface="+mn-ea"/>
+                <a:cs typeface="+mn-cs"/>
+              </a:rPr>
+              <a:t>Dark</a:t>
+            </a:r>
+            <a:r>
+              <a:rPr kumimoji="0" lang="fr-FR" sz="1200" b="0" i="0" u="none" strike="noStrike" kern="1200" cap="none" spc="0" normalizeH="0" baseline="0" noProof="0" dirty="0">
+                <a:ln>
+                  <a:noFill/>
+                </a:ln>
+                <a:effectLst/>
+                <a:uLnTx/>
+                <a:uFillTx/>
+                <a:latin typeface="Calibri" panose="020F0502020204030204"/>
+                <a:ea typeface="+mn-ea"/>
+                <a:cs typeface="+mn-cs"/>
+              </a:rPr>
+              <a:t> respiration </a:t>
+            </a:r>
+            <a:endParaRPr kumimoji="0" lang="en-US" sz="1200" b="0" i="0" u="none" strike="noStrike" kern="1200" cap="none" spc="0" normalizeH="0" baseline="0" noProof="0" dirty="0">
+              <a:ln>
+                <a:noFill/>
+              </a:ln>
+              <a:effectLst/>
+              <a:uLnTx/>
+              <a:uFillTx/>
+              <a:latin typeface="Calibri" panose="020F0502020204030204"/>
+              <a:ea typeface="+mn-ea"/>
+              <a:cs typeface="+mn-cs"/>
+            </a:endParaRPr>
+          </a:p>
+        </p:txBody>
+      </p:sp>
+      <p:sp>
+        <p:nvSpPr>
+          <p:cNvPr id="119" name="Rectangle 118">
+            <a:extLst>
+              <a:ext uri="{FF2B5EF4-FFF2-40B4-BE49-F238E27FC236}">
+                <a16:creationId xmlns:a16="http://schemas.microsoft.com/office/drawing/2014/main" id="{0D050710-0BA8-434C-B9B7-8D17FEF2AD67}"/>
+              </a:ext>
+            </a:extLst>
+          </p:cNvPr>
+          <p:cNvSpPr/>
+          <p:nvPr/>
+        </p:nvSpPr>
+        <p:spPr>
+          <a:xfrm>
+            <a:off x="8071523" y="5915978"/>
+            <a:ext cx="1588192" cy="707886"/>
+          </a:xfrm>
+          <a:prstGeom prst="rect">
+            <a:avLst/>
+          </a:prstGeom>
+          <a:noFill/>
+          <a:ln w="12700" cap="flat" cmpd="sng" algn="ctr">
+            <a:solidFill>
+              <a:schemeClr val="tx1"/>
+            </a:solidFill>
+            <a:prstDash val="solid"/>
+            <a:miter lim="800000"/>
+          </a:ln>
+          <a:effectLst/>
+        </p:spPr>
+        <p:txBody>
+          <a:bodyPr rtlCol="0" anchor="ctr"/>
+          <a:lstStyle/>
+          <a:p>
+            <a:pPr marL="0" marR="0" lvl="0" indent="0" defTabSz="914400" eaLnBrk="1" fontAlgn="auto" latinLnBrk="0" hangingPunct="1">
+              <a:lnSpc>
+                <a:spcPct val="100000"/>
+              </a:lnSpc>
+              <a:spcBef>
+                <a:spcPts val="0"/>
+              </a:spcBef>
+              <a:spcAft>
+                <a:spcPts val="0"/>
+              </a:spcAft>
+              <a:buClrTx/>
+              <a:buSzTx/>
+              <a:buFontTx/>
+              <a:buNone/>
+              <a:tabLst/>
+              <a:defRPr/>
+            </a:pPr>
+            <a:r>
+              <a:rPr kumimoji="0" lang="fr-FR" sz="1200" b="0" i="0" u="none" strike="noStrike" kern="1200" cap="none" spc="0" normalizeH="0" baseline="0" noProof="0" dirty="0">
+                <a:ln>
+                  <a:noFill/>
+                </a:ln>
+                <a:effectLst/>
+                <a:uLnTx/>
+                <a:uFillTx/>
+                <a:latin typeface="Calibri" panose="020F0502020204030204"/>
+                <a:ea typeface="+mn-ea"/>
+                <a:cs typeface="+mn-cs"/>
+              </a:rPr>
+              <a:t>- </a:t>
+            </a:r>
+            <a:r>
+              <a:rPr kumimoji="0" lang="fr-FR" sz="1200" b="0" i="0" u="none" strike="noStrike" kern="1200" cap="none" spc="0" normalizeH="0" baseline="0" noProof="0" dirty="0" err="1">
+                <a:ln>
+                  <a:noFill/>
+                </a:ln>
+                <a:effectLst/>
+                <a:uLnTx/>
+                <a:uFillTx/>
+                <a:latin typeface="Calibri" panose="020F0502020204030204"/>
+                <a:ea typeface="+mn-ea"/>
+                <a:cs typeface="+mn-cs"/>
+              </a:rPr>
+              <a:t>SampleID</a:t>
+            </a:r>
+            <a:endParaRPr kumimoji="0" lang="fr-FR" sz="1200" b="0" i="0" u="none" strike="noStrike" kern="1200" cap="none" spc="0" normalizeH="0" baseline="0" noProof="0" dirty="0">
+              <a:ln>
+                <a:noFill/>
+              </a:ln>
+              <a:effectLst/>
+              <a:uLnTx/>
+              <a:uFillTx/>
+              <a:latin typeface="Calibri" panose="020F0502020204030204"/>
+              <a:ea typeface="+mn-ea"/>
+              <a:cs typeface="+mn-cs"/>
+            </a:endParaRPr>
+          </a:p>
+          <a:p>
+            <a:pPr marL="0" marR="0" lvl="0" indent="0" defTabSz="914400" eaLnBrk="1" fontAlgn="auto" latinLnBrk="0" hangingPunct="1">
+              <a:lnSpc>
+                <a:spcPct val="100000"/>
+              </a:lnSpc>
+              <a:spcBef>
+                <a:spcPts val="0"/>
+              </a:spcBef>
+              <a:spcAft>
+                <a:spcPts val="0"/>
+              </a:spcAft>
+              <a:buClrTx/>
+              <a:buSzTx/>
+              <a:buFontTx/>
+              <a:buNone/>
+              <a:tabLst/>
+              <a:defRPr/>
+            </a:pPr>
+            <a:r>
+              <a:rPr kumimoji="0" lang="fr-FR" sz="1200" b="0" i="0" u="none" strike="noStrike" kern="1200" cap="none" spc="0" normalizeH="0" baseline="0" noProof="0" dirty="0">
+                <a:ln>
+                  <a:noFill/>
+                </a:ln>
+                <a:effectLst/>
+                <a:uLnTx/>
+                <a:uFillTx/>
+                <a:latin typeface="Calibri" panose="020F0502020204030204"/>
+                <a:ea typeface="+mn-ea"/>
+                <a:cs typeface="+mn-cs"/>
+              </a:rPr>
+              <a:t>- </a:t>
+            </a:r>
+            <a:r>
+              <a:rPr kumimoji="0" lang="fr-FR" sz="1200" b="0" i="0" u="none" strike="noStrike" kern="1200" cap="none" spc="0" normalizeH="0" baseline="0" noProof="0" dirty="0" err="1">
+                <a:ln>
+                  <a:noFill/>
+                </a:ln>
+                <a:effectLst/>
+                <a:uLnTx/>
+                <a:uFillTx/>
+                <a:latin typeface="Calibri" panose="020F0502020204030204"/>
+                <a:ea typeface="+mn-ea"/>
+                <a:cs typeface="+mn-cs"/>
+              </a:rPr>
+              <a:t>Rdark</a:t>
+            </a:r>
+            <a:endParaRPr kumimoji="0" lang="fr-FR" sz="1200" b="0" i="0" u="none" strike="noStrike" kern="1200" cap="none" spc="0" normalizeH="0" baseline="0" noProof="0" dirty="0">
+              <a:ln>
+                <a:noFill/>
+              </a:ln>
+              <a:effectLst/>
+              <a:uLnTx/>
+              <a:uFillTx/>
+              <a:latin typeface="Calibri" panose="020F0502020204030204"/>
+              <a:ea typeface="+mn-ea"/>
+              <a:cs typeface="+mn-cs"/>
+            </a:endParaRPr>
+          </a:p>
+          <a:p>
+            <a:pPr marL="0" marR="0" lvl="0" indent="0" defTabSz="914400" eaLnBrk="1" fontAlgn="auto" latinLnBrk="0" hangingPunct="1">
+              <a:lnSpc>
+                <a:spcPct val="100000"/>
+              </a:lnSpc>
+              <a:spcBef>
+                <a:spcPts val="0"/>
+              </a:spcBef>
+              <a:spcAft>
+                <a:spcPts val="0"/>
+              </a:spcAft>
+              <a:buClrTx/>
+              <a:buSzTx/>
+              <a:buFontTx/>
+              <a:buNone/>
+              <a:tabLst/>
+              <a:defRPr/>
+            </a:pPr>
+            <a:r>
+              <a:rPr kumimoji="0" lang="fr-FR" sz="1200" b="0" i="0" u="none" strike="noStrike" kern="1200" cap="none" spc="0" normalizeH="0" baseline="0" noProof="0" dirty="0">
+                <a:ln>
+                  <a:noFill/>
+                </a:ln>
+                <a:effectLst/>
+                <a:uLnTx/>
+                <a:uFillTx/>
+                <a:latin typeface="Calibri" panose="020F0502020204030204"/>
+                <a:ea typeface="+mn-ea"/>
+                <a:cs typeface="+mn-cs"/>
+              </a:rPr>
+              <a:t>- </a:t>
+            </a:r>
+            <a:r>
+              <a:rPr kumimoji="0" lang="fr-FR" sz="1200" b="0" i="0" u="none" strike="noStrike" kern="1200" cap="none" spc="0" normalizeH="0" baseline="0" noProof="0" dirty="0" err="1">
+                <a:ln>
+                  <a:noFill/>
+                </a:ln>
+                <a:effectLst/>
+                <a:uLnTx/>
+                <a:uFillTx/>
+                <a:latin typeface="Calibri" panose="020F0502020204030204"/>
+                <a:ea typeface="+mn-ea"/>
+                <a:cs typeface="+mn-cs"/>
+              </a:rPr>
+              <a:t>Tleaf_Rdark</a:t>
+            </a:r>
+            <a:endParaRPr kumimoji="0" lang="fr-FR" sz="1200" b="0" i="0" u="none" strike="noStrike" kern="1200" cap="none" spc="0" normalizeH="0" baseline="0" noProof="0" dirty="0">
+              <a:ln>
+                <a:noFill/>
+              </a:ln>
+              <a:effectLst/>
+              <a:uLnTx/>
+              <a:uFillTx/>
+              <a:latin typeface="Calibri" panose="020F0502020204030204"/>
+              <a:ea typeface="+mn-ea"/>
+              <a:cs typeface="+mn-cs"/>
+            </a:endParaRPr>
+          </a:p>
+        </p:txBody>
+      </p:sp>
+      <p:sp>
+        <p:nvSpPr>
+          <p:cNvPr id="120" name="Rectangle 119">
+            <a:extLst>
+              <a:ext uri="{FF2B5EF4-FFF2-40B4-BE49-F238E27FC236}">
+                <a16:creationId xmlns:a16="http://schemas.microsoft.com/office/drawing/2014/main" id="{E06EE0E9-43B5-42D7-B9AF-5DABCDCC210F}"/>
+              </a:ext>
+            </a:extLst>
+          </p:cNvPr>
+          <p:cNvSpPr/>
+          <p:nvPr/>
+        </p:nvSpPr>
+        <p:spPr>
+          <a:xfrm>
+            <a:off x="8067328" y="4012532"/>
+            <a:ext cx="1584000" cy="532772"/>
+          </a:xfrm>
+          <a:prstGeom prst="rect">
+            <a:avLst/>
+          </a:prstGeom>
+          <a:noFill/>
+          <a:ln w="12700" cap="flat" cmpd="sng" algn="ctr">
+            <a:solidFill>
+              <a:schemeClr val="tx1"/>
+            </a:solidFill>
+            <a:prstDash val="solid"/>
+            <a:miter lim="800000"/>
+          </a:ln>
+          <a:effectLst/>
+        </p:spPr>
+        <p:txBody>
+          <a:bodyPr rtlCol="0" anchor="ctr"/>
+          <a:lstStyle/>
+          <a:p>
+            <a:pPr marL="0" marR="0" lvl="0" indent="0" defTabSz="914400" eaLnBrk="1" fontAlgn="auto" latinLnBrk="0" hangingPunct="1">
+              <a:lnSpc>
+                <a:spcPct val="100000"/>
+              </a:lnSpc>
+              <a:spcBef>
+                <a:spcPts val="0"/>
+              </a:spcBef>
+              <a:spcAft>
+                <a:spcPts val="0"/>
+              </a:spcAft>
+              <a:buClrTx/>
+              <a:buSzTx/>
+              <a:buFontTx/>
+              <a:buNone/>
+              <a:tabLst/>
+              <a:defRPr/>
+            </a:pPr>
+            <a:r>
+              <a:rPr kumimoji="0" lang="fr-FR" sz="1200" b="0" i="0" u="none" strike="noStrike" kern="1200" cap="none" spc="0" normalizeH="0" baseline="0" noProof="0" dirty="0">
+                <a:ln>
+                  <a:noFill/>
+                </a:ln>
+                <a:effectLst/>
+                <a:uLnTx/>
+                <a:uFillTx/>
+                <a:latin typeface="Calibri" panose="020F0502020204030204"/>
+                <a:ea typeface="+mn-ea"/>
+                <a:cs typeface="+mn-cs"/>
+              </a:rPr>
+              <a:t>Original </a:t>
+            </a:r>
+            <a:r>
+              <a:rPr kumimoji="0" lang="fr-FR" sz="1200" b="0" i="0" u="none" strike="noStrike" kern="1200" cap="none" spc="0" normalizeH="0" baseline="0" noProof="0" dirty="0" err="1">
+                <a:ln>
+                  <a:noFill/>
+                </a:ln>
+                <a:effectLst/>
+                <a:uLnTx/>
+                <a:uFillTx/>
+                <a:latin typeface="Calibri" panose="020F0502020204030204"/>
+                <a:ea typeface="+mn-ea"/>
+                <a:cs typeface="+mn-cs"/>
+              </a:rPr>
+              <a:t>Rdark</a:t>
+            </a:r>
+            <a:r>
+              <a:rPr kumimoji="0" lang="fr-FR" sz="1200" b="0" i="0" u="none" strike="noStrike" kern="1200" cap="none" spc="0" normalizeH="0" baseline="0" noProof="0" dirty="0">
+                <a:ln>
+                  <a:noFill/>
+                </a:ln>
+                <a:effectLst/>
+                <a:uLnTx/>
+                <a:uFillTx/>
+                <a:latin typeface="Calibri" panose="020F0502020204030204"/>
+                <a:ea typeface="+mn-ea"/>
+                <a:cs typeface="+mn-cs"/>
+              </a:rPr>
+              <a:t> data </a:t>
+            </a:r>
+          </a:p>
+          <a:p>
+            <a:pPr marL="0" marR="0" lvl="0" indent="0" defTabSz="914400" eaLnBrk="1" fontAlgn="auto" latinLnBrk="0" hangingPunct="1">
+              <a:lnSpc>
+                <a:spcPct val="100000"/>
+              </a:lnSpc>
+              <a:spcBef>
+                <a:spcPts val="0"/>
+              </a:spcBef>
+              <a:spcAft>
+                <a:spcPts val="0"/>
+              </a:spcAft>
+              <a:buClrTx/>
+              <a:buSzTx/>
+              <a:buFontTx/>
+              <a:buNone/>
+              <a:tabLst/>
+              <a:defRPr/>
+            </a:pPr>
+            <a:r>
+              <a:rPr kumimoji="0" lang="fr-FR" sz="1200" b="0" i="0" u="none" strike="noStrike" kern="1200" cap="none" spc="0" normalizeH="0" baseline="0" noProof="0" dirty="0">
+                <a:ln>
+                  <a:noFill/>
+                </a:ln>
+                <a:effectLst/>
+                <a:uLnTx/>
+                <a:uFillTx/>
+                <a:latin typeface="Calibri" panose="020F0502020204030204"/>
+                <a:ea typeface="+mn-ea"/>
+                <a:cs typeface="+mn-cs"/>
+              </a:rPr>
+              <a:t>(free format)</a:t>
+            </a:r>
+            <a:endParaRPr kumimoji="0" lang="en-US" sz="1200" b="0" i="0" u="none" strike="noStrike" kern="1200" cap="none" spc="0" normalizeH="0" baseline="0" noProof="0" dirty="0">
+              <a:ln>
+                <a:noFill/>
+              </a:ln>
+              <a:effectLst/>
+              <a:uLnTx/>
+              <a:uFillTx/>
+              <a:latin typeface="Calibri" panose="020F0502020204030204"/>
+              <a:ea typeface="+mn-ea"/>
+              <a:cs typeface="+mn-cs"/>
+            </a:endParaRPr>
+          </a:p>
+        </p:txBody>
+      </p:sp>
+      <p:sp>
+        <p:nvSpPr>
+          <p:cNvPr id="121" name="Ellipse 120">
+            <a:extLst>
+              <a:ext uri="{FF2B5EF4-FFF2-40B4-BE49-F238E27FC236}">
+                <a16:creationId xmlns:a16="http://schemas.microsoft.com/office/drawing/2014/main" id="{4D9904AA-7063-4024-B1FA-8C5D084FFF95}"/>
+              </a:ext>
+            </a:extLst>
+          </p:cNvPr>
+          <p:cNvSpPr/>
+          <p:nvPr/>
+        </p:nvSpPr>
+        <p:spPr>
+          <a:xfrm>
+            <a:off x="7859203" y="4761949"/>
+            <a:ext cx="2000250" cy="596107"/>
+          </a:xfrm>
+          <a:prstGeom prst="ellipse">
+            <a:avLst/>
+          </a:prstGeom>
+          <a:noFill/>
+          <a:ln w="12700" cap="flat" cmpd="sng" algn="ctr">
+            <a:solidFill>
+              <a:schemeClr val="tx1"/>
+            </a:solidFill>
+            <a:prstDash val="solid"/>
+            <a:miter lim="800000"/>
+          </a:ln>
+          <a:effectLst/>
+        </p:spPr>
+        <p:txBody>
+          <a:bodyPr rtlCol="0" anchor="ctr"/>
+          <a:lstStyle/>
+          <a:p>
+            <a:pPr marL="0" marR="0" lvl="0" indent="0" algn="ctr" defTabSz="914400" eaLnBrk="1" fontAlgn="auto" latinLnBrk="0" hangingPunct="1">
+              <a:lnSpc>
+                <a:spcPct val="100000"/>
+              </a:lnSpc>
+              <a:spcBef>
+                <a:spcPts val="0"/>
+              </a:spcBef>
+              <a:spcAft>
+                <a:spcPts val="0"/>
+              </a:spcAft>
+              <a:buClrTx/>
+              <a:buSzTx/>
+              <a:buFontTx/>
+              <a:buNone/>
+              <a:tabLst/>
+              <a:defRPr/>
+            </a:pPr>
+            <a:r>
+              <a:rPr kumimoji="0" lang="fr-FR" sz="1200" b="0" i="0" u="none" strike="noStrike" kern="1200" cap="none" spc="0" normalizeH="0" baseline="0" noProof="0" dirty="0" err="1">
+                <a:ln>
+                  <a:noFill/>
+                </a:ln>
+                <a:effectLst/>
+                <a:uLnTx/>
+                <a:uFillTx/>
+                <a:latin typeface="Calibri" panose="020F0502020204030204"/>
+                <a:ea typeface="+mn-ea"/>
+                <a:cs typeface="+mn-cs"/>
+              </a:rPr>
+              <a:t>Import_transform_Rdark.R</a:t>
+            </a:r>
+            <a:endParaRPr kumimoji="0" lang="en-US" sz="1200" b="0" i="0" u="none" strike="noStrike" kern="1200" cap="none" spc="0" normalizeH="0" baseline="0" noProof="0" dirty="0">
+              <a:ln>
+                <a:noFill/>
+              </a:ln>
+              <a:effectLst/>
+              <a:uLnTx/>
+              <a:uFillTx/>
+              <a:latin typeface="Calibri" panose="020F0502020204030204"/>
+              <a:ea typeface="+mn-ea"/>
+              <a:cs typeface="+mn-cs"/>
+            </a:endParaRPr>
+          </a:p>
+        </p:txBody>
+      </p:sp>
+      <p:cxnSp>
+        <p:nvCxnSpPr>
+          <p:cNvPr id="122" name="Connecteur droit avec flèche 121">
+            <a:extLst>
+              <a:ext uri="{FF2B5EF4-FFF2-40B4-BE49-F238E27FC236}">
+                <a16:creationId xmlns:a16="http://schemas.microsoft.com/office/drawing/2014/main" id="{9C26CAF7-9847-4FEC-A429-31486F6D13F6}"/>
+              </a:ext>
+            </a:extLst>
+          </p:cNvPr>
+          <p:cNvCxnSpPr>
+            <a:cxnSpLocks/>
+            <a:stCxn id="120" idx="2"/>
+            <a:endCxn id="121" idx="0"/>
+          </p:cNvCxnSpPr>
+          <p:nvPr/>
+        </p:nvCxnSpPr>
+        <p:spPr>
+          <a:xfrm>
+            <a:off x="8859328" y="4545304"/>
+            <a:ext cx="0" cy="216645"/>
+          </a:xfrm>
+          <a:prstGeom prst="straightConnector1">
+            <a:avLst/>
+          </a:prstGeom>
+          <a:noFill/>
+          <a:ln w="6350" cap="flat" cmpd="sng" algn="ctr">
+            <a:solidFill>
+              <a:schemeClr val="tx1"/>
+            </a:solidFill>
+            <a:prstDash val="solid"/>
+            <a:miter lim="800000"/>
+            <a:tailEnd type="triangle"/>
+          </a:ln>
+          <a:effectLst/>
+        </p:spPr>
+      </p:cxnSp>
+      <p:cxnSp>
+        <p:nvCxnSpPr>
+          <p:cNvPr id="123" name="Connecteur droit avec flèche 122">
+            <a:extLst>
+              <a:ext uri="{FF2B5EF4-FFF2-40B4-BE49-F238E27FC236}">
+                <a16:creationId xmlns:a16="http://schemas.microsoft.com/office/drawing/2014/main" id="{20E4E07A-8313-47C7-9487-ED4F258B9D26}"/>
+              </a:ext>
+            </a:extLst>
+          </p:cNvPr>
+          <p:cNvCxnSpPr>
+            <a:cxnSpLocks/>
+            <a:stCxn id="121" idx="4"/>
+            <a:endCxn id="118" idx="0"/>
+          </p:cNvCxnSpPr>
+          <p:nvPr/>
+        </p:nvCxnSpPr>
+        <p:spPr>
+          <a:xfrm>
+            <a:off x="8859328" y="5358056"/>
+            <a:ext cx="4194" cy="214156"/>
+          </a:xfrm>
+          <a:prstGeom prst="straightConnector1">
+            <a:avLst/>
+          </a:prstGeom>
+          <a:noFill/>
+          <a:ln w="6350" cap="flat" cmpd="sng" algn="ctr">
+            <a:solidFill>
+              <a:schemeClr val="tx1"/>
+            </a:solidFill>
+            <a:prstDash val="solid"/>
+            <a:miter lim="800000"/>
+            <a:tailEnd type="triangle"/>
+          </a:ln>
+          <a:effectLst/>
+        </p:spPr>
+      </p:cxnSp>
+      <p:cxnSp>
+        <p:nvCxnSpPr>
+          <p:cNvPr id="135" name="Connecteur droit avec flèche 134">
+            <a:extLst>
+              <a:ext uri="{FF2B5EF4-FFF2-40B4-BE49-F238E27FC236}">
+                <a16:creationId xmlns:a16="http://schemas.microsoft.com/office/drawing/2014/main" id="{2BF5EBB2-4113-4425-B88F-44ED12235BAB}"/>
+              </a:ext>
+            </a:extLst>
+          </p:cNvPr>
+          <p:cNvCxnSpPr>
+            <a:cxnSpLocks/>
+            <a:stCxn id="99" idx="4"/>
+            <a:endCxn id="96" idx="0"/>
+          </p:cNvCxnSpPr>
+          <p:nvPr/>
+        </p:nvCxnSpPr>
+        <p:spPr>
+          <a:xfrm>
+            <a:off x="8395211" y="1993519"/>
+            <a:ext cx="0" cy="217952"/>
+          </a:xfrm>
+          <a:prstGeom prst="straightConnector1">
+            <a:avLst/>
+          </a:prstGeom>
+          <a:noFill/>
+          <a:ln w="6350" cap="flat" cmpd="sng" algn="ctr">
+            <a:solidFill>
+              <a:schemeClr val="tx1"/>
+            </a:solidFill>
+            <a:prstDash val="solid"/>
+            <a:miter lim="800000"/>
+            <a:tailEnd type="triangle"/>
+          </a:ln>
+          <a:effectLst/>
+        </p:spPr>
+      </p:cxnSp>
+      <p:cxnSp>
+        <p:nvCxnSpPr>
+          <p:cNvPr id="139" name="Connecteur droit avec flèche 138">
+            <a:extLst>
+              <a:ext uri="{FF2B5EF4-FFF2-40B4-BE49-F238E27FC236}">
+                <a16:creationId xmlns:a16="http://schemas.microsoft.com/office/drawing/2014/main" id="{2D31B5C1-D295-4489-A583-2FA01A719730}"/>
+              </a:ext>
+            </a:extLst>
+          </p:cNvPr>
+          <p:cNvCxnSpPr>
+            <a:cxnSpLocks/>
+            <a:stCxn id="75" idx="4"/>
+            <a:endCxn id="69" idx="0"/>
+          </p:cNvCxnSpPr>
+          <p:nvPr/>
+        </p:nvCxnSpPr>
+        <p:spPr>
+          <a:xfrm>
+            <a:off x="11035842" y="1989766"/>
+            <a:ext cx="0" cy="214046"/>
+          </a:xfrm>
+          <a:prstGeom prst="straightConnector1">
+            <a:avLst/>
+          </a:prstGeom>
+          <a:noFill/>
+          <a:ln w="6350" cap="flat" cmpd="sng" algn="ctr">
+            <a:solidFill>
+              <a:schemeClr val="tx1"/>
+            </a:solidFill>
+            <a:prstDash val="solid"/>
+            <a:miter lim="800000"/>
+            <a:tailEnd type="triangle"/>
+          </a:ln>
+          <a:effectLst/>
+        </p:spPr>
+      </p:cxnSp>
+      <p:sp>
+        <p:nvSpPr>
+          <p:cNvPr id="155" name="Rectangle 154">
+            <a:extLst>
+              <a:ext uri="{FF2B5EF4-FFF2-40B4-BE49-F238E27FC236}">
+                <a16:creationId xmlns:a16="http://schemas.microsoft.com/office/drawing/2014/main" id="{55DD3A26-57A4-4925-9EC5-F696F40471AA}"/>
+              </a:ext>
+            </a:extLst>
+          </p:cNvPr>
+          <p:cNvSpPr/>
+          <p:nvPr/>
+        </p:nvSpPr>
+        <p:spPr>
+          <a:xfrm>
+            <a:off x="309118" y="3965449"/>
+            <a:ext cx="1584000" cy="529863"/>
+          </a:xfrm>
+          <a:prstGeom prst="rect">
+            <a:avLst/>
+          </a:prstGeom>
+          <a:noFill/>
+          <a:ln w="12700" cap="flat" cmpd="sng" algn="ctr">
+            <a:solidFill>
+              <a:schemeClr val="tx1"/>
+            </a:solidFill>
+            <a:prstDash val="solid"/>
+            <a:miter lim="800000"/>
+          </a:ln>
+          <a:effectLst/>
+        </p:spPr>
+        <p:txBody>
+          <a:bodyPr rtlCol="0" anchor="ctr"/>
+          <a:lstStyle/>
+          <a:p>
+            <a:pPr marL="0" marR="0" lvl="0" indent="0" defTabSz="914400" eaLnBrk="1" fontAlgn="auto" latinLnBrk="0" hangingPunct="1">
+              <a:lnSpc>
+                <a:spcPct val="100000"/>
+              </a:lnSpc>
+              <a:spcBef>
+                <a:spcPts val="0"/>
+              </a:spcBef>
+              <a:spcAft>
+                <a:spcPts val="0"/>
+              </a:spcAft>
+              <a:buClrTx/>
+              <a:buSzTx/>
+              <a:buFontTx/>
+              <a:buNone/>
+              <a:tabLst/>
+              <a:defRPr/>
+            </a:pPr>
+            <a:r>
+              <a:rPr kumimoji="0" lang="fr-FR" sz="1200" b="0" i="0" u="none" strike="noStrike" kern="1200" cap="none" spc="0" normalizeH="0" baseline="0" noProof="0" dirty="0">
+                <a:ln>
+                  <a:noFill/>
+                </a:ln>
+                <a:effectLst/>
+                <a:uLnTx/>
+                <a:uFillTx/>
+                <a:latin typeface="Calibri" panose="020F0502020204030204"/>
+                <a:ea typeface="+mn-ea"/>
+                <a:cs typeface="+mn-cs"/>
+              </a:rPr>
+              <a:t>Site (Site.csv)</a:t>
+            </a:r>
+            <a:endParaRPr kumimoji="0" lang="en-US" sz="1200" b="0" i="0" u="none" strike="noStrike" kern="1200" cap="none" spc="0" normalizeH="0" baseline="0" noProof="0" dirty="0">
+              <a:ln>
+                <a:noFill/>
+              </a:ln>
+              <a:effectLst/>
+              <a:uLnTx/>
+              <a:uFillTx/>
+              <a:latin typeface="Calibri" panose="020F0502020204030204"/>
+              <a:ea typeface="+mn-ea"/>
+              <a:cs typeface="+mn-cs"/>
+            </a:endParaRPr>
+          </a:p>
+        </p:txBody>
+      </p:sp>
+      <p:sp>
+        <p:nvSpPr>
+          <p:cNvPr id="156" name="Rectangle 155">
+            <a:extLst>
+              <a:ext uri="{FF2B5EF4-FFF2-40B4-BE49-F238E27FC236}">
+                <a16:creationId xmlns:a16="http://schemas.microsoft.com/office/drawing/2014/main" id="{10113026-F4EE-46D1-92DC-837D8949B605}"/>
+              </a:ext>
+            </a:extLst>
+          </p:cNvPr>
+          <p:cNvSpPr/>
+          <p:nvPr/>
+        </p:nvSpPr>
+        <p:spPr>
+          <a:xfrm>
+            <a:off x="306675" y="1857817"/>
+            <a:ext cx="1584000" cy="531048"/>
+          </a:xfrm>
+          <a:prstGeom prst="rect">
+            <a:avLst/>
+          </a:prstGeom>
+          <a:noFill/>
+          <a:ln w="12700" cap="flat" cmpd="sng" algn="ctr">
+            <a:solidFill>
+              <a:schemeClr val="tx1"/>
+            </a:solidFill>
+            <a:prstDash val="solid"/>
+            <a:miter lim="800000"/>
+          </a:ln>
+          <a:effectLst/>
+        </p:spPr>
+        <p:txBody>
+          <a:bodyPr rtlCol="0" anchor="ctr"/>
+          <a:lstStyle/>
+          <a:p>
+            <a:pPr marL="0" marR="0" lvl="0" indent="0" defTabSz="914400" eaLnBrk="1" fontAlgn="auto" latinLnBrk="0" hangingPunct="1">
+              <a:lnSpc>
+                <a:spcPct val="100000"/>
+              </a:lnSpc>
+              <a:spcBef>
+                <a:spcPts val="0"/>
+              </a:spcBef>
+              <a:spcAft>
+                <a:spcPts val="0"/>
+              </a:spcAft>
+              <a:buClrTx/>
+              <a:buSzTx/>
+              <a:buFontTx/>
+              <a:buNone/>
+              <a:tabLst/>
+              <a:defRPr/>
+            </a:pPr>
+            <a:r>
+              <a:rPr kumimoji="0" lang="fr-FR" sz="1200" b="0" i="0" u="none" strike="noStrike" kern="1200" cap="none" spc="0" normalizeH="0" baseline="0" noProof="0" dirty="0" err="1">
+                <a:ln>
+                  <a:noFill/>
+                </a:ln>
+                <a:effectLst/>
+                <a:uLnTx/>
+                <a:uFillTx/>
+                <a:latin typeface="Calibri" panose="020F0502020204030204"/>
+                <a:ea typeface="+mn-ea"/>
+                <a:cs typeface="+mn-cs"/>
+              </a:rPr>
+              <a:t>Dataset</a:t>
+            </a:r>
+            <a:r>
+              <a:rPr kumimoji="0" lang="fr-FR" sz="1200" b="0" i="0" u="none" strike="noStrike" kern="1200" cap="none" spc="0" normalizeH="0" baseline="0" noProof="0" dirty="0">
+                <a:ln>
+                  <a:noFill/>
+                </a:ln>
+                <a:effectLst/>
+                <a:uLnTx/>
+                <a:uFillTx/>
+                <a:latin typeface="Calibri" panose="020F0502020204030204"/>
+                <a:ea typeface="+mn-ea"/>
+                <a:cs typeface="+mn-cs"/>
+              </a:rPr>
+              <a:t> </a:t>
+            </a:r>
+            <a:r>
+              <a:rPr kumimoji="0" lang="fr-FR" sz="1200" b="0" i="0" u="none" strike="noStrike" kern="1200" cap="none" spc="0" normalizeH="0" baseline="0" noProof="0" dirty="0" err="1">
+                <a:ln>
+                  <a:noFill/>
+                </a:ln>
+                <a:effectLst/>
+                <a:uLnTx/>
+                <a:uFillTx/>
+                <a:latin typeface="Calibri" panose="020F0502020204030204"/>
+                <a:ea typeface="+mn-ea"/>
+                <a:cs typeface="+mn-cs"/>
+              </a:rPr>
+              <a:t>metadata</a:t>
+            </a:r>
+            <a:r>
+              <a:rPr kumimoji="0" lang="fr-FR" sz="1200" b="0" i="0" u="none" strike="noStrike" kern="1200" cap="none" spc="0" normalizeH="0" baseline="0" noProof="0" dirty="0">
+                <a:ln>
+                  <a:noFill/>
+                </a:ln>
+                <a:effectLst/>
+                <a:uLnTx/>
+                <a:uFillTx/>
+                <a:latin typeface="Calibri" panose="020F0502020204030204"/>
+                <a:ea typeface="+mn-ea"/>
+                <a:cs typeface="+mn-cs"/>
+              </a:rPr>
+              <a:t> (Description.csv)</a:t>
+            </a:r>
+            <a:endParaRPr kumimoji="0" lang="en-US" sz="1200" b="0" i="0" u="none" strike="noStrike" kern="1200" cap="none" spc="0" normalizeH="0" baseline="0" noProof="0" dirty="0">
+              <a:ln>
+                <a:noFill/>
+              </a:ln>
+              <a:effectLst/>
+              <a:uLnTx/>
+              <a:uFillTx/>
+              <a:latin typeface="Calibri" panose="020F0502020204030204"/>
+              <a:ea typeface="+mn-ea"/>
+              <a:cs typeface="+mn-cs"/>
+            </a:endParaRPr>
+          </a:p>
+        </p:txBody>
+      </p:sp>
+      <p:sp>
+        <p:nvSpPr>
+          <p:cNvPr id="157" name="Rectangle 156">
+            <a:extLst>
+              <a:ext uri="{FF2B5EF4-FFF2-40B4-BE49-F238E27FC236}">
+                <a16:creationId xmlns:a16="http://schemas.microsoft.com/office/drawing/2014/main" id="{D7A1E5AB-D92E-4ECB-9292-2389A7F2A675}"/>
+              </a:ext>
+            </a:extLst>
+          </p:cNvPr>
+          <p:cNvSpPr/>
+          <p:nvPr/>
+        </p:nvSpPr>
+        <p:spPr>
+          <a:xfrm>
+            <a:off x="309116" y="4492637"/>
+            <a:ext cx="1584000" cy="1041725"/>
+          </a:xfrm>
+          <a:prstGeom prst="rect">
+            <a:avLst/>
+          </a:prstGeom>
+          <a:noFill/>
+          <a:ln w="12700" cap="flat" cmpd="sng" algn="ctr">
+            <a:solidFill>
+              <a:schemeClr val="tx1"/>
+            </a:solidFill>
+            <a:prstDash val="solid"/>
+            <a:miter lim="800000"/>
+          </a:ln>
+          <a:effectLst/>
+        </p:spPr>
+        <p:txBody>
+          <a:bodyPr rtlCol="0" anchor="ctr"/>
+          <a:lstStyle/>
+          <a:p>
+            <a:pPr marL="0" marR="0" lvl="0" indent="0" defTabSz="914400" eaLnBrk="1" fontAlgn="auto" latinLnBrk="0" hangingPunct="1">
+              <a:lnSpc>
+                <a:spcPct val="100000"/>
+              </a:lnSpc>
+              <a:spcBef>
+                <a:spcPts val="0"/>
+              </a:spcBef>
+              <a:spcAft>
+                <a:spcPts val="0"/>
+              </a:spcAft>
+              <a:buClrTx/>
+              <a:buSzTx/>
+              <a:buFontTx/>
+              <a:buNone/>
+              <a:tabLst/>
+              <a:defRPr/>
+            </a:pPr>
+            <a:r>
+              <a:rPr kumimoji="0" lang="fr-FR" sz="1200" b="0" i="0" u="none" strike="noStrike" kern="1200" cap="none" spc="0" normalizeH="0" baseline="0" noProof="0" dirty="0">
+                <a:ln>
+                  <a:noFill/>
+                </a:ln>
+                <a:effectLst/>
+                <a:uLnTx/>
+                <a:uFillTx/>
+                <a:latin typeface="Calibri" panose="020F0502020204030204"/>
+                <a:ea typeface="+mn-ea"/>
+                <a:cs typeface="+mn-cs"/>
+              </a:rPr>
+              <a:t>- </a:t>
+            </a:r>
+            <a:r>
+              <a:rPr kumimoji="0" lang="fr-FR" sz="1200" b="0" i="0" u="none" strike="noStrike" kern="1200" cap="none" spc="0" normalizeH="0" baseline="0" noProof="0" dirty="0" err="1">
+                <a:ln>
+                  <a:noFill/>
+                </a:ln>
+                <a:effectLst/>
+                <a:uLnTx/>
+                <a:uFillTx/>
+                <a:latin typeface="Calibri" panose="020F0502020204030204"/>
+                <a:ea typeface="+mn-ea"/>
+                <a:cs typeface="+mn-cs"/>
+              </a:rPr>
+              <a:t>Site_name</a:t>
+            </a:r>
+            <a:endParaRPr kumimoji="0" lang="fr-FR" sz="1200" b="0" i="0" u="none" strike="noStrike" kern="1200" cap="none" spc="0" normalizeH="0" baseline="0" noProof="0" dirty="0">
+              <a:ln>
+                <a:noFill/>
+              </a:ln>
+              <a:effectLst/>
+              <a:uLnTx/>
+              <a:uFillTx/>
+              <a:latin typeface="Calibri" panose="020F0502020204030204"/>
+              <a:ea typeface="+mn-ea"/>
+              <a:cs typeface="+mn-cs"/>
+            </a:endParaRPr>
+          </a:p>
+          <a:p>
+            <a:pPr marL="0" marR="0" lvl="0" indent="0" defTabSz="914400" eaLnBrk="1" fontAlgn="auto" latinLnBrk="0" hangingPunct="1">
+              <a:lnSpc>
+                <a:spcPct val="100000"/>
+              </a:lnSpc>
+              <a:spcBef>
+                <a:spcPts val="0"/>
+              </a:spcBef>
+              <a:spcAft>
+                <a:spcPts val="0"/>
+              </a:spcAft>
+              <a:buClrTx/>
+              <a:buSzTx/>
+              <a:buFontTx/>
+              <a:buNone/>
+              <a:tabLst/>
+              <a:defRPr/>
+            </a:pPr>
+            <a:r>
+              <a:rPr kumimoji="0" lang="fr-FR" sz="1200" b="0" i="0" u="none" strike="noStrike" kern="1200" cap="none" spc="0" normalizeH="0" baseline="0" noProof="0" dirty="0">
+                <a:ln>
+                  <a:noFill/>
+                </a:ln>
+                <a:effectLst/>
+                <a:uLnTx/>
+                <a:uFillTx/>
+                <a:latin typeface="Calibri" panose="020F0502020204030204"/>
+                <a:ea typeface="+mn-ea"/>
+                <a:cs typeface="+mn-cs"/>
+              </a:rPr>
+              <a:t>- Longitude</a:t>
+            </a:r>
+          </a:p>
+          <a:p>
+            <a:pPr marL="0" marR="0" lvl="0" indent="0" defTabSz="914400" eaLnBrk="1" fontAlgn="auto" latinLnBrk="0" hangingPunct="1">
+              <a:lnSpc>
+                <a:spcPct val="100000"/>
+              </a:lnSpc>
+              <a:spcBef>
+                <a:spcPts val="0"/>
+              </a:spcBef>
+              <a:spcAft>
+                <a:spcPts val="0"/>
+              </a:spcAft>
+              <a:buClrTx/>
+              <a:buSzTx/>
+              <a:buFontTx/>
+              <a:buNone/>
+              <a:tabLst/>
+              <a:defRPr/>
+            </a:pPr>
+            <a:r>
+              <a:rPr kumimoji="0" lang="fr-FR" sz="1200" b="0" i="0" u="none" strike="noStrike" kern="1200" cap="none" spc="0" normalizeH="0" baseline="0" noProof="0" dirty="0">
+                <a:ln>
+                  <a:noFill/>
+                </a:ln>
+                <a:effectLst/>
+                <a:uLnTx/>
+                <a:uFillTx/>
+                <a:latin typeface="Calibri" panose="020F0502020204030204"/>
+                <a:ea typeface="+mn-ea"/>
+                <a:cs typeface="+mn-cs"/>
+              </a:rPr>
+              <a:t>- Latitude</a:t>
+            </a:r>
+          </a:p>
+          <a:p>
+            <a:pPr marL="0" marR="0" lvl="0" indent="0" defTabSz="914400" eaLnBrk="1" fontAlgn="auto" latinLnBrk="0" hangingPunct="1">
+              <a:lnSpc>
+                <a:spcPct val="100000"/>
+              </a:lnSpc>
+              <a:spcBef>
+                <a:spcPts val="0"/>
+              </a:spcBef>
+              <a:spcAft>
+                <a:spcPts val="0"/>
+              </a:spcAft>
+              <a:buClrTx/>
+              <a:buSzTx/>
+              <a:buFontTx/>
+              <a:buNone/>
+              <a:tabLst/>
+              <a:defRPr/>
+            </a:pPr>
+            <a:r>
+              <a:rPr kumimoji="0" lang="fr-FR" sz="1200" b="0" i="0" u="none" strike="noStrike" kern="1200" cap="none" spc="0" normalizeH="0" baseline="0" noProof="0" dirty="0">
+                <a:ln>
+                  <a:noFill/>
+                </a:ln>
+                <a:effectLst/>
+                <a:uLnTx/>
+                <a:uFillTx/>
+                <a:latin typeface="Calibri" panose="020F0502020204030204"/>
+                <a:ea typeface="+mn-ea"/>
+                <a:cs typeface="+mn-cs"/>
+              </a:rPr>
+              <a:t>- </a:t>
+            </a:r>
+            <a:r>
+              <a:rPr kumimoji="0" lang="fr-FR" sz="1200" b="0" i="0" u="none" strike="noStrike" kern="1200" cap="none" spc="0" normalizeH="0" baseline="0" noProof="0" dirty="0" err="1">
+                <a:ln>
+                  <a:noFill/>
+                </a:ln>
+                <a:effectLst/>
+                <a:uLnTx/>
+                <a:uFillTx/>
+                <a:latin typeface="Calibri" panose="020F0502020204030204"/>
+                <a:ea typeface="+mn-ea"/>
+                <a:cs typeface="+mn-cs"/>
+              </a:rPr>
+              <a:t>Elevation</a:t>
+            </a:r>
+            <a:endParaRPr kumimoji="0" lang="fr-FR" sz="1200" b="0" i="0" u="none" strike="noStrike" kern="1200" cap="none" spc="0" normalizeH="0" baseline="0" noProof="0" dirty="0">
+              <a:ln>
+                <a:noFill/>
+              </a:ln>
+              <a:effectLst/>
+              <a:uLnTx/>
+              <a:uFillTx/>
+              <a:latin typeface="Calibri" panose="020F0502020204030204"/>
+              <a:ea typeface="+mn-ea"/>
+              <a:cs typeface="+mn-cs"/>
+            </a:endParaRPr>
+          </a:p>
+          <a:p>
+            <a:pPr marL="0" marR="0" lvl="0" indent="0" defTabSz="914400" eaLnBrk="1" fontAlgn="auto" latinLnBrk="0" hangingPunct="1">
+              <a:lnSpc>
+                <a:spcPct val="100000"/>
+              </a:lnSpc>
+              <a:spcBef>
+                <a:spcPts val="0"/>
+              </a:spcBef>
+              <a:spcAft>
+                <a:spcPts val="0"/>
+              </a:spcAft>
+              <a:buClrTx/>
+              <a:buSzTx/>
+              <a:buFontTx/>
+              <a:buNone/>
+              <a:tabLst/>
+              <a:defRPr/>
+            </a:pPr>
+            <a:r>
+              <a:rPr kumimoji="0" lang="fr-FR" sz="1200" b="0" i="0" u="none" strike="noStrike" kern="1200" cap="none" spc="0" normalizeH="0" baseline="0" noProof="0" dirty="0">
+                <a:ln>
+                  <a:noFill/>
+                </a:ln>
+                <a:effectLst/>
+                <a:uLnTx/>
+                <a:uFillTx/>
+                <a:latin typeface="Calibri" panose="020F0502020204030204"/>
+                <a:ea typeface="+mn-ea"/>
+                <a:cs typeface="+mn-cs"/>
+              </a:rPr>
+              <a:t>- </a:t>
+            </a:r>
+            <a:r>
+              <a:rPr kumimoji="0" lang="fr-FR" sz="1200" b="0" i="0" u="none" strike="noStrike" kern="1200" cap="none" spc="0" normalizeH="0" baseline="0" noProof="0" dirty="0" err="1">
+                <a:ln>
+                  <a:noFill/>
+                </a:ln>
+                <a:effectLst/>
+                <a:uLnTx/>
+                <a:uFillTx/>
+                <a:latin typeface="Calibri" panose="020F0502020204030204"/>
+                <a:ea typeface="+mn-ea"/>
+                <a:cs typeface="+mn-cs"/>
+              </a:rPr>
+              <a:t>Biome_number</a:t>
+            </a:r>
+            <a:endParaRPr kumimoji="0" lang="fr-FR" sz="1200" b="0" i="0" u="none" strike="noStrike" kern="1200" cap="none" spc="0" normalizeH="0" baseline="0" noProof="0" dirty="0">
+              <a:ln>
+                <a:noFill/>
+              </a:ln>
+              <a:effectLst/>
+              <a:uLnTx/>
+              <a:uFillTx/>
+              <a:latin typeface="Calibri" panose="020F0502020204030204"/>
+              <a:ea typeface="+mn-ea"/>
+              <a:cs typeface="+mn-cs"/>
+            </a:endParaRPr>
+          </a:p>
+        </p:txBody>
+      </p:sp>
+      <p:sp>
+        <p:nvSpPr>
+          <p:cNvPr id="158" name="Rectangle 157">
+            <a:extLst>
+              <a:ext uri="{FF2B5EF4-FFF2-40B4-BE49-F238E27FC236}">
+                <a16:creationId xmlns:a16="http://schemas.microsoft.com/office/drawing/2014/main" id="{DCC388CC-A7D7-4411-9C25-681061445F15}"/>
+              </a:ext>
+            </a:extLst>
+          </p:cNvPr>
+          <p:cNvSpPr/>
+          <p:nvPr/>
+        </p:nvSpPr>
+        <p:spPr>
+          <a:xfrm>
+            <a:off x="306674" y="2394523"/>
+            <a:ext cx="1584000" cy="967155"/>
+          </a:xfrm>
+          <a:prstGeom prst="rect">
+            <a:avLst/>
+          </a:prstGeom>
+          <a:noFill/>
+          <a:ln w="12700" cap="flat" cmpd="sng" algn="ctr">
+            <a:solidFill>
+              <a:schemeClr val="tx1"/>
+            </a:solidFill>
+            <a:prstDash val="solid"/>
+            <a:miter lim="800000"/>
+          </a:ln>
+          <a:effectLst/>
+        </p:spPr>
+        <p:txBody>
+          <a:bodyPr rtlCol="0" anchor="ctr"/>
+          <a:lstStyle/>
+          <a:p>
+            <a:pPr marL="0" marR="0" lvl="0" indent="0" defTabSz="914400" eaLnBrk="1" fontAlgn="auto" latinLnBrk="0" hangingPunct="1">
+              <a:lnSpc>
+                <a:spcPct val="100000"/>
+              </a:lnSpc>
+              <a:spcBef>
+                <a:spcPts val="0"/>
+              </a:spcBef>
+              <a:spcAft>
+                <a:spcPts val="0"/>
+              </a:spcAft>
+              <a:buClrTx/>
+              <a:buSzTx/>
+              <a:buFontTx/>
+              <a:buNone/>
+              <a:tabLst/>
+              <a:defRPr/>
+            </a:pPr>
+            <a:r>
+              <a:rPr kumimoji="0" lang="fr-FR" sz="1200" b="0" i="0" u="none" strike="noStrike" kern="1200" cap="none" spc="0" normalizeH="0" baseline="0" noProof="0" dirty="0">
+                <a:ln>
+                  <a:noFill/>
+                </a:ln>
+                <a:effectLst/>
+                <a:uLnTx/>
+                <a:uFillTx/>
+                <a:latin typeface="Calibri" panose="020F0502020204030204"/>
+                <a:ea typeface="+mn-ea"/>
+                <a:cs typeface="+mn-cs"/>
+              </a:rPr>
+              <a:t>- </a:t>
+            </a:r>
+            <a:r>
+              <a:rPr kumimoji="0" lang="fr-FR" sz="1200" b="0" i="0" u="none" strike="noStrike" kern="1200" cap="none" spc="0" normalizeH="0" baseline="0" noProof="0" dirty="0" err="1">
+                <a:ln>
+                  <a:noFill/>
+                </a:ln>
+                <a:effectLst/>
+                <a:uLnTx/>
+                <a:uFillTx/>
+                <a:latin typeface="Calibri" panose="020F0502020204030204"/>
+                <a:ea typeface="+mn-ea"/>
+                <a:cs typeface="+mn-cs"/>
+              </a:rPr>
+              <a:t>Dataset_name</a:t>
+            </a:r>
+            <a:endParaRPr kumimoji="0" lang="fr-FR" sz="1200" b="0" i="0" u="none" strike="noStrike" kern="1200" cap="none" spc="0" normalizeH="0" baseline="0" noProof="0" dirty="0">
+              <a:ln>
+                <a:noFill/>
+              </a:ln>
+              <a:effectLst/>
+              <a:uLnTx/>
+              <a:uFillTx/>
+              <a:latin typeface="Calibri" panose="020F0502020204030204"/>
+              <a:ea typeface="+mn-ea"/>
+              <a:cs typeface="+mn-cs"/>
+            </a:endParaRPr>
+          </a:p>
+          <a:p>
+            <a:pPr marL="0" marR="0" lvl="0" indent="0" defTabSz="914400" eaLnBrk="1" fontAlgn="auto" latinLnBrk="0" hangingPunct="1">
+              <a:lnSpc>
+                <a:spcPct val="100000"/>
+              </a:lnSpc>
+              <a:spcBef>
+                <a:spcPts val="0"/>
+              </a:spcBef>
+              <a:spcAft>
+                <a:spcPts val="0"/>
+              </a:spcAft>
+              <a:buClrTx/>
+              <a:buSzTx/>
+              <a:buFontTx/>
+              <a:buNone/>
+              <a:tabLst/>
+              <a:defRPr/>
+            </a:pPr>
+            <a:r>
+              <a:rPr kumimoji="0" lang="fr-FR" sz="1200" b="0" i="0" u="none" strike="noStrike" kern="1200" cap="none" spc="0" normalizeH="0" baseline="0" noProof="0" dirty="0">
+                <a:ln>
+                  <a:noFill/>
+                </a:ln>
+                <a:effectLst/>
+                <a:uLnTx/>
+                <a:uFillTx/>
+                <a:latin typeface="Calibri" panose="020F0502020204030204"/>
+                <a:ea typeface="+mn-ea"/>
+                <a:cs typeface="+mn-cs"/>
+              </a:rPr>
+              <a:t>- </a:t>
+            </a:r>
+            <a:r>
+              <a:rPr kumimoji="0" lang="fr-FR" sz="1200" b="0" i="0" u="none" strike="noStrike" kern="1200" cap="none" spc="0" normalizeH="0" baseline="0" noProof="0" dirty="0" err="1">
+                <a:ln>
+                  <a:noFill/>
+                </a:ln>
+                <a:effectLst/>
+                <a:uLnTx/>
+                <a:uFillTx/>
+                <a:latin typeface="Calibri" panose="020F0502020204030204"/>
+                <a:ea typeface="+mn-ea"/>
+                <a:cs typeface="+mn-cs"/>
+              </a:rPr>
+              <a:t>Dataset_DOI</a:t>
+            </a:r>
+            <a:endParaRPr kumimoji="0" lang="en-US" sz="1200" b="0" i="0" u="none" strike="noStrike" kern="1200" cap="none" spc="0" normalizeH="0" baseline="0" noProof="0" dirty="0">
+              <a:ln>
+                <a:noFill/>
+              </a:ln>
+              <a:effectLst/>
+              <a:uLnTx/>
+              <a:uFillTx/>
+              <a:latin typeface="Calibri" panose="020F0502020204030204"/>
+              <a:ea typeface="+mn-ea"/>
+              <a:cs typeface="+mn-cs"/>
+            </a:endParaRPr>
+          </a:p>
+          <a:p>
+            <a:pPr marL="0" marR="0" lvl="0" indent="0" defTabSz="914400" eaLnBrk="1" fontAlgn="auto" latinLnBrk="0" hangingPunct="1">
+              <a:lnSpc>
+                <a:spcPct val="100000"/>
+              </a:lnSpc>
+              <a:spcBef>
+                <a:spcPts val="0"/>
+              </a:spcBef>
+              <a:spcAft>
+                <a:spcPts val="0"/>
+              </a:spcAft>
+              <a:buClrTx/>
+              <a:buSzTx/>
+              <a:buFontTx/>
+              <a:buNone/>
+              <a:tabLst/>
+              <a:defRPr/>
+            </a:pPr>
+            <a:r>
+              <a:rPr kumimoji="0" lang="fr-FR" sz="1200" b="0" i="0" u="none" strike="noStrike" kern="1200" cap="none" spc="0" normalizeH="0" baseline="0" noProof="0" dirty="0">
+                <a:ln>
+                  <a:noFill/>
+                </a:ln>
+                <a:effectLst/>
+                <a:uLnTx/>
+                <a:uFillTx/>
+                <a:latin typeface="Calibri" panose="020F0502020204030204"/>
+                <a:ea typeface="+mn-ea"/>
+                <a:cs typeface="+mn-cs"/>
+              </a:rPr>
+              <a:t>- </a:t>
+            </a:r>
+            <a:r>
+              <a:rPr kumimoji="0" lang="fr-FR" sz="1200" b="0" i="0" u="none" strike="noStrike" kern="1200" cap="none" spc="0" normalizeH="0" baseline="0" noProof="0" dirty="0" err="1">
+                <a:ln>
+                  <a:noFill/>
+                </a:ln>
+                <a:effectLst/>
+                <a:uLnTx/>
+                <a:uFillTx/>
+                <a:latin typeface="Calibri" panose="020F0502020204030204"/>
+                <a:ea typeface="+mn-ea"/>
+                <a:cs typeface="+mn-cs"/>
+              </a:rPr>
+              <a:t>Publicatio</a:t>
+            </a:r>
+            <a:r>
+              <a:rPr lang="fr-FR" sz="1200" dirty="0" err="1">
+                <a:latin typeface="Calibri" panose="020F0502020204030204"/>
+              </a:rPr>
+              <a:t>n_DOI</a:t>
+            </a:r>
+            <a:r>
+              <a:rPr kumimoji="0" lang="fr-FR" sz="1200" b="0" i="0" u="none" strike="noStrike" kern="1200" cap="none" spc="0" normalizeH="0" baseline="0" noProof="0" dirty="0">
+                <a:ln>
+                  <a:noFill/>
+                </a:ln>
+                <a:effectLst/>
+                <a:uLnTx/>
+                <a:uFillTx/>
+                <a:latin typeface="Calibri" panose="020F0502020204030204"/>
+                <a:ea typeface="+mn-ea"/>
+                <a:cs typeface="+mn-cs"/>
+              </a:rPr>
+              <a:t> </a:t>
+            </a:r>
+          </a:p>
+          <a:p>
+            <a:pPr marL="0" marR="0" lvl="0" indent="0" defTabSz="914400" eaLnBrk="1" fontAlgn="auto" latinLnBrk="0" hangingPunct="1">
+              <a:lnSpc>
+                <a:spcPct val="100000"/>
+              </a:lnSpc>
+              <a:spcBef>
+                <a:spcPts val="0"/>
+              </a:spcBef>
+              <a:spcAft>
+                <a:spcPts val="0"/>
+              </a:spcAft>
+              <a:buClrTx/>
+              <a:buSzTx/>
+              <a:buFontTx/>
+              <a:buNone/>
+              <a:tabLst/>
+              <a:defRPr/>
+            </a:pPr>
+            <a:r>
+              <a:rPr kumimoji="0" lang="fr-FR" sz="1200" b="0" i="0" u="none" strike="noStrike" kern="1200" cap="none" spc="0" normalizeH="0" baseline="0" noProof="0" dirty="0">
+                <a:ln>
+                  <a:noFill/>
+                </a:ln>
+                <a:effectLst/>
+                <a:uLnTx/>
+                <a:uFillTx/>
+                <a:latin typeface="Calibri" panose="020F0502020204030204"/>
+                <a:ea typeface="+mn-ea"/>
+                <a:cs typeface="+mn-cs"/>
+              </a:rPr>
+              <a:t>- </a:t>
+            </a:r>
+            <a:r>
+              <a:rPr lang="fr-FR" sz="1200" dirty="0">
+                <a:latin typeface="Calibri" panose="020F0502020204030204"/>
+              </a:rPr>
+              <a:t>E</a:t>
+            </a:r>
+            <a:r>
+              <a:rPr kumimoji="0" lang="fr-FR" sz="1200" b="0" i="0" u="none" strike="noStrike" kern="1200" cap="none" spc="0" normalizeH="0" baseline="0" noProof="0" dirty="0">
+                <a:ln>
+                  <a:noFill/>
+                </a:ln>
+                <a:effectLst/>
+                <a:uLnTx/>
+                <a:uFillTx/>
+                <a:latin typeface="Calibri" panose="020F0502020204030204"/>
+                <a:ea typeface="+mn-ea"/>
+                <a:cs typeface="+mn-cs"/>
+              </a:rPr>
+              <a:t>mail</a:t>
+            </a:r>
+          </a:p>
+        </p:txBody>
+      </p:sp>
+      <p:sp>
+        <p:nvSpPr>
+          <p:cNvPr id="159" name="Rectangle 158">
+            <a:extLst>
+              <a:ext uri="{FF2B5EF4-FFF2-40B4-BE49-F238E27FC236}">
+                <a16:creationId xmlns:a16="http://schemas.microsoft.com/office/drawing/2014/main" id="{748D1CDB-2E52-4855-A331-15D1F676460A}"/>
+              </a:ext>
+            </a:extLst>
+          </p:cNvPr>
+          <p:cNvSpPr/>
+          <p:nvPr/>
+        </p:nvSpPr>
+        <p:spPr>
+          <a:xfrm>
+            <a:off x="310148" y="809306"/>
+            <a:ext cx="1584000" cy="532772"/>
+          </a:xfrm>
+          <a:prstGeom prst="rect">
+            <a:avLst/>
+          </a:prstGeom>
+          <a:noFill/>
+          <a:ln w="12700" cap="flat" cmpd="sng" algn="ctr">
+            <a:solidFill>
+              <a:schemeClr val="tx1"/>
+            </a:solidFill>
+            <a:prstDash val="solid"/>
+            <a:miter lim="800000"/>
+          </a:ln>
+          <a:effectLst/>
+        </p:spPr>
+        <p:txBody>
+          <a:bodyPr rtlCol="0" anchor="ctr"/>
+          <a:lstStyle/>
+          <a:p>
+            <a:pPr marL="0" marR="0" lvl="0" indent="0" defTabSz="914400" eaLnBrk="1" fontAlgn="auto" latinLnBrk="0" hangingPunct="1">
+              <a:lnSpc>
+                <a:spcPct val="100000"/>
+              </a:lnSpc>
+              <a:spcBef>
+                <a:spcPts val="0"/>
+              </a:spcBef>
+              <a:spcAft>
+                <a:spcPts val="0"/>
+              </a:spcAft>
+              <a:buClrTx/>
+              <a:buSzTx/>
+              <a:buFontTx/>
+              <a:buNone/>
+              <a:tabLst/>
+              <a:defRPr/>
+            </a:pPr>
+            <a:r>
+              <a:rPr kumimoji="0" lang="fr-FR" sz="1200" b="0" i="0" u="none" strike="noStrike" kern="1200" cap="none" spc="0" normalizeH="0" baseline="0" noProof="0" dirty="0">
+                <a:ln>
+                  <a:noFill/>
+                </a:ln>
+                <a:effectLst/>
+                <a:uLnTx/>
+                <a:uFillTx/>
+                <a:latin typeface="Calibri" panose="020F0502020204030204"/>
+                <a:ea typeface="+mn-ea"/>
+                <a:cs typeface="+mn-cs"/>
+              </a:rPr>
+              <a:t>Protocol</a:t>
+            </a:r>
+          </a:p>
+          <a:p>
+            <a:pPr marL="0" marR="0" lvl="0" indent="0" defTabSz="914400" eaLnBrk="1" fontAlgn="auto" latinLnBrk="0" hangingPunct="1">
+              <a:lnSpc>
+                <a:spcPct val="100000"/>
+              </a:lnSpc>
+              <a:spcBef>
+                <a:spcPts val="0"/>
+              </a:spcBef>
+              <a:spcAft>
+                <a:spcPts val="0"/>
+              </a:spcAft>
+              <a:buClrTx/>
+              <a:buSzTx/>
+              <a:buFontTx/>
+              <a:buNone/>
+              <a:tabLst/>
+              <a:defRPr/>
+            </a:pPr>
+            <a:r>
+              <a:rPr kumimoji="0" lang="fr-FR" sz="1200" b="0" i="0" u="none" strike="noStrike" kern="1200" cap="none" spc="0" normalizeH="0" baseline="0" noProof="0" dirty="0">
+                <a:ln>
+                  <a:noFill/>
+                </a:ln>
+                <a:effectLst/>
+                <a:uLnTx/>
+                <a:uFillTx/>
+                <a:latin typeface="Calibri" panose="020F0502020204030204"/>
+                <a:ea typeface="+mn-ea"/>
+                <a:cs typeface="+mn-cs"/>
+              </a:rPr>
+              <a:t>(free format)</a:t>
+            </a:r>
+            <a:endParaRPr kumimoji="0" lang="en-US" sz="1200" b="0" i="0" u="none" strike="noStrike" kern="1200" cap="none" spc="0" normalizeH="0" baseline="0" noProof="0" dirty="0">
+              <a:ln>
+                <a:noFill/>
+              </a:ln>
+              <a:effectLst/>
+              <a:uLnTx/>
+              <a:uFillTx/>
+              <a:latin typeface="Calibri" panose="020F0502020204030204"/>
+              <a:ea typeface="+mn-ea"/>
+              <a:cs typeface="+mn-cs"/>
+            </a:endParaRPr>
+          </a:p>
+        </p:txBody>
+      </p:sp>
+      <p:sp>
+        <p:nvSpPr>
+          <p:cNvPr id="160" name="ZoneTexte 159">
+            <a:extLst>
+              <a:ext uri="{FF2B5EF4-FFF2-40B4-BE49-F238E27FC236}">
+                <a16:creationId xmlns:a16="http://schemas.microsoft.com/office/drawing/2014/main" id="{AFAF3339-50E7-4186-AC53-70115F64E3F9}"/>
+              </a:ext>
+            </a:extLst>
+          </p:cNvPr>
+          <p:cNvSpPr txBox="1"/>
+          <p:nvPr/>
+        </p:nvSpPr>
+        <p:spPr>
+          <a:xfrm>
+            <a:off x="1536473" y="676137"/>
+            <a:ext cx="352425" cy="707886"/>
+          </a:xfrm>
+          <a:prstGeom prst="rect">
+            <a:avLst/>
+          </a:prstGeom>
+          <a:noFill/>
+          <a:ln>
+            <a:noFill/>
+          </a:ln>
+        </p:spPr>
+        <p:txBody>
+          <a:bodyPr wrap="square" rtlCol="0">
+            <a:spAutoFit/>
+          </a:bodyPr>
+          <a:lstStyle/>
+          <a:p>
+            <a:r>
+              <a:rPr lang="fr-FR" sz="4000" dirty="0"/>
+              <a:t>*</a:t>
+            </a:r>
+            <a:endParaRPr lang="en-US" dirty="0"/>
+          </a:p>
+        </p:txBody>
+      </p:sp>
+      <p:sp>
+        <p:nvSpPr>
+          <p:cNvPr id="161" name="ZoneTexte 160">
+            <a:extLst>
+              <a:ext uri="{FF2B5EF4-FFF2-40B4-BE49-F238E27FC236}">
+                <a16:creationId xmlns:a16="http://schemas.microsoft.com/office/drawing/2014/main" id="{CEC53512-7E3B-43AE-9580-8D40554520F2}"/>
+              </a:ext>
+            </a:extLst>
+          </p:cNvPr>
+          <p:cNvSpPr txBox="1"/>
+          <p:nvPr/>
+        </p:nvSpPr>
+        <p:spPr>
+          <a:xfrm>
+            <a:off x="1536473" y="3853803"/>
+            <a:ext cx="352425" cy="707886"/>
+          </a:xfrm>
+          <a:prstGeom prst="rect">
+            <a:avLst/>
+          </a:prstGeom>
+          <a:noFill/>
+          <a:ln>
+            <a:noFill/>
+          </a:ln>
+        </p:spPr>
+        <p:txBody>
+          <a:bodyPr wrap="square" rtlCol="0">
+            <a:spAutoFit/>
+          </a:bodyPr>
+          <a:lstStyle/>
+          <a:p>
+            <a:r>
+              <a:rPr lang="fr-FR" sz="4000" dirty="0"/>
+              <a:t>*</a:t>
+            </a:r>
+            <a:endParaRPr lang="en-US" dirty="0"/>
+          </a:p>
+        </p:txBody>
+      </p:sp>
+      <p:sp>
+        <p:nvSpPr>
+          <p:cNvPr id="162" name="ZoneTexte 161">
+            <a:extLst>
+              <a:ext uri="{FF2B5EF4-FFF2-40B4-BE49-F238E27FC236}">
+                <a16:creationId xmlns:a16="http://schemas.microsoft.com/office/drawing/2014/main" id="{95DFCD8F-7DF4-4341-A050-549214FC0E99}"/>
+              </a:ext>
+            </a:extLst>
+          </p:cNvPr>
+          <p:cNvSpPr txBox="1"/>
+          <p:nvPr/>
+        </p:nvSpPr>
+        <p:spPr>
+          <a:xfrm>
+            <a:off x="1536473" y="1736337"/>
+            <a:ext cx="352425" cy="707886"/>
+          </a:xfrm>
+          <a:prstGeom prst="rect">
+            <a:avLst/>
+          </a:prstGeom>
+          <a:noFill/>
+          <a:ln>
+            <a:noFill/>
+          </a:ln>
+        </p:spPr>
+        <p:txBody>
+          <a:bodyPr wrap="square" rtlCol="0">
+            <a:spAutoFit/>
+          </a:bodyPr>
+          <a:lstStyle/>
+          <a:p>
+            <a:r>
+              <a:rPr lang="fr-FR" sz="4000" dirty="0"/>
+              <a:t>*</a:t>
+            </a:r>
+            <a:endParaRPr lang="en-US" dirty="0"/>
+          </a:p>
+        </p:txBody>
+      </p:sp>
+    </p:spTree>
+    <p:extLst>
+      <p:ext uri="{BB962C8B-B14F-4D97-AF65-F5344CB8AC3E}">
+        <p14:creationId xmlns:p14="http://schemas.microsoft.com/office/powerpoint/2010/main" val="3468136072"/>
+      </p:ext>
+    </p:extLst>
+  </p:cSld>
+  <p:clrMapOvr>
+    <a:masterClrMapping/>
+  </p:clrMapOvr>
+</p:sld>
+</file>
+
 <file path=ppt/theme/theme1.xml><?xml version="1.0" encoding="utf-8"?>
 <a:theme xmlns:a="http://schemas.openxmlformats.org/drawingml/2006/main" name="Office Theme">
   <a:themeElements>
